--- a/files/meta-teaching/Lecture2.pptx
+++ b/files/meta-teaching/Lecture2.pptx
@@ -6,7 +6,7 @@
     <p:sldMasterId id="2147483662" r:id="rId2"/>
   </p:sldMasterIdLst>
   <p:notesMasterIdLst>
-    <p:notesMasterId r:id="rId29"/>
+    <p:notesMasterId r:id="rId31"/>
   </p:notesMasterIdLst>
   <p:sldIdLst>
     <p:sldId id="283" r:id="rId3"/>
@@ -22,24 +22,26 @@
     <p:sldId id="337" r:id="rId13"/>
     <p:sldId id="338" r:id="rId14"/>
     <p:sldId id="334" r:id="rId15"/>
-    <p:sldId id="335" r:id="rId16"/>
-    <p:sldId id="308" r:id="rId17"/>
-    <p:sldId id="326" r:id="rId18"/>
-    <p:sldId id="340" r:id="rId19"/>
-    <p:sldId id="328" r:id="rId20"/>
-    <p:sldId id="339" r:id="rId21"/>
-    <p:sldId id="329" r:id="rId22"/>
-    <p:sldId id="343" r:id="rId23"/>
-    <p:sldId id="285" r:id="rId24"/>
-    <p:sldId id="341" r:id="rId25"/>
-    <p:sldId id="342" r:id="rId26"/>
-    <p:sldId id="330" r:id="rId27"/>
-    <p:sldId id="303" r:id="rId28"/>
+    <p:sldId id="345" r:id="rId16"/>
+    <p:sldId id="335" r:id="rId17"/>
+    <p:sldId id="344" r:id="rId18"/>
+    <p:sldId id="308" r:id="rId19"/>
+    <p:sldId id="326" r:id="rId20"/>
+    <p:sldId id="328" r:id="rId21"/>
+    <p:sldId id="340" r:id="rId22"/>
+    <p:sldId id="339" r:id="rId23"/>
+    <p:sldId id="329" r:id="rId24"/>
+    <p:sldId id="343" r:id="rId25"/>
+    <p:sldId id="285" r:id="rId26"/>
+    <p:sldId id="341" r:id="rId27"/>
+    <p:sldId id="342" r:id="rId28"/>
+    <p:sldId id="330" r:id="rId29"/>
+    <p:sldId id="303" r:id="rId30"/>
   </p:sldIdLst>
   <p:sldSz cx="12192000" cy="6858000"/>
   <p:notesSz cx="6858000" cy="9144000"/>
   <p:custDataLst>
-    <p:tags r:id="rId30"/>
+    <p:tags r:id="rId32"/>
   </p:custDataLst>
   <p:defaultTextStyle>
     <a:defPPr>
@@ -237,7 +239,7 @@
           <a:p>
             <a:fld id="{9F6D67DF-CF82-44E4-9FB6-564B8C4C207B}" type="datetimeFigureOut">
               <a:rPr lang="zh-CN" altLang="en-US" smtClean="0"/>
-              <a:t>2024/5/15</a:t>
+              <a:t>2024/5/20</a:t>
             </a:fld>
             <a:endParaRPr lang="zh-CN" altLang="en-US"/>
           </a:p>
@@ -653,7 +655,7 @@
           <a:p>
             <a:fld id="{7E79BF44-F5CE-455C-A9FE-73A15FC422D4}" type="slidenum">
               <a:rPr lang="zh-CN" altLang="en-US" smtClean="0"/>
-              <a:t>26</a:t>
+              <a:t>28</a:t>
             </a:fld>
             <a:endParaRPr lang="zh-CN" altLang="en-US"/>
           </a:p>
@@ -989,7 +991,7 @@
           <a:p>
             <a:fld id="{7E79BF44-F5CE-455C-A9FE-73A15FC422D4}" type="slidenum">
               <a:rPr lang="zh-CN" altLang="en-US" smtClean="0"/>
-              <a:t>15</a:t>
+              <a:t>17</a:t>
             </a:fld>
             <a:endParaRPr lang="zh-CN" altLang="en-US"/>
           </a:p>
@@ -1073,7 +1075,7 @@
           <a:p>
             <a:fld id="{7E79BF44-F5CE-455C-A9FE-73A15FC422D4}" type="slidenum">
               <a:rPr lang="zh-CN" altLang="en-US" smtClean="0"/>
-              <a:t>20</a:t>
+              <a:t>22</a:t>
             </a:fld>
             <a:endParaRPr lang="zh-CN" altLang="en-US"/>
           </a:p>
@@ -1337,7 +1339,7 @@
                 <a:buFont typeface="Arial" charset="0"/>
                 <a:buNone/>
               </a:pPr>
-              <a:t>21</a:t>
+              <a:t>23</a:t>
             </a:fld>
             <a:endParaRPr lang="zh-CN" altLang="en-US" sz="1200">
               <a:latin typeface="Calibri" pitchFamily="34" charset="0"/>
@@ -1604,7 +1606,7 @@
                 <a:buFont typeface="Arial" charset="0"/>
                 <a:buNone/>
               </a:pPr>
-              <a:t>22</a:t>
+              <a:t>24</a:t>
             </a:fld>
             <a:endParaRPr lang="zh-CN" altLang="en-US" sz="1200">
               <a:latin typeface="Calibri" pitchFamily="34" charset="0"/>
@@ -1691,7 +1693,7 @@
           <a:p>
             <a:fld id="{7E79BF44-F5CE-455C-A9FE-73A15FC422D4}" type="slidenum">
               <a:rPr lang="zh-CN" altLang="en-US" smtClean="0"/>
-              <a:t>24</a:t>
+              <a:t>26</a:t>
             </a:fld>
             <a:endParaRPr lang="zh-CN" altLang="en-US"/>
           </a:p>
@@ -1857,7 +1859,7 @@
           <a:p>
             <a:fld id="{C18EDF5E-578C-4F7F-BA8F-EE7896D35C60}" type="datetimeFigureOut">
               <a:rPr lang="zh-CN" altLang="en-US" smtClean="0"/>
-              <a:t>2024/5/15</a:t>
+              <a:t>2024/5/20</a:t>
             </a:fld>
             <a:endParaRPr lang="zh-CN" altLang="en-US"/>
           </a:p>
@@ -2157,7 +2159,7 @@
           <a:p>
             <a:fld id="{C18EDF5E-578C-4F7F-BA8F-EE7896D35C60}" type="datetimeFigureOut">
               <a:rPr lang="zh-CN" altLang="en-US" smtClean="0"/>
-              <a:t>2024/5/15</a:t>
+              <a:t>2024/5/20</a:t>
             </a:fld>
             <a:endParaRPr lang="zh-CN" altLang="en-US"/>
           </a:p>
@@ -2367,7 +2369,7 @@
           <a:p>
             <a:fld id="{C18EDF5E-578C-4F7F-BA8F-EE7896D35C60}" type="datetimeFigureOut">
               <a:rPr lang="zh-CN" altLang="en-US" smtClean="0"/>
-              <a:t>2024/5/15</a:t>
+              <a:t>2024/5/20</a:t>
             </a:fld>
             <a:endParaRPr lang="zh-CN" altLang="en-US"/>
           </a:p>
@@ -2587,7 +2589,7 @@
           <a:p>
             <a:fld id="{C18EDF5E-578C-4F7F-BA8F-EE7896D35C60}" type="datetimeFigureOut">
               <a:rPr lang="zh-CN" altLang="en-US" smtClean="0"/>
-              <a:t>2024/5/15</a:t>
+              <a:t>2024/5/20</a:t>
             </a:fld>
             <a:endParaRPr lang="zh-CN" altLang="en-US"/>
           </a:p>
@@ -2706,7 +2708,7 @@
           <a:p>
             <a:fld id="{D67E1CCE-4C69-481E-8A82-8C3A41A945F4}" type="datetimeFigureOut">
               <a:rPr lang="zh-CN" altLang="en-US" smtClean="0"/>
-              <a:t>2024/5/15</a:t>
+              <a:t>2024/5/20</a:t>
             </a:fld>
             <a:endParaRPr lang="zh-CN" altLang="en-US"/>
           </a:p>
@@ -3474,7 +3476,7 @@
                 </a:solidFill>
               </a:rPr>
               <a:pPr/>
-              <a:t>2024/5/15</a:t>
+              <a:t>2024/5/20</a:t>
             </a:fld>
             <a:endParaRPr lang="zh-CN" altLang="en-US">
               <a:solidFill>
@@ -3704,7 +3706,7 @@
                 </a:solidFill>
               </a:rPr>
               <a:pPr/>
-              <a:t>2024/5/15</a:t>
+              <a:t>2024/5/20</a:t>
             </a:fld>
             <a:endParaRPr lang="zh-CN" altLang="en-US">
               <a:solidFill>
@@ -3953,7 +3955,7 @@
           <a:p>
             <a:fld id="{C18EDF5E-578C-4F7F-BA8F-EE7896D35C60}" type="datetimeFigureOut">
               <a:rPr lang="zh-CN" altLang="en-US" smtClean="0"/>
-              <a:t>2024/5/15</a:t>
+              <a:t>2024/5/20</a:t>
             </a:fld>
             <a:endParaRPr lang="zh-CN" altLang="en-US"/>
           </a:p>
@@ -4240,7 +4242,7 @@
           <a:p>
             <a:fld id="{C18EDF5E-578C-4F7F-BA8F-EE7896D35C60}" type="datetimeFigureOut">
               <a:rPr lang="zh-CN" altLang="en-US" smtClean="0"/>
-              <a:t>2024/5/15</a:t>
+              <a:t>2024/5/20</a:t>
             </a:fld>
             <a:endParaRPr lang="zh-CN" altLang="en-US"/>
           </a:p>
@@ -4517,7 +4519,7 @@
           <a:p>
             <a:fld id="{C18EDF5E-578C-4F7F-BA8F-EE7896D35C60}" type="datetimeFigureOut">
               <a:rPr lang="zh-CN" altLang="en-US" smtClean="0"/>
-              <a:t>2024/5/15</a:t>
+              <a:t>2024/5/20</a:t>
             </a:fld>
             <a:endParaRPr lang="zh-CN" altLang="en-US"/>
           </a:p>
@@ -4941,7 +4943,7 @@
           <a:p>
             <a:fld id="{C18EDF5E-578C-4F7F-BA8F-EE7896D35C60}" type="datetimeFigureOut">
               <a:rPr lang="zh-CN" altLang="en-US" smtClean="0"/>
-              <a:t>2024/5/15</a:t>
+              <a:t>2024/5/20</a:t>
             </a:fld>
             <a:endParaRPr lang="zh-CN" altLang="en-US"/>
           </a:p>
@@ -5365,7 +5367,7 @@
           <a:p>
             <a:fld id="{C18EDF5E-578C-4F7F-BA8F-EE7896D35C60}" type="datetimeFigureOut">
               <a:rPr lang="zh-CN" altLang="en-US" smtClean="0"/>
-              <a:t>2024/5/15</a:t>
+              <a:t>2024/5/20</a:t>
             </a:fld>
             <a:endParaRPr lang="zh-CN" altLang="en-US"/>
           </a:p>
@@ -5619,7 +5621,7 @@
           <a:p>
             <a:fld id="{C18EDF5E-578C-4F7F-BA8F-EE7896D35C60}" type="datetimeFigureOut">
               <a:rPr lang="zh-CN" altLang="en-US" smtClean="0"/>
-              <a:t>2024/5/15</a:t>
+              <a:t>2024/5/20</a:t>
             </a:fld>
             <a:endParaRPr lang="zh-CN" altLang="en-US"/>
           </a:p>
@@ -5744,7 +5746,7 @@
           <a:p>
             <a:fld id="{C18EDF5E-578C-4F7F-BA8F-EE7896D35C60}" type="datetimeFigureOut">
               <a:rPr lang="zh-CN" altLang="en-US" smtClean="0"/>
-              <a:t>2024/5/15</a:t>
+              <a:t>2024/5/20</a:t>
             </a:fld>
             <a:endParaRPr lang="zh-CN" altLang="en-US"/>
           </a:p>
@@ -6067,7 +6069,7 @@
           <a:p>
             <a:fld id="{C18EDF5E-578C-4F7F-BA8F-EE7896D35C60}" type="datetimeFigureOut">
               <a:rPr lang="zh-CN" altLang="en-US" smtClean="0"/>
-              <a:t>2024/5/15</a:t>
+              <a:t>2024/5/20</a:t>
             </a:fld>
             <a:endParaRPr lang="zh-CN" altLang="en-US"/>
           </a:p>
@@ -6329,7 +6331,7 @@
           <a:p>
             <a:fld id="{C18EDF5E-578C-4F7F-BA8F-EE7896D35C60}" type="datetimeFigureOut">
               <a:rPr lang="zh-CN" altLang="en-US" smtClean="0"/>
-              <a:t>2024/5/15</a:t>
+              <a:t>2024/5/20</a:t>
             </a:fld>
             <a:endParaRPr lang="zh-CN" altLang="en-US"/>
           </a:p>
@@ -7264,7 +7266,7 @@
                 <a:cs typeface="+mn-ea"/>
                 <a:sym typeface="+mn-lt"/>
               </a:rPr>
-              <a:t>C</a:t>
+              <a:t>C/C++</a:t>
             </a:r>
             <a:r>
               <a:rPr lang="zh-CN" altLang="en-US" sz="4800" b="1" dirty="0">
@@ -7274,7 +7276,7 @@
                 <a:cs typeface="+mn-ea"/>
                 <a:sym typeface="+mn-lt"/>
               </a:rPr>
-              <a:t>语言编译原理</a:t>
+              <a:t>编译原理</a:t>
             </a:r>
             <a:endParaRPr lang="en-US" altLang="zh-CN" sz="4800" b="1" dirty="0">
               <a:solidFill>
@@ -10225,7 +10227,7 @@
         </p:nvSpPr>
         <p:spPr>
           <a:xfrm>
-            <a:off x="1213337" y="1523944"/>
+            <a:off x="1207475" y="1096052"/>
             <a:ext cx="8094785" cy="3693319"/>
           </a:xfrm>
           <a:prstGeom prst="rect">
@@ -10369,6 +10371,727 @@
           </a:p>
         </p:txBody>
       </p:sp>
+      <p:sp>
+        <p:nvSpPr>
+          <p:cNvPr id="10" name="矩形: 圆角 9">
+            <a:extLst>
+              <a:ext uri="{FF2B5EF4-FFF2-40B4-BE49-F238E27FC236}">
+                <a16:creationId xmlns:a16="http://schemas.microsoft.com/office/drawing/2014/main" id="{0235ED4B-BB4E-40F8-44E1-18E99B2FBA68}"/>
+              </a:ext>
+            </a:extLst>
+          </p:cNvPr>
+          <p:cNvSpPr/>
+          <p:nvPr/>
+        </p:nvSpPr>
+        <p:spPr>
+          <a:xfrm>
+            <a:off x="1064221" y="5035646"/>
+            <a:ext cx="1710686" cy="757381"/>
+          </a:xfrm>
+          <a:prstGeom prst="roundRect">
+            <a:avLst/>
+          </a:prstGeom>
+        </p:spPr>
+        <p:style>
+          <a:lnRef idx="2">
+            <a:schemeClr val="accent1">
+              <a:shade val="50000"/>
+            </a:schemeClr>
+          </a:lnRef>
+          <a:fillRef idx="1">
+            <a:schemeClr val="accent1"/>
+          </a:fillRef>
+          <a:effectRef idx="0">
+            <a:schemeClr val="accent1"/>
+          </a:effectRef>
+          <a:fontRef idx="minor">
+            <a:schemeClr val="lt1"/>
+          </a:fontRef>
+        </p:style>
+        <p:txBody>
+          <a:bodyPr rtlCol="0" anchor="ctr"/>
+          <a:lstStyle>
+            <a:defPPr>
+              <a:defRPr lang="zh-CN"/>
+            </a:defPPr>
+            <a:lvl1pPr marL="0" algn="l" defTabSz="914400" rtl="0" eaLnBrk="1" latinLnBrk="0" hangingPunct="1">
+              <a:defRPr sz="1800" kern="1200">
+                <a:solidFill>
+                  <a:schemeClr val="lt1"/>
+                </a:solidFill>
+                <a:latin typeface="+mn-lt"/>
+                <a:ea typeface="+mn-ea"/>
+                <a:cs typeface="+mn-cs"/>
+              </a:defRPr>
+            </a:lvl1pPr>
+            <a:lvl2pPr marL="457200" algn="l" defTabSz="914400" rtl="0" eaLnBrk="1" latinLnBrk="0" hangingPunct="1">
+              <a:defRPr sz="1800" kern="1200">
+                <a:solidFill>
+                  <a:schemeClr val="lt1"/>
+                </a:solidFill>
+                <a:latin typeface="+mn-lt"/>
+                <a:ea typeface="+mn-ea"/>
+                <a:cs typeface="+mn-cs"/>
+              </a:defRPr>
+            </a:lvl2pPr>
+            <a:lvl3pPr marL="914400" algn="l" defTabSz="914400" rtl="0" eaLnBrk="1" latinLnBrk="0" hangingPunct="1">
+              <a:defRPr sz="1800" kern="1200">
+                <a:solidFill>
+                  <a:schemeClr val="lt1"/>
+                </a:solidFill>
+                <a:latin typeface="+mn-lt"/>
+                <a:ea typeface="+mn-ea"/>
+                <a:cs typeface="+mn-cs"/>
+              </a:defRPr>
+            </a:lvl3pPr>
+            <a:lvl4pPr marL="1371600" algn="l" defTabSz="914400" rtl="0" eaLnBrk="1" latinLnBrk="0" hangingPunct="1">
+              <a:defRPr sz="1800" kern="1200">
+                <a:solidFill>
+                  <a:schemeClr val="lt1"/>
+                </a:solidFill>
+                <a:latin typeface="+mn-lt"/>
+                <a:ea typeface="+mn-ea"/>
+                <a:cs typeface="+mn-cs"/>
+              </a:defRPr>
+            </a:lvl4pPr>
+            <a:lvl5pPr marL="1828800" algn="l" defTabSz="914400" rtl="0" eaLnBrk="1" latinLnBrk="0" hangingPunct="1">
+              <a:defRPr sz="1800" kern="1200">
+                <a:solidFill>
+                  <a:schemeClr val="lt1"/>
+                </a:solidFill>
+                <a:latin typeface="+mn-lt"/>
+                <a:ea typeface="+mn-ea"/>
+                <a:cs typeface="+mn-cs"/>
+              </a:defRPr>
+            </a:lvl5pPr>
+            <a:lvl6pPr marL="2286000" algn="l" defTabSz="914400" rtl="0" eaLnBrk="1" latinLnBrk="0" hangingPunct="1">
+              <a:defRPr sz="1800" kern="1200">
+                <a:solidFill>
+                  <a:schemeClr val="lt1"/>
+                </a:solidFill>
+                <a:latin typeface="+mn-lt"/>
+                <a:ea typeface="+mn-ea"/>
+                <a:cs typeface="+mn-cs"/>
+              </a:defRPr>
+            </a:lvl6pPr>
+            <a:lvl7pPr marL="2743200" algn="l" defTabSz="914400" rtl="0" eaLnBrk="1" latinLnBrk="0" hangingPunct="1">
+              <a:defRPr sz="1800" kern="1200">
+                <a:solidFill>
+                  <a:schemeClr val="lt1"/>
+                </a:solidFill>
+                <a:latin typeface="+mn-lt"/>
+                <a:ea typeface="+mn-ea"/>
+                <a:cs typeface="+mn-cs"/>
+              </a:defRPr>
+            </a:lvl7pPr>
+            <a:lvl8pPr marL="3200400" algn="l" defTabSz="914400" rtl="0" eaLnBrk="1" latinLnBrk="0" hangingPunct="1">
+              <a:defRPr sz="1800" kern="1200">
+                <a:solidFill>
+                  <a:schemeClr val="lt1"/>
+                </a:solidFill>
+                <a:latin typeface="+mn-lt"/>
+                <a:ea typeface="+mn-ea"/>
+                <a:cs typeface="+mn-cs"/>
+              </a:defRPr>
+            </a:lvl8pPr>
+            <a:lvl9pPr marL="3657600" algn="l" defTabSz="914400" rtl="0" eaLnBrk="1" latinLnBrk="0" hangingPunct="1">
+              <a:defRPr sz="1800" kern="1200">
+                <a:solidFill>
+                  <a:schemeClr val="lt1"/>
+                </a:solidFill>
+                <a:latin typeface="+mn-lt"/>
+                <a:ea typeface="+mn-ea"/>
+                <a:cs typeface="+mn-cs"/>
+              </a:defRPr>
+            </a:lvl9pPr>
+          </a:lstStyle>
+          <a:p>
+            <a:pPr algn="ctr"/>
+            <a:r>
+              <a:rPr lang="zh-CN" altLang="en-US" dirty="0"/>
+              <a:t>高级语言</a:t>
+            </a:r>
+            <a:endParaRPr lang="en-US" altLang="zh-CN" dirty="0"/>
+          </a:p>
+          <a:p>
+            <a:pPr algn="ctr"/>
+            <a:r>
+              <a:rPr lang="zh-CN" altLang="en-US" dirty="0"/>
+              <a:t>（</a:t>
+            </a:r>
+            <a:r>
+              <a:rPr lang="en-US" altLang="zh-CN" dirty="0"/>
+              <a:t>C</a:t>
+            </a:r>
+            <a:r>
+              <a:rPr lang="zh-CN" altLang="en-US" dirty="0"/>
+              <a:t>、</a:t>
+            </a:r>
+            <a:r>
+              <a:rPr lang="en-US" altLang="zh-CN" dirty="0"/>
+              <a:t>C++</a:t>
+            </a:r>
+            <a:r>
+              <a:rPr lang="zh-CN" altLang="en-US" dirty="0"/>
+              <a:t>）</a:t>
+            </a:r>
+          </a:p>
+        </p:txBody>
+      </p:sp>
+      <p:sp>
+        <p:nvSpPr>
+          <p:cNvPr id="18" name="矩形: 圆角 17">
+            <a:extLst>
+              <a:ext uri="{FF2B5EF4-FFF2-40B4-BE49-F238E27FC236}">
+                <a16:creationId xmlns:a16="http://schemas.microsoft.com/office/drawing/2014/main" id="{0CA25DDB-8CF4-7EF8-0228-D2632627DAC0}"/>
+              </a:ext>
+            </a:extLst>
+          </p:cNvPr>
+          <p:cNvSpPr/>
+          <p:nvPr/>
+        </p:nvSpPr>
+        <p:spPr>
+          <a:xfrm>
+            <a:off x="3402975" y="5035646"/>
+            <a:ext cx="1710686" cy="757381"/>
+          </a:xfrm>
+          <a:prstGeom prst="roundRect">
+            <a:avLst/>
+          </a:prstGeom>
+        </p:spPr>
+        <p:style>
+          <a:lnRef idx="2">
+            <a:schemeClr val="accent1">
+              <a:shade val="50000"/>
+            </a:schemeClr>
+          </a:lnRef>
+          <a:fillRef idx="1">
+            <a:schemeClr val="accent1"/>
+          </a:fillRef>
+          <a:effectRef idx="0">
+            <a:schemeClr val="accent1"/>
+          </a:effectRef>
+          <a:fontRef idx="minor">
+            <a:schemeClr val="lt1"/>
+          </a:fontRef>
+        </p:style>
+        <p:txBody>
+          <a:bodyPr rtlCol="0" anchor="ctr"/>
+          <a:lstStyle>
+            <a:defPPr>
+              <a:defRPr lang="zh-CN"/>
+            </a:defPPr>
+            <a:lvl1pPr marL="0" algn="l" defTabSz="914400" rtl="0" eaLnBrk="1" latinLnBrk="0" hangingPunct="1">
+              <a:defRPr sz="1800" kern="1200">
+                <a:solidFill>
+                  <a:schemeClr val="lt1"/>
+                </a:solidFill>
+                <a:latin typeface="+mn-lt"/>
+                <a:ea typeface="+mn-ea"/>
+                <a:cs typeface="+mn-cs"/>
+              </a:defRPr>
+            </a:lvl1pPr>
+            <a:lvl2pPr marL="457200" algn="l" defTabSz="914400" rtl="0" eaLnBrk="1" latinLnBrk="0" hangingPunct="1">
+              <a:defRPr sz="1800" kern="1200">
+                <a:solidFill>
+                  <a:schemeClr val="lt1"/>
+                </a:solidFill>
+                <a:latin typeface="+mn-lt"/>
+                <a:ea typeface="+mn-ea"/>
+                <a:cs typeface="+mn-cs"/>
+              </a:defRPr>
+            </a:lvl2pPr>
+            <a:lvl3pPr marL="914400" algn="l" defTabSz="914400" rtl="0" eaLnBrk="1" latinLnBrk="0" hangingPunct="1">
+              <a:defRPr sz="1800" kern="1200">
+                <a:solidFill>
+                  <a:schemeClr val="lt1"/>
+                </a:solidFill>
+                <a:latin typeface="+mn-lt"/>
+                <a:ea typeface="+mn-ea"/>
+                <a:cs typeface="+mn-cs"/>
+              </a:defRPr>
+            </a:lvl3pPr>
+            <a:lvl4pPr marL="1371600" algn="l" defTabSz="914400" rtl="0" eaLnBrk="1" latinLnBrk="0" hangingPunct="1">
+              <a:defRPr sz="1800" kern="1200">
+                <a:solidFill>
+                  <a:schemeClr val="lt1"/>
+                </a:solidFill>
+                <a:latin typeface="+mn-lt"/>
+                <a:ea typeface="+mn-ea"/>
+                <a:cs typeface="+mn-cs"/>
+              </a:defRPr>
+            </a:lvl4pPr>
+            <a:lvl5pPr marL="1828800" algn="l" defTabSz="914400" rtl="0" eaLnBrk="1" latinLnBrk="0" hangingPunct="1">
+              <a:defRPr sz="1800" kern="1200">
+                <a:solidFill>
+                  <a:schemeClr val="lt1"/>
+                </a:solidFill>
+                <a:latin typeface="+mn-lt"/>
+                <a:ea typeface="+mn-ea"/>
+                <a:cs typeface="+mn-cs"/>
+              </a:defRPr>
+            </a:lvl5pPr>
+            <a:lvl6pPr marL="2286000" algn="l" defTabSz="914400" rtl="0" eaLnBrk="1" latinLnBrk="0" hangingPunct="1">
+              <a:defRPr sz="1800" kern="1200">
+                <a:solidFill>
+                  <a:schemeClr val="lt1"/>
+                </a:solidFill>
+                <a:latin typeface="+mn-lt"/>
+                <a:ea typeface="+mn-ea"/>
+                <a:cs typeface="+mn-cs"/>
+              </a:defRPr>
+            </a:lvl6pPr>
+            <a:lvl7pPr marL="2743200" algn="l" defTabSz="914400" rtl="0" eaLnBrk="1" latinLnBrk="0" hangingPunct="1">
+              <a:defRPr sz="1800" kern="1200">
+                <a:solidFill>
+                  <a:schemeClr val="lt1"/>
+                </a:solidFill>
+                <a:latin typeface="+mn-lt"/>
+                <a:ea typeface="+mn-ea"/>
+                <a:cs typeface="+mn-cs"/>
+              </a:defRPr>
+            </a:lvl7pPr>
+            <a:lvl8pPr marL="3200400" algn="l" defTabSz="914400" rtl="0" eaLnBrk="1" latinLnBrk="0" hangingPunct="1">
+              <a:defRPr sz="1800" kern="1200">
+                <a:solidFill>
+                  <a:schemeClr val="lt1"/>
+                </a:solidFill>
+                <a:latin typeface="+mn-lt"/>
+                <a:ea typeface="+mn-ea"/>
+                <a:cs typeface="+mn-cs"/>
+              </a:defRPr>
+            </a:lvl8pPr>
+            <a:lvl9pPr marL="3657600" algn="l" defTabSz="914400" rtl="0" eaLnBrk="1" latinLnBrk="0" hangingPunct="1">
+              <a:defRPr sz="1800" kern="1200">
+                <a:solidFill>
+                  <a:schemeClr val="lt1"/>
+                </a:solidFill>
+                <a:latin typeface="+mn-lt"/>
+                <a:ea typeface="+mn-ea"/>
+                <a:cs typeface="+mn-cs"/>
+              </a:defRPr>
+            </a:lvl9pPr>
+          </a:lstStyle>
+          <a:p>
+            <a:pPr algn="ctr"/>
+            <a:r>
+              <a:rPr lang="zh-CN" altLang="en-US" dirty="0"/>
+              <a:t>汇编语言</a:t>
+            </a:r>
+          </a:p>
+        </p:txBody>
+      </p:sp>
+      <p:sp>
+        <p:nvSpPr>
+          <p:cNvPr id="19" name="矩形: 圆角 18">
+            <a:extLst>
+              <a:ext uri="{FF2B5EF4-FFF2-40B4-BE49-F238E27FC236}">
+                <a16:creationId xmlns:a16="http://schemas.microsoft.com/office/drawing/2014/main" id="{9F375005-B793-A3B8-F1C6-88D46D8CF628}"/>
+              </a:ext>
+            </a:extLst>
+          </p:cNvPr>
+          <p:cNvSpPr/>
+          <p:nvPr/>
+        </p:nvSpPr>
+        <p:spPr>
+          <a:xfrm>
+            <a:off x="5741729" y="5035646"/>
+            <a:ext cx="1710686" cy="757381"/>
+          </a:xfrm>
+          <a:prstGeom prst="roundRect">
+            <a:avLst/>
+          </a:prstGeom>
+        </p:spPr>
+        <p:style>
+          <a:lnRef idx="2">
+            <a:schemeClr val="accent1">
+              <a:shade val="50000"/>
+            </a:schemeClr>
+          </a:lnRef>
+          <a:fillRef idx="1">
+            <a:schemeClr val="accent1"/>
+          </a:fillRef>
+          <a:effectRef idx="0">
+            <a:schemeClr val="accent1"/>
+          </a:effectRef>
+          <a:fontRef idx="minor">
+            <a:schemeClr val="lt1"/>
+          </a:fontRef>
+        </p:style>
+        <p:txBody>
+          <a:bodyPr rtlCol="0" anchor="ctr"/>
+          <a:lstStyle>
+            <a:defPPr>
+              <a:defRPr lang="zh-CN"/>
+            </a:defPPr>
+            <a:lvl1pPr marL="0" algn="l" defTabSz="914400" rtl="0" eaLnBrk="1" latinLnBrk="0" hangingPunct="1">
+              <a:defRPr sz="1800" kern="1200">
+                <a:solidFill>
+                  <a:schemeClr val="lt1"/>
+                </a:solidFill>
+                <a:latin typeface="+mn-lt"/>
+                <a:ea typeface="+mn-ea"/>
+                <a:cs typeface="+mn-cs"/>
+              </a:defRPr>
+            </a:lvl1pPr>
+            <a:lvl2pPr marL="457200" algn="l" defTabSz="914400" rtl="0" eaLnBrk="1" latinLnBrk="0" hangingPunct="1">
+              <a:defRPr sz="1800" kern="1200">
+                <a:solidFill>
+                  <a:schemeClr val="lt1"/>
+                </a:solidFill>
+                <a:latin typeface="+mn-lt"/>
+                <a:ea typeface="+mn-ea"/>
+                <a:cs typeface="+mn-cs"/>
+              </a:defRPr>
+            </a:lvl2pPr>
+            <a:lvl3pPr marL="914400" algn="l" defTabSz="914400" rtl="0" eaLnBrk="1" latinLnBrk="0" hangingPunct="1">
+              <a:defRPr sz="1800" kern="1200">
+                <a:solidFill>
+                  <a:schemeClr val="lt1"/>
+                </a:solidFill>
+                <a:latin typeface="+mn-lt"/>
+                <a:ea typeface="+mn-ea"/>
+                <a:cs typeface="+mn-cs"/>
+              </a:defRPr>
+            </a:lvl3pPr>
+            <a:lvl4pPr marL="1371600" algn="l" defTabSz="914400" rtl="0" eaLnBrk="1" latinLnBrk="0" hangingPunct="1">
+              <a:defRPr sz="1800" kern="1200">
+                <a:solidFill>
+                  <a:schemeClr val="lt1"/>
+                </a:solidFill>
+                <a:latin typeface="+mn-lt"/>
+                <a:ea typeface="+mn-ea"/>
+                <a:cs typeface="+mn-cs"/>
+              </a:defRPr>
+            </a:lvl4pPr>
+            <a:lvl5pPr marL="1828800" algn="l" defTabSz="914400" rtl="0" eaLnBrk="1" latinLnBrk="0" hangingPunct="1">
+              <a:defRPr sz="1800" kern="1200">
+                <a:solidFill>
+                  <a:schemeClr val="lt1"/>
+                </a:solidFill>
+                <a:latin typeface="+mn-lt"/>
+                <a:ea typeface="+mn-ea"/>
+                <a:cs typeface="+mn-cs"/>
+              </a:defRPr>
+            </a:lvl5pPr>
+            <a:lvl6pPr marL="2286000" algn="l" defTabSz="914400" rtl="0" eaLnBrk="1" latinLnBrk="0" hangingPunct="1">
+              <a:defRPr sz="1800" kern="1200">
+                <a:solidFill>
+                  <a:schemeClr val="lt1"/>
+                </a:solidFill>
+                <a:latin typeface="+mn-lt"/>
+                <a:ea typeface="+mn-ea"/>
+                <a:cs typeface="+mn-cs"/>
+              </a:defRPr>
+            </a:lvl6pPr>
+            <a:lvl7pPr marL="2743200" algn="l" defTabSz="914400" rtl="0" eaLnBrk="1" latinLnBrk="0" hangingPunct="1">
+              <a:defRPr sz="1800" kern="1200">
+                <a:solidFill>
+                  <a:schemeClr val="lt1"/>
+                </a:solidFill>
+                <a:latin typeface="+mn-lt"/>
+                <a:ea typeface="+mn-ea"/>
+                <a:cs typeface="+mn-cs"/>
+              </a:defRPr>
+            </a:lvl7pPr>
+            <a:lvl8pPr marL="3200400" algn="l" defTabSz="914400" rtl="0" eaLnBrk="1" latinLnBrk="0" hangingPunct="1">
+              <a:defRPr sz="1800" kern="1200">
+                <a:solidFill>
+                  <a:schemeClr val="lt1"/>
+                </a:solidFill>
+                <a:latin typeface="+mn-lt"/>
+                <a:ea typeface="+mn-ea"/>
+                <a:cs typeface="+mn-cs"/>
+              </a:defRPr>
+            </a:lvl8pPr>
+            <a:lvl9pPr marL="3657600" algn="l" defTabSz="914400" rtl="0" eaLnBrk="1" latinLnBrk="0" hangingPunct="1">
+              <a:defRPr sz="1800" kern="1200">
+                <a:solidFill>
+                  <a:schemeClr val="lt1"/>
+                </a:solidFill>
+                <a:latin typeface="+mn-lt"/>
+                <a:ea typeface="+mn-ea"/>
+                <a:cs typeface="+mn-cs"/>
+              </a:defRPr>
+            </a:lvl9pPr>
+          </a:lstStyle>
+          <a:p>
+            <a:pPr algn="ctr"/>
+            <a:r>
+              <a:rPr lang="zh-CN" altLang="en-US" dirty="0"/>
+              <a:t>二进制文件</a:t>
+            </a:r>
+          </a:p>
+        </p:txBody>
+      </p:sp>
+      <p:sp>
+        <p:nvSpPr>
+          <p:cNvPr id="20" name="矩形: 圆角 19">
+            <a:extLst>
+              <a:ext uri="{FF2B5EF4-FFF2-40B4-BE49-F238E27FC236}">
+                <a16:creationId xmlns:a16="http://schemas.microsoft.com/office/drawing/2014/main" id="{9C15DE2D-E28D-7300-7013-5C5DC6B568B3}"/>
+              </a:ext>
+            </a:extLst>
+          </p:cNvPr>
+          <p:cNvSpPr/>
+          <p:nvPr/>
+        </p:nvSpPr>
+        <p:spPr>
+          <a:xfrm>
+            <a:off x="8080483" y="5035646"/>
+            <a:ext cx="1710686" cy="757381"/>
+          </a:xfrm>
+          <a:prstGeom prst="roundRect">
+            <a:avLst/>
+          </a:prstGeom>
+        </p:spPr>
+        <p:style>
+          <a:lnRef idx="2">
+            <a:schemeClr val="accent1">
+              <a:shade val="50000"/>
+            </a:schemeClr>
+          </a:lnRef>
+          <a:fillRef idx="1">
+            <a:schemeClr val="accent1"/>
+          </a:fillRef>
+          <a:effectRef idx="0">
+            <a:schemeClr val="accent1"/>
+          </a:effectRef>
+          <a:fontRef idx="minor">
+            <a:schemeClr val="lt1"/>
+          </a:fontRef>
+        </p:style>
+        <p:txBody>
+          <a:bodyPr rtlCol="0" anchor="ctr"/>
+          <a:lstStyle>
+            <a:defPPr>
+              <a:defRPr lang="zh-CN"/>
+            </a:defPPr>
+            <a:lvl1pPr marL="0" algn="l" defTabSz="914400" rtl="0" eaLnBrk="1" latinLnBrk="0" hangingPunct="1">
+              <a:defRPr sz="1800" kern="1200">
+                <a:solidFill>
+                  <a:schemeClr val="lt1"/>
+                </a:solidFill>
+                <a:latin typeface="+mn-lt"/>
+                <a:ea typeface="+mn-ea"/>
+                <a:cs typeface="+mn-cs"/>
+              </a:defRPr>
+            </a:lvl1pPr>
+            <a:lvl2pPr marL="457200" algn="l" defTabSz="914400" rtl="0" eaLnBrk="1" latinLnBrk="0" hangingPunct="1">
+              <a:defRPr sz="1800" kern="1200">
+                <a:solidFill>
+                  <a:schemeClr val="lt1"/>
+                </a:solidFill>
+                <a:latin typeface="+mn-lt"/>
+                <a:ea typeface="+mn-ea"/>
+                <a:cs typeface="+mn-cs"/>
+              </a:defRPr>
+            </a:lvl2pPr>
+            <a:lvl3pPr marL="914400" algn="l" defTabSz="914400" rtl="0" eaLnBrk="1" latinLnBrk="0" hangingPunct="1">
+              <a:defRPr sz="1800" kern="1200">
+                <a:solidFill>
+                  <a:schemeClr val="lt1"/>
+                </a:solidFill>
+                <a:latin typeface="+mn-lt"/>
+                <a:ea typeface="+mn-ea"/>
+                <a:cs typeface="+mn-cs"/>
+              </a:defRPr>
+            </a:lvl3pPr>
+            <a:lvl4pPr marL="1371600" algn="l" defTabSz="914400" rtl="0" eaLnBrk="1" latinLnBrk="0" hangingPunct="1">
+              <a:defRPr sz="1800" kern="1200">
+                <a:solidFill>
+                  <a:schemeClr val="lt1"/>
+                </a:solidFill>
+                <a:latin typeface="+mn-lt"/>
+                <a:ea typeface="+mn-ea"/>
+                <a:cs typeface="+mn-cs"/>
+              </a:defRPr>
+            </a:lvl4pPr>
+            <a:lvl5pPr marL="1828800" algn="l" defTabSz="914400" rtl="0" eaLnBrk="1" latinLnBrk="0" hangingPunct="1">
+              <a:defRPr sz="1800" kern="1200">
+                <a:solidFill>
+                  <a:schemeClr val="lt1"/>
+                </a:solidFill>
+                <a:latin typeface="+mn-lt"/>
+                <a:ea typeface="+mn-ea"/>
+                <a:cs typeface="+mn-cs"/>
+              </a:defRPr>
+            </a:lvl5pPr>
+            <a:lvl6pPr marL="2286000" algn="l" defTabSz="914400" rtl="0" eaLnBrk="1" latinLnBrk="0" hangingPunct="1">
+              <a:defRPr sz="1800" kern="1200">
+                <a:solidFill>
+                  <a:schemeClr val="lt1"/>
+                </a:solidFill>
+                <a:latin typeface="+mn-lt"/>
+                <a:ea typeface="+mn-ea"/>
+                <a:cs typeface="+mn-cs"/>
+              </a:defRPr>
+            </a:lvl6pPr>
+            <a:lvl7pPr marL="2743200" algn="l" defTabSz="914400" rtl="0" eaLnBrk="1" latinLnBrk="0" hangingPunct="1">
+              <a:defRPr sz="1800" kern="1200">
+                <a:solidFill>
+                  <a:schemeClr val="lt1"/>
+                </a:solidFill>
+                <a:latin typeface="+mn-lt"/>
+                <a:ea typeface="+mn-ea"/>
+                <a:cs typeface="+mn-cs"/>
+              </a:defRPr>
+            </a:lvl7pPr>
+            <a:lvl8pPr marL="3200400" algn="l" defTabSz="914400" rtl="0" eaLnBrk="1" latinLnBrk="0" hangingPunct="1">
+              <a:defRPr sz="1800" kern="1200">
+                <a:solidFill>
+                  <a:schemeClr val="lt1"/>
+                </a:solidFill>
+                <a:latin typeface="+mn-lt"/>
+                <a:ea typeface="+mn-ea"/>
+                <a:cs typeface="+mn-cs"/>
+              </a:defRPr>
+            </a:lvl8pPr>
+            <a:lvl9pPr marL="3657600" algn="l" defTabSz="914400" rtl="0" eaLnBrk="1" latinLnBrk="0" hangingPunct="1">
+              <a:defRPr sz="1800" kern="1200">
+                <a:solidFill>
+                  <a:schemeClr val="lt1"/>
+                </a:solidFill>
+                <a:latin typeface="+mn-lt"/>
+                <a:ea typeface="+mn-ea"/>
+                <a:cs typeface="+mn-cs"/>
+              </a:defRPr>
+            </a:lvl9pPr>
+          </a:lstStyle>
+          <a:p>
+            <a:pPr algn="ctr"/>
+            <a:r>
+              <a:rPr lang="zh-CN" altLang="en-US" dirty="0"/>
+              <a:t>可执行文件</a:t>
+            </a:r>
+          </a:p>
+        </p:txBody>
+      </p:sp>
+      <p:cxnSp>
+        <p:nvCxnSpPr>
+          <p:cNvPr id="22" name="直接箭头连接符 21">
+            <a:extLst>
+              <a:ext uri="{FF2B5EF4-FFF2-40B4-BE49-F238E27FC236}">
+                <a16:creationId xmlns:a16="http://schemas.microsoft.com/office/drawing/2014/main" id="{2B6B2243-480A-ADC5-3832-7F5065DFA4BD}"/>
+              </a:ext>
+            </a:extLst>
+          </p:cNvPr>
+          <p:cNvCxnSpPr>
+            <a:cxnSpLocks/>
+            <a:stCxn id="10" idx="3"/>
+            <a:endCxn id="18" idx="1"/>
+          </p:cNvCxnSpPr>
+          <p:nvPr/>
+        </p:nvCxnSpPr>
+        <p:spPr>
+          <a:xfrm>
+            <a:off x="2774907" y="5414337"/>
+            <a:ext cx="628068" cy="0"/>
+          </a:xfrm>
+          <a:prstGeom prst="straightConnector1">
+            <a:avLst/>
+          </a:prstGeom>
+          <a:ln>
+            <a:tailEnd type="triangle"/>
+          </a:ln>
+        </p:spPr>
+        <p:style>
+          <a:lnRef idx="1">
+            <a:schemeClr val="accent1"/>
+          </a:lnRef>
+          <a:fillRef idx="0">
+            <a:schemeClr val="accent1"/>
+          </a:fillRef>
+          <a:effectRef idx="0">
+            <a:schemeClr val="accent1"/>
+          </a:effectRef>
+          <a:fontRef idx="minor">
+            <a:schemeClr val="tx1"/>
+          </a:fontRef>
+        </p:style>
+      </p:cxnSp>
+      <p:cxnSp>
+        <p:nvCxnSpPr>
+          <p:cNvPr id="25" name="直接箭头连接符 24">
+            <a:extLst>
+              <a:ext uri="{FF2B5EF4-FFF2-40B4-BE49-F238E27FC236}">
+                <a16:creationId xmlns:a16="http://schemas.microsoft.com/office/drawing/2014/main" id="{4348FB36-E984-7394-1936-D53F65103FD5}"/>
+              </a:ext>
+            </a:extLst>
+          </p:cNvPr>
+          <p:cNvCxnSpPr>
+            <a:cxnSpLocks/>
+          </p:cNvCxnSpPr>
+          <p:nvPr/>
+        </p:nvCxnSpPr>
+        <p:spPr>
+          <a:xfrm>
+            <a:off x="5113661" y="5418376"/>
+            <a:ext cx="628068" cy="0"/>
+          </a:xfrm>
+          <a:prstGeom prst="straightConnector1">
+            <a:avLst/>
+          </a:prstGeom>
+          <a:ln>
+            <a:tailEnd type="triangle"/>
+          </a:ln>
+        </p:spPr>
+        <p:style>
+          <a:lnRef idx="1">
+            <a:schemeClr val="accent1"/>
+          </a:lnRef>
+          <a:fillRef idx="0">
+            <a:schemeClr val="accent1"/>
+          </a:fillRef>
+          <a:effectRef idx="0">
+            <a:schemeClr val="accent1"/>
+          </a:effectRef>
+          <a:fontRef idx="minor">
+            <a:schemeClr val="tx1"/>
+          </a:fontRef>
+        </p:style>
+      </p:cxnSp>
+      <p:cxnSp>
+        <p:nvCxnSpPr>
+          <p:cNvPr id="26" name="直接箭头连接符 25">
+            <a:extLst>
+              <a:ext uri="{FF2B5EF4-FFF2-40B4-BE49-F238E27FC236}">
+                <a16:creationId xmlns:a16="http://schemas.microsoft.com/office/drawing/2014/main" id="{11541BC2-B19A-D681-5241-E000BD74C6C1}"/>
+              </a:ext>
+            </a:extLst>
+          </p:cNvPr>
+          <p:cNvCxnSpPr>
+            <a:cxnSpLocks/>
+          </p:cNvCxnSpPr>
+          <p:nvPr/>
+        </p:nvCxnSpPr>
+        <p:spPr>
+          <a:xfrm>
+            <a:off x="7452415" y="5437620"/>
+            <a:ext cx="628068" cy="0"/>
+          </a:xfrm>
+          <a:prstGeom prst="straightConnector1">
+            <a:avLst/>
+          </a:prstGeom>
+          <a:ln>
+            <a:tailEnd type="triangle"/>
+          </a:ln>
+        </p:spPr>
+        <p:style>
+          <a:lnRef idx="1">
+            <a:schemeClr val="accent1"/>
+          </a:lnRef>
+          <a:fillRef idx="0">
+            <a:schemeClr val="accent1"/>
+          </a:fillRef>
+          <a:effectRef idx="0">
+            <a:schemeClr val="accent1"/>
+          </a:effectRef>
+          <a:fontRef idx="minor">
+            <a:schemeClr val="tx1"/>
+          </a:fontRef>
+        </p:style>
+      </p:cxnSp>
     </p:spTree>
     <p:extLst>
       <p:ext uri="{BB962C8B-B14F-4D97-AF65-F5344CB8AC3E}">
@@ -10698,6 +11421,648 @@
         <p:spPr>
           <a:xfrm>
             <a:off x="979905" y="471160"/>
+            <a:ext cx="5116095" cy="461665"/>
+          </a:xfrm>
+          <a:prstGeom prst="rect">
+            <a:avLst/>
+          </a:prstGeom>
+          <a:noFill/>
+        </p:spPr>
+        <p:txBody>
+          <a:bodyPr wrap="square" lIns="91440" tIns="45720" rIns="91440" bIns="45720" rtlCol="0">
+            <a:spAutoFit/>
+          </a:bodyPr>
+          <a:lstStyle>
+            <a:defPPr>
+              <a:defRPr lang="zh-CN"/>
+            </a:defPPr>
+            <a:lvl1pPr marL="0" algn="l" defTabSz="914400" rtl="0" eaLnBrk="1" latinLnBrk="0" hangingPunct="1">
+              <a:defRPr sz="1800" kern="1200">
+                <a:solidFill>
+                  <a:schemeClr val="tx1"/>
+                </a:solidFill>
+                <a:latin typeface="+mn-lt"/>
+                <a:ea typeface="+mn-ea"/>
+                <a:cs typeface="+mn-cs"/>
+              </a:defRPr>
+            </a:lvl1pPr>
+            <a:lvl2pPr marL="457200" algn="l" defTabSz="914400" rtl="0" eaLnBrk="1" latinLnBrk="0" hangingPunct="1">
+              <a:defRPr sz="1800" kern="1200">
+                <a:solidFill>
+                  <a:schemeClr val="tx1"/>
+                </a:solidFill>
+                <a:latin typeface="+mn-lt"/>
+                <a:ea typeface="+mn-ea"/>
+                <a:cs typeface="+mn-cs"/>
+              </a:defRPr>
+            </a:lvl2pPr>
+            <a:lvl3pPr marL="914400" algn="l" defTabSz="914400" rtl="0" eaLnBrk="1" latinLnBrk="0" hangingPunct="1">
+              <a:defRPr sz="1800" kern="1200">
+                <a:solidFill>
+                  <a:schemeClr val="tx1"/>
+                </a:solidFill>
+                <a:latin typeface="+mn-lt"/>
+                <a:ea typeface="+mn-ea"/>
+                <a:cs typeface="+mn-cs"/>
+              </a:defRPr>
+            </a:lvl3pPr>
+            <a:lvl4pPr marL="1371600" algn="l" defTabSz="914400" rtl="0" eaLnBrk="1" latinLnBrk="0" hangingPunct="1">
+              <a:defRPr sz="1800" kern="1200">
+                <a:solidFill>
+                  <a:schemeClr val="tx1"/>
+                </a:solidFill>
+                <a:latin typeface="+mn-lt"/>
+                <a:ea typeface="+mn-ea"/>
+                <a:cs typeface="+mn-cs"/>
+              </a:defRPr>
+            </a:lvl4pPr>
+            <a:lvl5pPr marL="1828800" algn="l" defTabSz="914400" rtl="0" eaLnBrk="1" latinLnBrk="0" hangingPunct="1">
+              <a:defRPr sz="1800" kern="1200">
+                <a:solidFill>
+                  <a:schemeClr val="tx1"/>
+                </a:solidFill>
+                <a:latin typeface="+mn-lt"/>
+                <a:ea typeface="+mn-ea"/>
+                <a:cs typeface="+mn-cs"/>
+              </a:defRPr>
+            </a:lvl5pPr>
+            <a:lvl6pPr marL="2286000" algn="l" defTabSz="914400" rtl="0" eaLnBrk="1" latinLnBrk="0" hangingPunct="1">
+              <a:defRPr sz="1800" kern="1200">
+                <a:solidFill>
+                  <a:schemeClr val="tx1"/>
+                </a:solidFill>
+                <a:latin typeface="+mn-lt"/>
+                <a:ea typeface="+mn-ea"/>
+                <a:cs typeface="+mn-cs"/>
+              </a:defRPr>
+            </a:lvl6pPr>
+            <a:lvl7pPr marL="2743200" algn="l" defTabSz="914400" rtl="0" eaLnBrk="1" latinLnBrk="0" hangingPunct="1">
+              <a:defRPr sz="1800" kern="1200">
+                <a:solidFill>
+                  <a:schemeClr val="tx1"/>
+                </a:solidFill>
+                <a:latin typeface="+mn-lt"/>
+                <a:ea typeface="+mn-ea"/>
+                <a:cs typeface="+mn-cs"/>
+              </a:defRPr>
+            </a:lvl7pPr>
+            <a:lvl8pPr marL="3200400" algn="l" defTabSz="914400" rtl="0" eaLnBrk="1" latinLnBrk="0" hangingPunct="1">
+              <a:defRPr sz="1800" kern="1200">
+                <a:solidFill>
+                  <a:schemeClr val="tx1"/>
+                </a:solidFill>
+                <a:latin typeface="+mn-lt"/>
+                <a:ea typeface="+mn-ea"/>
+                <a:cs typeface="+mn-cs"/>
+              </a:defRPr>
+            </a:lvl8pPr>
+            <a:lvl9pPr marL="3657600" algn="l" defTabSz="914400" rtl="0" eaLnBrk="1" latinLnBrk="0" hangingPunct="1">
+              <a:defRPr sz="1800" kern="1200">
+                <a:solidFill>
+                  <a:schemeClr val="tx1"/>
+                </a:solidFill>
+                <a:latin typeface="+mn-lt"/>
+                <a:ea typeface="+mn-ea"/>
+                <a:cs typeface="+mn-cs"/>
+              </a:defRPr>
+            </a:lvl9pPr>
+          </a:lstStyle>
+          <a:p>
+            <a:r>
+              <a:rPr lang="en-US" altLang="zh-CN" sz="2400" dirty="0">
+                <a:solidFill>
+                  <a:srgbClr val="2B3E54"/>
+                </a:solidFill>
+                <a:cs typeface="+mn-ea"/>
+                <a:sym typeface="+mn-lt"/>
+              </a:rPr>
+              <a:t>C</a:t>
+            </a:r>
+            <a:r>
+              <a:rPr lang="zh-CN" altLang="en-US" sz="2400" dirty="0">
+                <a:solidFill>
+                  <a:srgbClr val="2B3E54"/>
+                </a:solidFill>
+                <a:cs typeface="+mn-ea"/>
+                <a:sym typeface="+mn-lt"/>
+              </a:rPr>
+              <a:t>到</a:t>
+            </a:r>
+            <a:r>
+              <a:rPr lang="en-US" altLang="zh-CN" sz="2400" dirty="0">
+                <a:solidFill>
+                  <a:srgbClr val="2B3E54"/>
+                </a:solidFill>
+                <a:cs typeface="+mn-ea"/>
+                <a:sym typeface="+mn-lt"/>
+              </a:rPr>
+              <a:t>x86</a:t>
+            </a:r>
+            <a:r>
+              <a:rPr lang="zh-CN" altLang="en-US" sz="2400" dirty="0">
+                <a:solidFill>
+                  <a:srgbClr val="2B3E54"/>
+                </a:solidFill>
+                <a:cs typeface="+mn-ea"/>
+                <a:sym typeface="+mn-lt"/>
+              </a:rPr>
+              <a:t>汇编（预处理</a:t>
+            </a:r>
+            <a:r>
+              <a:rPr lang="en-US" altLang="zh-CN" sz="2400" dirty="0">
+                <a:solidFill>
+                  <a:srgbClr val="2B3E54"/>
+                </a:solidFill>
+                <a:cs typeface="+mn-ea"/>
+                <a:sym typeface="+mn-lt"/>
+              </a:rPr>
+              <a:t>+</a:t>
+            </a:r>
+            <a:r>
+              <a:rPr lang="zh-CN" altLang="en-US" sz="2400" dirty="0">
+                <a:solidFill>
+                  <a:srgbClr val="2B3E54"/>
+                </a:solidFill>
+                <a:cs typeface="+mn-ea"/>
+                <a:sym typeface="+mn-lt"/>
+              </a:rPr>
+              <a:t>编译阶段）</a:t>
+            </a:r>
+            <a:endParaRPr lang="en-US" altLang="zh-CN" sz="2400" dirty="0">
+              <a:solidFill>
+                <a:srgbClr val="2B3E54"/>
+              </a:solidFill>
+              <a:cs typeface="+mn-ea"/>
+              <a:sym typeface="+mn-lt"/>
+            </a:endParaRPr>
+          </a:p>
+        </p:txBody>
+      </p:sp>
+      <p:pic>
+        <p:nvPicPr>
+          <p:cNvPr id="6" name="图片 5">
+            <a:extLst>
+              <a:ext uri="{FF2B5EF4-FFF2-40B4-BE49-F238E27FC236}">
+                <a16:creationId xmlns:a16="http://schemas.microsoft.com/office/drawing/2014/main" id="{FCBB720B-C188-A52B-4D52-E7EC63883E5E}"/>
+              </a:ext>
+            </a:extLst>
+          </p:cNvPr>
+          <p:cNvPicPr>
+            <a:picLocks noChangeAspect="1"/>
+          </p:cNvPicPr>
+          <p:nvPr/>
+        </p:nvPicPr>
+        <p:blipFill>
+          <a:blip r:embed="rId2"/>
+          <a:stretch>
+            <a:fillRect/>
+          </a:stretch>
+        </p:blipFill>
+        <p:spPr>
+          <a:xfrm>
+            <a:off x="6775940" y="932825"/>
+            <a:ext cx="2441806" cy="4335302"/>
+          </a:xfrm>
+          <a:prstGeom prst="rect">
+            <a:avLst/>
+          </a:prstGeom>
+        </p:spPr>
+      </p:pic>
+      <p:pic>
+        <p:nvPicPr>
+          <p:cNvPr id="8" name="图片 7">
+            <a:extLst>
+              <a:ext uri="{FF2B5EF4-FFF2-40B4-BE49-F238E27FC236}">
+                <a16:creationId xmlns:a16="http://schemas.microsoft.com/office/drawing/2014/main" id="{8BE63543-D1B7-1F64-2C0F-9E6B218203BB}"/>
+              </a:ext>
+            </a:extLst>
+          </p:cNvPr>
+          <p:cNvPicPr>
+            <a:picLocks noChangeAspect="1"/>
+          </p:cNvPicPr>
+          <p:nvPr/>
+        </p:nvPicPr>
+        <p:blipFill>
+          <a:blip r:embed="rId3"/>
+          <a:stretch>
+            <a:fillRect/>
+          </a:stretch>
+        </p:blipFill>
+        <p:spPr>
+          <a:xfrm>
+            <a:off x="1096527" y="954448"/>
+            <a:ext cx="4477375" cy="266737"/>
+          </a:xfrm>
+          <a:prstGeom prst="rect">
+            <a:avLst/>
+          </a:prstGeom>
+        </p:spPr>
+      </p:pic>
+      <p:pic>
+        <p:nvPicPr>
+          <p:cNvPr id="11" name="图片 10">
+            <a:extLst>
+              <a:ext uri="{FF2B5EF4-FFF2-40B4-BE49-F238E27FC236}">
+                <a16:creationId xmlns:a16="http://schemas.microsoft.com/office/drawing/2014/main" id="{5D6FF185-2E15-48AD-2E38-AA59E11A16B0}"/>
+              </a:ext>
+            </a:extLst>
+          </p:cNvPr>
+          <p:cNvPicPr>
+            <a:picLocks noChangeAspect="1"/>
+          </p:cNvPicPr>
+          <p:nvPr/>
+        </p:nvPicPr>
+        <p:blipFill>
+          <a:blip r:embed="rId4"/>
+          <a:stretch>
+            <a:fillRect/>
+          </a:stretch>
+        </p:blipFill>
+        <p:spPr>
+          <a:xfrm>
+            <a:off x="1060937" y="1797452"/>
+            <a:ext cx="3658111" cy="2981741"/>
+          </a:xfrm>
+          <a:prstGeom prst="rect">
+            <a:avLst/>
+          </a:prstGeom>
+        </p:spPr>
+      </p:pic>
+      <p:sp>
+        <p:nvSpPr>
+          <p:cNvPr id="12" name="箭头: 右 11">
+            <a:extLst>
+              <a:ext uri="{FF2B5EF4-FFF2-40B4-BE49-F238E27FC236}">
+                <a16:creationId xmlns:a16="http://schemas.microsoft.com/office/drawing/2014/main" id="{5780F497-87EA-1787-FA93-A918A40FB2E7}"/>
+              </a:ext>
+            </a:extLst>
+          </p:cNvPr>
+          <p:cNvSpPr/>
+          <p:nvPr/>
+        </p:nvSpPr>
+        <p:spPr>
+          <a:xfrm>
+            <a:off x="5105400" y="3036277"/>
+            <a:ext cx="1254369" cy="158261"/>
+          </a:xfrm>
+          <a:prstGeom prst="rightArrow">
+            <a:avLst/>
+          </a:prstGeom>
+        </p:spPr>
+        <p:style>
+          <a:lnRef idx="2">
+            <a:schemeClr val="accent1">
+              <a:shade val="15000"/>
+            </a:schemeClr>
+          </a:lnRef>
+          <a:fillRef idx="1">
+            <a:schemeClr val="accent1"/>
+          </a:fillRef>
+          <a:effectRef idx="0">
+            <a:schemeClr val="accent1"/>
+          </a:effectRef>
+          <a:fontRef idx="minor">
+            <a:schemeClr val="lt1"/>
+          </a:fontRef>
+        </p:style>
+        <p:txBody>
+          <a:bodyPr rtlCol="0" anchor="ctr"/>
+          <a:lstStyle/>
+          <a:p>
+            <a:pPr algn="ctr"/>
+            <a:endParaRPr lang="zh-CN" altLang="en-US"/>
+          </a:p>
+        </p:txBody>
+      </p:sp>
+    </p:spTree>
+    <p:extLst>
+      <p:ext uri="{BB962C8B-B14F-4D97-AF65-F5344CB8AC3E}">
+        <p14:creationId xmlns:p14="http://schemas.microsoft.com/office/powerpoint/2010/main" val="3300493337"/>
+      </p:ext>
+    </p:extLst>
+  </p:cSld>
+  <p:clrMapOvr>
+    <a:masterClrMapping/>
+  </p:clrMapOvr>
+  <p:timing>
+    <p:tnLst>
+      <p:par>
+        <p:cTn id="1" dur="indefinite" restart="never" nodeType="tmRoot">
+          <p:childTnLst>
+            <p:seq concurrent="1" nextAc="seek">
+              <p:cTn id="2" dur="indefinite" nodeType="mainSeq">
+                <p:childTnLst>
+                  <p:par>
+                    <p:cTn id="3" fill="hold">
+                      <p:stCondLst>
+                        <p:cond delay="indefinite"/>
+                        <p:cond evt="onBegin" delay="0">
+                          <p:tn val="2"/>
+                        </p:cond>
+                      </p:stCondLst>
+                      <p:childTnLst>
+                        <p:par>
+                          <p:cTn id="4" fill="hold">
+                            <p:stCondLst>
+                              <p:cond delay="0"/>
+                            </p:stCondLst>
+                            <p:childTnLst>
+                              <p:par>
+                                <p:cTn id="5" presetID="15" presetClass="entr" presetSubtype="0" fill="hold" grpId="0" nodeType="afterEffect">
+                                  <p:stCondLst>
+                                    <p:cond delay="0"/>
+                                  </p:stCondLst>
+                                  <p:childTnLst>
+                                    <p:set>
+                                      <p:cBhvr>
+                                        <p:cTn id="6" dur="1" fill="hold">
+                                          <p:stCondLst>
+                                            <p:cond delay="0"/>
+                                          </p:stCondLst>
+                                        </p:cTn>
+                                        <p:tgtEl>
+                                          <p:spTgt spid="4"/>
+                                        </p:tgtEl>
+                                        <p:attrNameLst>
+                                          <p:attrName>style.visibility</p:attrName>
+                                        </p:attrNameLst>
+                                      </p:cBhvr>
+                                      <p:to>
+                                        <p:strVal val="visible"/>
+                                      </p:to>
+                                    </p:set>
+                                    <p:anim calcmode="lin" valueType="num">
+                                      <p:cBhvr>
+                                        <p:cTn id="7" dur="1000" fill="hold"/>
+                                        <p:tgtEl>
+                                          <p:spTgt spid="4"/>
+                                        </p:tgtEl>
+                                        <p:attrNameLst>
+                                          <p:attrName>ppt_w</p:attrName>
+                                        </p:attrNameLst>
+                                      </p:cBhvr>
+                                      <p:tavLst>
+                                        <p:tav tm="0">
+                                          <p:val>
+                                            <p:fltVal val="0"/>
+                                          </p:val>
+                                        </p:tav>
+                                        <p:tav tm="100000">
+                                          <p:val>
+                                            <p:strVal val="#ppt_w"/>
+                                          </p:val>
+                                        </p:tav>
+                                      </p:tavLst>
+                                    </p:anim>
+                                    <p:anim calcmode="lin" valueType="num">
+                                      <p:cBhvr>
+                                        <p:cTn id="8" dur="1000" fill="hold"/>
+                                        <p:tgtEl>
+                                          <p:spTgt spid="4"/>
+                                        </p:tgtEl>
+                                        <p:attrNameLst>
+                                          <p:attrName>ppt_h</p:attrName>
+                                        </p:attrNameLst>
+                                      </p:cBhvr>
+                                      <p:tavLst>
+                                        <p:tav tm="0">
+                                          <p:val>
+                                            <p:fltVal val="0"/>
+                                          </p:val>
+                                        </p:tav>
+                                        <p:tav tm="100000">
+                                          <p:val>
+                                            <p:strVal val="#ppt_h"/>
+                                          </p:val>
+                                        </p:tav>
+                                      </p:tavLst>
+                                    </p:anim>
+                                    <p:anim calcmode="lin" valueType="num">
+                                      <p:cBhvr>
+                                        <p:cTn id="9" dur="1000" fill="hold"/>
+                                        <p:tgtEl>
+                                          <p:spTgt spid="4"/>
+                                        </p:tgtEl>
+                                        <p:attrNameLst>
+                                          <p:attrName>ppt_x</p:attrName>
+                                        </p:attrNameLst>
+                                      </p:cBhvr>
+                                      <p:tavLst>
+                                        <p:tav tm="0" fmla="#ppt_x+(cos(-2*pi*(1-$))*-#ppt_x-sin(-2*pi*(1-$))*(1-#ppt_y))*(1-$)">
+                                          <p:val>
+                                            <p:fltVal val="0"/>
+                                          </p:val>
+                                        </p:tav>
+                                        <p:tav tm="100000">
+                                          <p:val>
+                                            <p:fltVal val="1"/>
+                                          </p:val>
+                                        </p:tav>
+                                      </p:tavLst>
+                                    </p:anim>
+                                    <p:anim calcmode="lin" valueType="num">
+                                      <p:cBhvr>
+                                        <p:cTn id="10" dur="1000" fill="hold"/>
+                                        <p:tgtEl>
+                                          <p:spTgt spid="4"/>
+                                        </p:tgtEl>
+                                        <p:attrNameLst>
+                                          <p:attrName>ppt_y</p:attrName>
+                                        </p:attrNameLst>
+                                      </p:cBhvr>
+                                      <p:tavLst>
+                                        <p:tav tm="0" fmla="#ppt_y+(sin(-2*pi*(1-$))*-#ppt_x+cos(-2*pi*(1-$))*(1-#ppt_y))*(1-$)">
+                                          <p:val>
+                                            <p:fltVal val="0"/>
+                                          </p:val>
+                                        </p:tav>
+                                        <p:tav tm="100000">
+                                          <p:val>
+                                            <p:fltVal val="1"/>
+                                          </p:val>
+                                        </p:tav>
+                                      </p:tavLst>
+                                    </p:anim>
+                                  </p:childTnLst>
+                                </p:cTn>
+                              </p:par>
+                            </p:childTnLst>
+                          </p:cTn>
+                        </p:par>
+                      </p:childTnLst>
+                    </p:cTn>
+                  </p:par>
+                </p:childTnLst>
+              </p:cTn>
+              <p:prevCondLst>
+                <p:cond evt="onPrev" delay="0">
+                  <p:tgtEl>
+                    <p:sldTgt/>
+                  </p:tgtEl>
+                </p:cond>
+              </p:prevCondLst>
+              <p:nextCondLst>
+                <p:cond evt="onNext" delay="0">
+                  <p:tgtEl>
+                    <p:sldTgt/>
+                  </p:tgtEl>
+                </p:cond>
+              </p:nextCondLst>
+            </p:seq>
+          </p:childTnLst>
+        </p:cTn>
+      </p:par>
+    </p:tnLst>
+    <p:bldLst>
+      <p:bldP spid="4" grpId="0"/>
+    </p:bldLst>
+  </p:timing>
+</p:sld>
+</file>
+
+<file path=ppt/slides/slide15.xml><?xml version="1.0" encoding="utf-8"?>
+<p:sld xmlns:a="http://schemas.openxmlformats.org/drawingml/2006/main" xmlns:r="http://schemas.openxmlformats.org/officeDocument/2006/relationships" xmlns:p="http://schemas.openxmlformats.org/presentationml/2006/main">
+  <p:cSld>
+    <p:spTree>
+      <p:nvGrpSpPr>
+        <p:cNvPr id="1" name=""/>
+        <p:cNvGrpSpPr/>
+        <p:nvPr/>
+      </p:nvGrpSpPr>
+      <p:grpSpPr>
+        <a:xfrm>
+          <a:off x="0" y="0"/>
+          <a:ext cx="0" cy="0"/>
+          <a:chOff x="0" y="0"/>
+          <a:chExt cx="0" cy="0"/>
+        </a:xfrm>
+      </p:grpSpPr>
+      <p:sp>
+        <p:nvSpPr>
+          <p:cNvPr id="2" name="Freeform 15">
+            <a:extLst>
+              <a:ext uri="{FF2B5EF4-FFF2-40B4-BE49-F238E27FC236}">
+                <a16:creationId xmlns:a16="http://schemas.microsoft.com/office/drawing/2014/main" id="{7956E56C-C3F1-4DDA-8C0D-5A3212DAD5CF}"/>
+              </a:ext>
+            </a:extLst>
+          </p:cNvPr>
+          <p:cNvSpPr>
+            <a:spLocks/>
+          </p:cNvSpPr>
+          <p:nvPr/>
+        </p:nvSpPr>
+        <p:spPr bwMode="auto">
+          <a:xfrm>
+            <a:off x="389654" y="391902"/>
+            <a:ext cx="487234" cy="562546"/>
+          </a:xfrm>
+          <a:custGeom>
+            <a:avLst/>
+            <a:gdLst>
+              <a:gd name="T0" fmla="*/ 0 w 1171"/>
+              <a:gd name="T1" fmla="*/ 1014 h 1352"/>
+              <a:gd name="T2" fmla="*/ 0 w 1171"/>
+              <a:gd name="T3" fmla="*/ 338 h 1352"/>
+              <a:gd name="T4" fmla="*/ 586 w 1171"/>
+              <a:gd name="T5" fmla="*/ 0 h 1352"/>
+              <a:gd name="T6" fmla="*/ 1171 w 1171"/>
+              <a:gd name="T7" fmla="*/ 338 h 1352"/>
+              <a:gd name="T8" fmla="*/ 1171 w 1171"/>
+              <a:gd name="T9" fmla="*/ 1014 h 1352"/>
+              <a:gd name="T10" fmla="*/ 586 w 1171"/>
+              <a:gd name="T11" fmla="*/ 1352 h 1352"/>
+              <a:gd name="T12" fmla="*/ 0 w 1171"/>
+              <a:gd name="T13" fmla="*/ 1014 h 1352"/>
+            </a:gdLst>
+            <a:ahLst/>
+            <a:cxnLst>
+              <a:cxn ang="0">
+                <a:pos x="T0" y="T1"/>
+              </a:cxn>
+              <a:cxn ang="0">
+                <a:pos x="T2" y="T3"/>
+              </a:cxn>
+              <a:cxn ang="0">
+                <a:pos x="T4" y="T5"/>
+              </a:cxn>
+              <a:cxn ang="0">
+                <a:pos x="T6" y="T7"/>
+              </a:cxn>
+              <a:cxn ang="0">
+                <a:pos x="T8" y="T9"/>
+              </a:cxn>
+              <a:cxn ang="0">
+                <a:pos x="T10" y="T11"/>
+              </a:cxn>
+              <a:cxn ang="0">
+                <a:pos x="T12" y="T13"/>
+              </a:cxn>
+            </a:cxnLst>
+            <a:rect l="0" t="0" r="r" b="b"/>
+            <a:pathLst>
+              <a:path w="1171" h="1352">
+                <a:moveTo>
+                  <a:pt x="0" y="1014"/>
+                </a:moveTo>
+                <a:lnTo>
+                  <a:pt x="0" y="338"/>
+                </a:lnTo>
+                <a:lnTo>
+                  <a:pt x="586" y="0"/>
+                </a:lnTo>
+                <a:lnTo>
+                  <a:pt x="1171" y="338"/>
+                </a:lnTo>
+                <a:lnTo>
+                  <a:pt x="1171" y="1014"/>
+                </a:lnTo>
+                <a:lnTo>
+                  <a:pt x="586" y="1352"/>
+                </a:lnTo>
+                <a:lnTo>
+                  <a:pt x="0" y="1014"/>
+                </a:lnTo>
+                <a:close/>
+              </a:path>
+            </a:pathLst>
+          </a:custGeom>
+          <a:solidFill>
+            <a:srgbClr val="2B3E54"/>
+          </a:solidFill>
+          <a:ln>
+            <a:noFill/>
+          </a:ln>
+        </p:spPr>
+        <p:txBody>
+          <a:bodyPr vert="horz" wrap="square" lIns="91440" tIns="45720" rIns="91440" bIns="45720" numCol="1" anchor="t" anchorCtr="0" compatLnSpc="1">
+            <a:prstTxWarp prst="textNoShape">
+              <a:avLst/>
+            </a:prstTxWarp>
+          </a:bodyPr>
+          <a:lstStyle/>
+          <a:p>
+            <a:endParaRPr lang="zh-CN" altLang="en-US" sz="2133" dirty="0">
+              <a:cs typeface="+mn-ea"/>
+              <a:sym typeface="+mn-lt"/>
+            </a:endParaRPr>
+          </a:p>
+        </p:txBody>
+      </p:sp>
+      <p:sp>
+        <p:nvSpPr>
+          <p:cNvPr id="4" name="文本框 8">
+            <a:extLst>
+              <a:ext uri="{FF2B5EF4-FFF2-40B4-BE49-F238E27FC236}">
+                <a16:creationId xmlns:a16="http://schemas.microsoft.com/office/drawing/2014/main" id="{EFA8AEF7-CAE9-495F-AC4C-2B1E9B3AA0F7}"/>
+              </a:ext>
+            </a:extLst>
+          </p:cNvPr>
+          <p:cNvSpPr txBox="1"/>
+          <p:nvPr/>
+        </p:nvSpPr>
+        <p:spPr>
+          <a:xfrm>
+            <a:off x="979905" y="471160"/>
             <a:ext cx="4436157" cy="461665"/>
           </a:xfrm>
           <a:prstGeom prst="rect">
@@ -10893,53 +12258,6 @@
       </p:sp>
       <p:pic>
         <p:nvPicPr>
-          <p:cNvPr id="2050" name="Picture 2" descr="C_complie">
-            <a:extLst>
-              <a:ext uri="{FF2B5EF4-FFF2-40B4-BE49-F238E27FC236}">
-                <a16:creationId xmlns:a16="http://schemas.microsoft.com/office/drawing/2014/main" id="{10189FF2-5647-D00D-DBE4-C9CDC6142902}"/>
-              </a:ext>
-            </a:extLst>
-          </p:cNvPr>
-          <p:cNvPicPr>
-            <a:picLocks noChangeAspect="1" noChangeArrowheads="1"/>
-          </p:cNvPicPr>
-          <p:nvPr/>
-        </p:nvPicPr>
-        <p:blipFill>
-          <a:blip r:embed="rId2">
-            <a:extLst>
-              <a:ext uri="{28A0092B-C50C-407E-A947-70E740481C1C}">
-                <a14:useLocalDpi xmlns:a14="http://schemas.microsoft.com/office/drawing/2010/main" val="0"/>
-              </a:ext>
-            </a:extLst>
-          </a:blip>
-          <a:srcRect/>
-          <a:stretch>
-            <a:fillRect/>
-          </a:stretch>
-        </p:blipFill>
-        <p:spPr bwMode="auto">
-          <a:xfrm>
-            <a:off x="1207499" y="3277642"/>
-            <a:ext cx="4053230" cy="1898098"/>
-          </a:xfrm>
-          <a:prstGeom prst="rect">
-            <a:avLst/>
-          </a:prstGeom>
-          <a:noFill/>
-          <a:extLst>
-            <a:ext uri="{909E8E84-426E-40DD-AFC4-6F175D3DCCD1}">
-              <a14:hiddenFill xmlns:a14="http://schemas.microsoft.com/office/drawing/2010/main">
-                <a:solidFill>
-                  <a:srgbClr val="FFFFFF"/>
-                </a:solidFill>
-              </a14:hiddenFill>
-            </a:ext>
-          </a:extLst>
-        </p:spPr>
-      </p:pic>
-      <p:pic>
-        <p:nvPicPr>
           <p:cNvPr id="8" name="图片 7" descr="图示&#10;&#10;描述已自动生成">
             <a:extLst>
               <a:ext uri="{FF2B5EF4-FFF2-40B4-BE49-F238E27FC236}">
@@ -10953,7 +12271,7 @@
           <p:nvPr/>
         </p:nvPicPr>
         <p:blipFill>
-          <a:blip r:embed="rId3">
+          <a:blip r:embed="rId2">
             <a:extLst>
               <a:ext uri="{28A0092B-C50C-407E-A947-70E740481C1C}">
                 <a14:useLocalDpi xmlns:a14="http://schemas.microsoft.com/office/drawing/2010/main" val="0"/>
@@ -10966,8 +12284,8 @@
         </p:blipFill>
         <p:spPr>
           <a:xfrm>
-            <a:off x="5673969" y="1331149"/>
-            <a:ext cx="4770474" cy="3892986"/>
+            <a:off x="5676599" y="2068322"/>
+            <a:ext cx="3631523" cy="2963535"/>
           </a:xfrm>
           <a:prstGeom prst="rect">
             <a:avLst/>
@@ -11014,6 +12332,53 @@
           </a:p>
         </p:txBody>
       </p:sp>
+      <p:pic>
+        <p:nvPicPr>
+          <p:cNvPr id="12" name="Picture 2">
+            <a:extLst>
+              <a:ext uri="{FF2B5EF4-FFF2-40B4-BE49-F238E27FC236}">
+                <a16:creationId xmlns:a16="http://schemas.microsoft.com/office/drawing/2014/main" id="{2429DE56-C3FB-0FC6-3700-21C7D9826BA8}"/>
+              </a:ext>
+            </a:extLst>
+          </p:cNvPr>
+          <p:cNvPicPr>
+            <a:picLocks noChangeAspect="1" noChangeArrowheads="1"/>
+          </p:cNvPicPr>
+          <p:nvPr/>
+        </p:nvPicPr>
+        <p:blipFill>
+          <a:blip r:embed="rId3">
+            <a:extLst>
+              <a:ext uri="{28A0092B-C50C-407E-A947-70E740481C1C}">
+                <a14:useLocalDpi xmlns:a14="http://schemas.microsoft.com/office/drawing/2010/main" val="0"/>
+              </a:ext>
+            </a:extLst>
+          </a:blip>
+          <a:srcRect/>
+          <a:stretch>
+            <a:fillRect/>
+          </a:stretch>
+        </p:blipFill>
+        <p:spPr bwMode="auto">
+          <a:xfrm>
+            <a:off x="1116827" y="2151824"/>
+            <a:ext cx="3790728" cy="2554351"/>
+          </a:xfrm>
+          <a:prstGeom prst="rect">
+            <a:avLst/>
+          </a:prstGeom>
+          <a:noFill/>
+          <a:extLst>
+            <a:ext uri="{909E8E84-426E-40DD-AFC4-6F175D3DCCD1}">
+              <a14:hiddenFill xmlns:a14="http://schemas.microsoft.com/office/drawing/2010/main">
+                <a:solidFill>
+                  <a:srgbClr val="FFFFFF"/>
+                </a:solidFill>
+              </a14:hiddenFill>
+            </a:ext>
+          </a:extLst>
+        </p:spPr>
+      </p:pic>
     </p:spTree>
     <p:extLst>
       <p:ext uri="{BB962C8B-B14F-4D97-AF65-F5344CB8AC3E}">
@@ -11200,7 +12565,616 @@
 </p:sld>
 </file>
 
-<file path=ppt/slides/slide15.xml><?xml version="1.0" encoding="utf-8"?>
+<file path=ppt/slides/slide16.xml><?xml version="1.0" encoding="utf-8"?>
+<p:sld xmlns:a="http://schemas.openxmlformats.org/drawingml/2006/main" xmlns:r="http://schemas.openxmlformats.org/officeDocument/2006/relationships" xmlns:p="http://schemas.openxmlformats.org/presentationml/2006/main">
+  <p:cSld>
+    <p:spTree>
+      <p:nvGrpSpPr>
+        <p:cNvPr id="1" name=""/>
+        <p:cNvGrpSpPr/>
+        <p:nvPr/>
+      </p:nvGrpSpPr>
+      <p:grpSpPr>
+        <a:xfrm>
+          <a:off x="0" y="0"/>
+          <a:ext cx="0" cy="0"/>
+          <a:chOff x="0" y="0"/>
+          <a:chExt cx="0" cy="0"/>
+        </a:xfrm>
+      </p:grpSpPr>
+      <p:sp>
+        <p:nvSpPr>
+          <p:cNvPr id="2" name="Freeform 15">
+            <a:extLst>
+              <a:ext uri="{FF2B5EF4-FFF2-40B4-BE49-F238E27FC236}">
+                <a16:creationId xmlns:a16="http://schemas.microsoft.com/office/drawing/2014/main" id="{7956E56C-C3F1-4DDA-8C0D-5A3212DAD5CF}"/>
+              </a:ext>
+            </a:extLst>
+          </p:cNvPr>
+          <p:cNvSpPr>
+            <a:spLocks/>
+          </p:cNvSpPr>
+          <p:nvPr/>
+        </p:nvSpPr>
+        <p:spPr bwMode="auto">
+          <a:xfrm>
+            <a:off x="389654" y="391902"/>
+            <a:ext cx="487234" cy="562546"/>
+          </a:xfrm>
+          <a:custGeom>
+            <a:avLst/>
+            <a:gdLst>
+              <a:gd name="T0" fmla="*/ 0 w 1171"/>
+              <a:gd name="T1" fmla="*/ 1014 h 1352"/>
+              <a:gd name="T2" fmla="*/ 0 w 1171"/>
+              <a:gd name="T3" fmla="*/ 338 h 1352"/>
+              <a:gd name="T4" fmla="*/ 586 w 1171"/>
+              <a:gd name="T5" fmla="*/ 0 h 1352"/>
+              <a:gd name="T6" fmla="*/ 1171 w 1171"/>
+              <a:gd name="T7" fmla="*/ 338 h 1352"/>
+              <a:gd name="T8" fmla="*/ 1171 w 1171"/>
+              <a:gd name="T9" fmla="*/ 1014 h 1352"/>
+              <a:gd name="T10" fmla="*/ 586 w 1171"/>
+              <a:gd name="T11" fmla="*/ 1352 h 1352"/>
+              <a:gd name="T12" fmla="*/ 0 w 1171"/>
+              <a:gd name="T13" fmla="*/ 1014 h 1352"/>
+            </a:gdLst>
+            <a:ahLst/>
+            <a:cxnLst>
+              <a:cxn ang="0">
+                <a:pos x="T0" y="T1"/>
+              </a:cxn>
+              <a:cxn ang="0">
+                <a:pos x="T2" y="T3"/>
+              </a:cxn>
+              <a:cxn ang="0">
+                <a:pos x="T4" y="T5"/>
+              </a:cxn>
+              <a:cxn ang="0">
+                <a:pos x="T6" y="T7"/>
+              </a:cxn>
+              <a:cxn ang="0">
+                <a:pos x="T8" y="T9"/>
+              </a:cxn>
+              <a:cxn ang="0">
+                <a:pos x="T10" y="T11"/>
+              </a:cxn>
+              <a:cxn ang="0">
+                <a:pos x="T12" y="T13"/>
+              </a:cxn>
+            </a:cxnLst>
+            <a:rect l="0" t="0" r="r" b="b"/>
+            <a:pathLst>
+              <a:path w="1171" h="1352">
+                <a:moveTo>
+                  <a:pt x="0" y="1014"/>
+                </a:moveTo>
+                <a:lnTo>
+                  <a:pt x="0" y="338"/>
+                </a:lnTo>
+                <a:lnTo>
+                  <a:pt x="586" y="0"/>
+                </a:lnTo>
+                <a:lnTo>
+                  <a:pt x="1171" y="338"/>
+                </a:lnTo>
+                <a:lnTo>
+                  <a:pt x="1171" y="1014"/>
+                </a:lnTo>
+                <a:lnTo>
+                  <a:pt x="586" y="1352"/>
+                </a:lnTo>
+                <a:lnTo>
+                  <a:pt x="0" y="1014"/>
+                </a:lnTo>
+                <a:close/>
+              </a:path>
+            </a:pathLst>
+          </a:custGeom>
+          <a:solidFill>
+            <a:srgbClr val="2B3E54"/>
+          </a:solidFill>
+          <a:ln>
+            <a:noFill/>
+          </a:ln>
+        </p:spPr>
+        <p:txBody>
+          <a:bodyPr vert="horz" wrap="square" lIns="91440" tIns="45720" rIns="91440" bIns="45720" numCol="1" anchor="t" anchorCtr="0" compatLnSpc="1">
+            <a:prstTxWarp prst="textNoShape">
+              <a:avLst/>
+            </a:prstTxWarp>
+          </a:bodyPr>
+          <a:lstStyle/>
+          <a:p>
+            <a:endParaRPr lang="zh-CN" altLang="en-US" sz="2133" dirty="0">
+              <a:cs typeface="+mn-ea"/>
+              <a:sym typeface="+mn-lt"/>
+            </a:endParaRPr>
+          </a:p>
+        </p:txBody>
+      </p:sp>
+      <p:sp>
+        <p:nvSpPr>
+          <p:cNvPr id="4" name="文本框 8">
+            <a:extLst>
+              <a:ext uri="{FF2B5EF4-FFF2-40B4-BE49-F238E27FC236}">
+                <a16:creationId xmlns:a16="http://schemas.microsoft.com/office/drawing/2014/main" id="{EFA8AEF7-CAE9-495F-AC4C-2B1E9B3AA0F7}"/>
+              </a:ext>
+            </a:extLst>
+          </p:cNvPr>
+          <p:cNvSpPr txBox="1"/>
+          <p:nvPr/>
+        </p:nvSpPr>
+        <p:spPr>
+          <a:xfrm>
+            <a:off x="979905" y="471160"/>
+            <a:ext cx="4436157" cy="461665"/>
+          </a:xfrm>
+          <a:prstGeom prst="rect">
+            <a:avLst/>
+          </a:prstGeom>
+          <a:noFill/>
+        </p:spPr>
+        <p:txBody>
+          <a:bodyPr wrap="square" lIns="91440" tIns="45720" rIns="91440" bIns="45720" rtlCol="0">
+            <a:spAutoFit/>
+          </a:bodyPr>
+          <a:lstStyle>
+            <a:defPPr>
+              <a:defRPr lang="zh-CN"/>
+            </a:defPPr>
+            <a:lvl1pPr marL="0" algn="l" defTabSz="914400" rtl="0" eaLnBrk="1" latinLnBrk="0" hangingPunct="1">
+              <a:defRPr sz="1800" kern="1200">
+                <a:solidFill>
+                  <a:schemeClr val="tx1"/>
+                </a:solidFill>
+                <a:latin typeface="+mn-lt"/>
+                <a:ea typeface="+mn-ea"/>
+                <a:cs typeface="+mn-cs"/>
+              </a:defRPr>
+            </a:lvl1pPr>
+            <a:lvl2pPr marL="457200" algn="l" defTabSz="914400" rtl="0" eaLnBrk="1" latinLnBrk="0" hangingPunct="1">
+              <a:defRPr sz="1800" kern="1200">
+                <a:solidFill>
+                  <a:schemeClr val="tx1"/>
+                </a:solidFill>
+                <a:latin typeface="+mn-lt"/>
+                <a:ea typeface="+mn-ea"/>
+                <a:cs typeface="+mn-cs"/>
+              </a:defRPr>
+            </a:lvl2pPr>
+            <a:lvl3pPr marL="914400" algn="l" defTabSz="914400" rtl="0" eaLnBrk="1" latinLnBrk="0" hangingPunct="1">
+              <a:defRPr sz="1800" kern="1200">
+                <a:solidFill>
+                  <a:schemeClr val="tx1"/>
+                </a:solidFill>
+                <a:latin typeface="+mn-lt"/>
+                <a:ea typeface="+mn-ea"/>
+                <a:cs typeface="+mn-cs"/>
+              </a:defRPr>
+            </a:lvl3pPr>
+            <a:lvl4pPr marL="1371600" algn="l" defTabSz="914400" rtl="0" eaLnBrk="1" latinLnBrk="0" hangingPunct="1">
+              <a:defRPr sz="1800" kern="1200">
+                <a:solidFill>
+                  <a:schemeClr val="tx1"/>
+                </a:solidFill>
+                <a:latin typeface="+mn-lt"/>
+                <a:ea typeface="+mn-ea"/>
+                <a:cs typeface="+mn-cs"/>
+              </a:defRPr>
+            </a:lvl4pPr>
+            <a:lvl5pPr marL="1828800" algn="l" defTabSz="914400" rtl="0" eaLnBrk="1" latinLnBrk="0" hangingPunct="1">
+              <a:defRPr sz="1800" kern="1200">
+                <a:solidFill>
+                  <a:schemeClr val="tx1"/>
+                </a:solidFill>
+                <a:latin typeface="+mn-lt"/>
+                <a:ea typeface="+mn-ea"/>
+                <a:cs typeface="+mn-cs"/>
+              </a:defRPr>
+            </a:lvl5pPr>
+            <a:lvl6pPr marL="2286000" algn="l" defTabSz="914400" rtl="0" eaLnBrk="1" latinLnBrk="0" hangingPunct="1">
+              <a:defRPr sz="1800" kern="1200">
+                <a:solidFill>
+                  <a:schemeClr val="tx1"/>
+                </a:solidFill>
+                <a:latin typeface="+mn-lt"/>
+                <a:ea typeface="+mn-ea"/>
+                <a:cs typeface="+mn-cs"/>
+              </a:defRPr>
+            </a:lvl6pPr>
+            <a:lvl7pPr marL="2743200" algn="l" defTabSz="914400" rtl="0" eaLnBrk="1" latinLnBrk="0" hangingPunct="1">
+              <a:defRPr sz="1800" kern="1200">
+                <a:solidFill>
+                  <a:schemeClr val="tx1"/>
+                </a:solidFill>
+                <a:latin typeface="+mn-lt"/>
+                <a:ea typeface="+mn-ea"/>
+                <a:cs typeface="+mn-cs"/>
+              </a:defRPr>
+            </a:lvl7pPr>
+            <a:lvl8pPr marL="3200400" algn="l" defTabSz="914400" rtl="0" eaLnBrk="1" latinLnBrk="0" hangingPunct="1">
+              <a:defRPr sz="1800" kern="1200">
+                <a:solidFill>
+                  <a:schemeClr val="tx1"/>
+                </a:solidFill>
+                <a:latin typeface="+mn-lt"/>
+                <a:ea typeface="+mn-ea"/>
+                <a:cs typeface="+mn-cs"/>
+              </a:defRPr>
+            </a:lvl8pPr>
+            <a:lvl9pPr marL="3657600" algn="l" defTabSz="914400" rtl="0" eaLnBrk="1" latinLnBrk="0" hangingPunct="1">
+              <a:defRPr sz="1800" kern="1200">
+                <a:solidFill>
+                  <a:schemeClr val="tx1"/>
+                </a:solidFill>
+                <a:latin typeface="+mn-lt"/>
+                <a:ea typeface="+mn-ea"/>
+                <a:cs typeface="+mn-cs"/>
+              </a:defRPr>
+            </a:lvl9pPr>
+          </a:lstStyle>
+          <a:p>
+            <a:r>
+              <a:rPr lang="en-US" altLang="zh-CN" sz="2400" dirty="0">
+                <a:solidFill>
+                  <a:srgbClr val="2B3E54"/>
+                </a:solidFill>
+                <a:cs typeface="+mn-ea"/>
+                <a:sym typeface="+mn-lt"/>
+              </a:rPr>
+              <a:t>C/C++</a:t>
+            </a:r>
+            <a:r>
+              <a:rPr lang="zh-CN" altLang="en-US" sz="2400" dirty="0">
+                <a:solidFill>
+                  <a:srgbClr val="2B3E54"/>
+                </a:solidFill>
+                <a:cs typeface="+mn-ea"/>
+                <a:sym typeface="+mn-lt"/>
+              </a:rPr>
+              <a:t>的编译（</a:t>
+            </a:r>
+            <a:r>
+              <a:rPr lang="en-US" altLang="zh-CN" sz="2400" dirty="0">
+                <a:solidFill>
+                  <a:srgbClr val="2B3E54"/>
+                </a:solidFill>
+                <a:cs typeface="+mn-ea"/>
+                <a:sym typeface="+mn-lt"/>
+              </a:rPr>
+              <a:t>CS225</a:t>
+            </a:r>
+            <a:r>
+              <a:rPr lang="zh-CN" altLang="en-US" sz="2400" dirty="0">
+                <a:solidFill>
+                  <a:srgbClr val="2B3E54"/>
+                </a:solidFill>
+                <a:cs typeface="+mn-ea"/>
+                <a:sym typeface="+mn-lt"/>
+              </a:rPr>
+              <a:t>）</a:t>
+            </a:r>
+            <a:endParaRPr lang="en-US" altLang="zh-CN" sz="2400" dirty="0">
+              <a:solidFill>
+                <a:srgbClr val="2B3E54"/>
+              </a:solidFill>
+              <a:cs typeface="+mn-ea"/>
+              <a:sym typeface="+mn-lt"/>
+            </a:endParaRPr>
+          </a:p>
+        </p:txBody>
+      </p:sp>
+      <p:sp>
+        <p:nvSpPr>
+          <p:cNvPr id="3" name="文本框 2">
+            <a:extLst>
+              <a:ext uri="{FF2B5EF4-FFF2-40B4-BE49-F238E27FC236}">
+                <a16:creationId xmlns:a16="http://schemas.microsoft.com/office/drawing/2014/main" id="{6E1585D1-3AC4-966B-FFDB-3A9445A92BA7}"/>
+              </a:ext>
+            </a:extLst>
+          </p:cNvPr>
+          <p:cNvSpPr txBox="1"/>
+          <p:nvPr/>
+        </p:nvSpPr>
+        <p:spPr>
+          <a:xfrm>
+            <a:off x="1213337" y="1523944"/>
+            <a:ext cx="8094785" cy="369332"/>
+          </a:xfrm>
+          <a:prstGeom prst="rect">
+            <a:avLst/>
+          </a:prstGeom>
+          <a:noFill/>
+        </p:spPr>
+        <p:txBody>
+          <a:bodyPr wrap="square" rtlCol="0">
+            <a:spAutoFit/>
+          </a:bodyPr>
+          <a:lstStyle/>
+          <a:p>
+            <a:r>
+              <a:rPr lang="zh-CN" altLang="en-US" b="1" dirty="0"/>
+              <a:t>总结</a:t>
+            </a:r>
+            <a:endParaRPr lang="en-US" altLang="zh-CN" b="1" dirty="0"/>
+          </a:p>
+        </p:txBody>
+      </p:sp>
+      <p:sp>
+        <p:nvSpPr>
+          <p:cNvPr id="9" name="文本框 8">
+            <a:extLst>
+              <a:ext uri="{FF2B5EF4-FFF2-40B4-BE49-F238E27FC236}">
+                <a16:creationId xmlns:a16="http://schemas.microsoft.com/office/drawing/2014/main" id="{9A5FC4B1-667C-12E9-F2D7-CC97E267B29D}"/>
+              </a:ext>
+            </a:extLst>
+          </p:cNvPr>
+          <p:cNvSpPr txBox="1"/>
+          <p:nvPr/>
+        </p:nvSpPr>
+        <p:spPr>
+          <a:xfrm>
+            <a:off x="1207499" y="5411069"/>
+            <a:ext cx="5486400" cy="646331"/>
+          </a:xfrm>
+          <a:prstGeom prst="rect">
+            <a:avLst/>
+          </a:prstGeom>
+          <a:noFill/>
+        </p:spPr>
+        <p:txBody>
+          <a:bodyPr wrap="square" rtlCol="0">
+            <a:spAutoFit/>
+          </a:bodyPr>
+          <a:lstStyle/>
+          <a:p>
+            <a:r>
+              <a:rPr lang="zh-CN" altLang="en-US" dirty="0"/>
+              <a:t>进一步了解编译流程参见</a:t>
+            </a:r>
+            <a:r>
+              <a:rPr lang="en-US" altLang="zh-CN" dirty="0"/>
+              <a:t>https://zhuanlan.zhihu.com/p/88255667</a:t>
+            </a:r>
+            <a:endParaRPr lang="zh-CN" altLang="en-US" dirty="0"/>
+          </a:p>
+        </p:txBody>
+      </p:sp>
+      <p:pic>
+        <p:nvPicPr>
+          <p:cNvPr id="13" name="Picture 2" descr="C_complie">
+            <a:extLst>
+              <a:ext uri="{FF2B5EF4-FFF2-40B4-BE49-F238E27FC236}">
+                <a16:creationId xmlns:a16="http://schemas.microsoft.com/office/drawing/2014/main" id="{10189FF2-5647-D00D-DBE4-C9CDC6142902}"/>
+              </a:ext>
+            </a:extLst>
+          </p:cNvPr>
+          <p:cNvPicPr>
+            <a:picLocks noChangeAspect="1" noChangeArrowheads="1"/>
+          </p:cNvPicPr>
+          <p:nvPr/>
+        </p:nvPicPr>
+        <p:blipFill>
+          <a:blip r:embed="rId2">
+            <a:extLst>
+              <a:ext uri="{28A0092B-C50C-407E-A947-70E740481C1C}">
+                <a14:useLocalDpi xmlns:a14="http://schemas.microsoft.com/office/drawing/2010/main" val="0"/>
+              </a:ext>
+            </a:extLst>
+          </a:blip>
+          <a:srcRect/>
+          <a:stretch>
+            <a:fillRect/>
+          </a:stretch>
+        </p:blipFill>
+        <p:spPr bwMode="auto">
+          <a:xfrm>
+            <a:off x="2714112" y="2227977"/>
+            <a:ext cx="5627248" cy="2635199"/>
+          </a:xfrm>
+          <a:prstGeom prst="rect">
+            <a:avLst/>
+          </a:prstGeom>
+          <a:noFill/>
+          <a:extLst>
+            <a:ext uri="{909E8E84-426E-40DD-AFC4-6F175D3DCCD1}">
+              <a14:hiddenFill xmlns:a14="http://schemas.microsoft.com/office/drawing/2010/main">
+                <a:solidFill>
+                  <a:srgbClr val="FFFFFF"/>
+                </a:solidFill>
+              </a14:hiddenFill>
+            </a:ext>
+          </a:extLst>
+        </p:spPr>
+      </p:pic>
+    </p:spTree>
+    <p:extLst>
+      <p:ext uri="{BB962C8B-B14F-4D97-AF65-F5344CB8AC3E}">
+        <p14:creationId xmlns:p14="http://schemas.microsoft.com/office/powerpoint/2010/main" val="2463679884"/>
+      </p:ext>
+    </p:extLst>
+  </p:cSld>
+  <p:clrMapOvr>
+    <a:masterClrMapping/>
+  </p:clrMapOvr>
+  <p:timing>
+    <p:tnLst>
+      <p:par>
+        <p:cTn id="1" dur="indefinite" restart="never" nodeType="tmRoot">
+          <p:childTnLst>
+            <p:seq concurrent="1" nextAc="seek">
+              <p:cTn id="2" dur="indefinite" nodeType="mainSeq">
+                <p:childTnLst>
+                  <p:par>
+                    <p:cTn id="3" fill="hold">
+                      <p:stCondLst>
+                        <p:cond delay="indefinite"/>
+                        <p:cond evt="onBegin" delay="0">
+                          <p:tn val="2"/>
+                        </p:cond>
+                      </p:stCondLst>
+                      <p:childTnLst>
+                        <p:par>
+                          <p:cTn id="4" fill="hold">
+                            <p:stCondLst>
+                              <p:cond delay="0"/>
+                            </p:stCondLst>
+                            <p:childTnLst>
+                              <p:par>
+                                <p:cTn id="5" presetID="15" presetClass="entr" presetSubtype="0" fill="hold" grpId="0" nodeType="afterEffect">
+                                  <p:stCondLst>
+                                    <p:cond delay="0"/>
+                                  </p:stCondLst>
+                                  <p:childTnLst>
+                                    <p:set>
+                                      <p:cBhvr>
+                                        <p:cTn id="6" dur="1" fill="hold">
+                                          <p:stCondLst>
+                                            <p:cond delay="0"/>
+                                          </p:stCondLst>
+                                        </p:cTn>
+                                        <p:tgtEl>
+                                          <p:spTgt spid="4"/>
+                                        </p:tgtEl>
+                                        <p:attrNameLst>
+                                          <p:attrName>style.visibility</p:attrName>
+                                        </p:attrNameLst>
+                                      </p:cBhvr>
+                                      <p:to>
+                                        <p:strVal val="visible"/>
+                                      </p:to>
+                                    </p:set>
+                                    <p:anim calcmode="lin" valueType="num">
+                                      <p:cBhvr>
+                                        <p:cTn id="7" dur="1000" fill="hold"/>
+                                        <p:tgtEl>
+                                          <p:spTgt spid="4"/>
+                                        </p:tgtEl>
+                                        <p:attrNameLst>
+                                          <p:attrName>ppt_w</p:attrName>
+                                        </p:attrNameLst>
+                                      </p:cBhvr>
+                                      <p:tavLst>
+                                        <p:tav tm="0">
+                                          <p:val>
+                                            <p:fltVal val="0"/>
+                                          </p:val>
+                                        </p:tav>
+                                        <p:tav tm="100000">
+                                          <p:val>
+                                            <p:strVal val="#ppt_w"/>
+                                          </p:val>
+                                        </p:tav>
+                                      </p:tavLst>
+                                    </p:anim>
+                                    <p:anim calcmode="lin" valueType="num">
+                                      <p:cBhvr>
+                                        <p:cTn id="8" dur="1000" fill="hold"/>
+                                        <p:tgtEl>
+                                          <p:spTgt spid="4"/>
+                                        </p:tgtEl>
+                                        <p:attrNameLst>
+                                          <p:attrName>ppt_h</p:attrName>
+                                        </p:attrNameLst>
+                                      </p:cBhvr>
+                                      <p:tavLst>
+                                        <p:tav tm="0">
+                                          <p:val>
+                                            <p:fltVal val="0"/>
+                                          </p:val>
+                                        </p:tav>
+                                        <p:tav tm="100000">
+                                          <p:val>
+                                            <p:strVal val="#ppt_h"/>
+                                          </p:val>
+                                        </p:tav>
+                                      </p:tavLst>
+                                    </p:anim>
+                                    <p:anim calcmode="lin" valueType="num">
+                                      <p:cBhvr>
+                                        <p:cTn id="9" dur="1000" fill="hold"/>
+                                        <p:tgtEl>
+                                          <p:spTgt spid="4"/>
+                                        </p:tgtEl>
+                                        <p:attrNameLst>
+                                          <p:attrName>ppt_x</p:attrName>
+                                        </p:attrNameLst>
+                                      </p:cBhvr>
+                                      <p:tavLst>
+                                        <p:tav tm="0" fmla="#ppt_x+(cos(-2*pi*(1-$))*-#ppt_x-sin(-2*pi*(1-$))*(1-#ppt_y))*(1-$)">
+                                          <p:val>
+                                            <p:fltVal val="0"/>
+                                          </p:val>
+                                        </p:tav>
+                                        <p:tav tm="100000">
+                                          <p:val>
+                                            <p:fltVal val="1"/>
+                                          </p:val>
+                                        </p:tav>
+                                      </p:tavLst>
+                                    </p:anim>
+                                    <p:anim calcmode="lin" valueType="num">
+                                      <p:cBhvr>
+                                        <p:cTn id="10" dur="1000" fill="hold"/>
+                                        <p:tgtEl>
+                                          <p:spTgt spid="4"/>
+                                        </p:tgtEl>
+                                        <p:attrNameLst>
+                                          <p:attrName>ppt_y</p:attrName>
+                                        </p:attrNameLst>
+                                      </p:cBhvr>
+                                      <p:tavLst>
+                                        <p:tav tm="0" fmla="#ppt_y+(sin(-2*pi*(1-$))*-#ppt_x+cos(-2*pi*(1-$))*(1-#ppt_y))*(1-$)">
+                                          <p:val>
+                                            <p:fltVal val="0"/>
+                                          </p:val>
+                                        </p:tav>
+                                        <p:tav tm="100000">
+                                          <p:val>
+                                            <p:fltVal val="1"/>
+                                          </p:val>
+                                        </p:tav>
+                                      </p:tavLst>
+                                    </p:anim>
+                                  </p:childTnLst>
+                                </p:cTn>
+                              </p:par>
+                            </p:childTnLst>
+                          </p:cTn>
+                        </p:par>
+                      </p:childTnLst>
+                    </p:cTn>
+                  </p:par>
+                </p:childTnLst>
+              </p:cTn>
+              <p:prevCondLst>
+                <p:cond evt="onPrev" delay="0">
+                  <p:tgtEl>
+                    <p:sldTgt/>
+                  </p:tgtEl>
+                </p:cond>
+              </p:prevCondLst>
+              <p:nextCondLst>
+                <p:cond evt="onNext" delay="0">
+                  <p:tgtEl>
+                    <p:sldTgt/>
+                  </p:tgtEl>
+                </p:cond>
+              </p:nextCondLst>
+            </p:seq>
+          </p:childTnLst>
+        </p:cTn>
+      </p:par>
+    </p:tnLst>
+    <p:bldLst>
+      <p:bldP spid="4" grpId="0"/>
+    </p:bldLst>
+  </p:timing>
+</p:sld>
+</file>
+
+<file path=ppt/slides/slide17.xml><?xml version="1.0" encoding="utf-8"?>
 <p:sld xmlns:a="http://schemas.openxmlformats.org/drawingml/2006/main" xmlns:r="http://schemas.openxmlformats.org/officeDocument/2006/relationships" xmlns:p="http://schemas.openxmlformats.org/presentationml/2006/main">
   <p:cSld>
     <p:spTree>
@@ -11876,1237 +13850,6 @@
 </p:sld>
 </file>
 
-<file path=ppt/slides/slide16.xml><?xml version="1.0" encoding="utf-8"?>
-<p:sld xmlns:a="http://schemas.openxmlformats.org/drawingml/2006/main" xmlns:r="http://schemas.openxmlformats.org/officeDocument/2006/relationships" xmlns:p="http://schemas.openxmlformats.org/presentationml/2006/main">
-  <p:cSld>
-    <p:spTree>
-      <p:nvGrpSpPr>
-        <p:cNvPr id="1" name=""/>
-        <p:cNvGrpSpPr/>
-        <p:nvPr/>
-      </p:nvGrpSpPr>
-      <p:grpSpPr>
-        <a:xfrm>
-          <a:off x="0" y="0"/>
-          <a:ext cx="0" cy="0"/>
-          <a:chOff x="0" y="0"/>
-          <a:chExt cx="0" cy="0"/>
-        </a:xfrm>
-      </p:grpSpPr>
-      <p:sp>
-        <p:nvSpPr>
-          <p:cNvPr id="2" name="Freeform 15">
-            <a:extLst>
-              <a:ext uri="{FF2B5EF4-FFF2-40B4-BE49-F238E27FC236}">
-                <a16:creationId xmlns:a16="http://schemas.microsoft.com/office/drawing/2014/main" id="{7956E56C-C3F1-4DDA-8C0D-5A3212DAD5CF}"/>
-              </a:ext>
-            </a:extLst>
-          </p:cNvPr>
-          <p:cNvSpPr>
-            <a:spLocks/>
-          </p:cNvSpPr>
-          <p:nvPr/>
-        </p:nvSpPr>
-        <p:spPr bwMode="auto">
-          <a:xfrm>
-            <a:off x="389654" y="391902"/>
-            <a:ext cx="487234" cy="562546"/>
-          </a:xfrm>
-          <a:custGeom>
-            <a:avLst/>
-            <a:gdLst>
-              <a:gd name="T0" fmla="*/ 0 w 1171"/>
-              <a:gd name="T1" fmla="*/ 1014 h 1352"/>
-              <a:gd name="T2" fmla="*/ 0 w 1171"/>
-              <a:gd name="T3" fmla="*/ 338 h 1352"/>
-              <a:gd name="T4" fmla="*/ 586 w 1171"/>
-              <a:gd name="T5" fmla="*/ 0 h 1352"/>
-              <a:gd name="T6" fmla="*/ 1171 w 1171"/>
-              <a:gd name="T7" fmla="*/ 338 h 1352"/>
-              <a:gd name="T8" fmla="*/ 1171 w 1171"/>
-              <a:gd name="T9" fmla="*/ 1014 h 1352"/>
-              <a:gd name="T10" fmla="*/ 586 w 1171"/>
-              <a:gd name="T11" fmla="*/ 1352 h 1352"/>
-              <a:gd name="T12" fmla="*/ 0 w 1171"/>
-              <a:gd name="T13" fmla="*/ 1014 h 1352"/>
-            </a:gdLst>
-            <a:ahLst/>
-            <a:cxnLst>
-              <a:cxn ang="0">
-                <a:pos x="T0" y="T1"/>
-              </a:cxn>
-              <a:cxn ang="0">
-                <a:pos x="T2" y="T3"/>
-              </a:cxn>
-              <a:cxn ang="0">
-                <a:pos x="T4" y="T5"/>
-              </a:cxn>
-              <a:cxn ang="0">
-                <a:pos x="T6" y="T7"/>
-              </a:cxn>
-              <a:cxn ang="0">
-                <a:pos x="T8" y="T9"/>
-              </a:cxn>
-              <a:cxn ang="0">
-                <a:pos x="T10" y="T11"/>
-              </a:cxn>
-              <a:cxn ang="0">
-                <a:pos x="T12" y="T13"/>
-              </a:cxn>
-            </a:cxnLst>
-            <a:rect l="0" t="0" r="r" b="b"/>
-            <a:pathLst>
-              <a:path w="1171" h="1352">
-                <a:moveTo>
-                  <a:pt x="0" y="1014"/>
-                </a:moveTo>
-                <a:lnTo>
-                  <a:pt x="0" y="338"/>
-                </a:lnTo>
-                <a:lnTo>
-                  <a:pt x="586" y="0"/>
-                </a:lnTo>
-                <a:lnTo>
-                  <a:pt x="1171" y="338"/>
-                </a:lnTo>
-                <a:lnTo>
-                  <a:pt x="1171" y="1014"/>
-                </a:lnTo>
-                <a:lnTo>
-                  <a:pt x="586" y="1352"/>
-                </a:lnTo>
-                <a:lnTo>
-                  <a:pt x="0" y="1014"/>
-                </a:lnTo>
-                <a:close/>
-              </a:path>
-            </a:pathLst>
-          </a:custGeom>
-          <a:solidFill>
-            <a:srgbClr val="2B3E54"/>
-          </a:solidFill>
-          <a:ln>
-            <a:noFill/>
-          </a:ln>
-        </p:spPr>
-        <p:txBody>
-          <a:bodyPr vert="horz" wrap="square" lIns="91440" tIns="45720" rIns="91440" bIns="45720" numCol="1" anchor="t" anchorCtr="0" compatLnSpc="1">
-            <a:prstTxWarp prst="textNoShape">
-              <a:avLst/>
-            </a:prstTxWarp>
-          </a:bodyPr>
-          <a:lstStyle/>
-          <a:p>
-            <a:endParaRPr lang="zh-CN" altLang="en-US" sz="2133" dirty="0">
-              <a:cs typeface="+mn-ea"/>
-              <a:sym typeface="+mn-lt"/>
-            </a:endParaRPr>
-          </a:p>
-        </p:txBody>
-      </p:sp>
-      <p:sp>
-        <p:nvSpPr>
-          <p:cNvPr id="4" name="文本框 8">
-            <a:extLst>
-              <a:ext uri="{FF2B5EF4-FFF2-40B4-BE49-F238E27FC236}">
-                <a16:creationId xmlns:a16="http://schemas.microsoft.com/office/drawing/2014/main" id="{EFA8AEF7-CAE9-495F-AC4C-2B1E9B3AA0F7}"/>
-              </a:ext>
-            </a:extLst>
-          </p:cNvPr>
-          <p:cNvSpPr txBox="1"/>
-          <p:nvPr/>
-        </p:nvSpPr>
-        <p:spPr>
-          <a:xfrm>
-            <a:off x="979905" y="471160"/>
-            <a:ext cx="4043433" cy="461665"/>
-          </a:xfrm>
-          <a:prstGeom prst="rect">
-            <a:avLst/>
-          </a:prstGeom>
-          <a:noFill/>
-        </p:spPr>
-        <p:txBody>
-          <a:bodyPr wrap="square" lIns="91440" tIns="45720" rIns="91440" bIns="45720" rtlCol="0">
-            <a:spAutoFit/>
-          </a:bodyPr>
-          <a:lstStyle>
-            <a:defPPr>
-              <a:defRPr lang="zh-CN"/>
-            </a:defPPr>
-            <a:lvl1pPr marL="0" algn="l" defTabSz="914400" rtl="0" eaLnBrk="1" latinLnBrk="0" hangingPunct="1">
-              <a:defRPr sz="1800" kern="1200">
-                <a:solidFill>
-                  <a:schemeClr val="tx1"/>
-                </a:solidFill>
-                <a:latin typeface="+mn-lt"/>
-                <a:ea typeface="+mn-ea"/>
-                <a:cs typeface="+mn-cs"/>
-              </a:defRPr>
-            </a:lvl1pPr>
-            <a:lvl2pPr marL="457200" algn="l" defTabSz="914400" rtl="0" eaLnBrk="1" latinLnBrk="0" hangingPunct="1">
-              <a:defRPr sz="1800" kern="1200">
-                <a:solidFill>
-                  <a:schemeClr val="tx1"/>
-                </a:solidFill>
-                <a:latin typeface="+mn-lt"/>
-                <a:ea typeface="+mn-ea"/>
-                <a:cs typeface="+mn-cs"/>
-              </a:defRPr>
-            </a:lvl2pPr>
-            <a:lvl3pPr marL="914400" algn="l" defTabSz="914400" rtl="0" eaLnBrk="1" latinLnBrk="0" hangingPunct="1">
-              <a:defRPr sz="1800" kern="1200">
-                <a:solidFill>
-                  <a:schemeClr val="tx1"/>
-                </a:solidFill>
-                <a:latin typeface="+mn-lt"/>
-                <a:ea typeface="+mn-ea"/>
-                <a:cs typeface="+mn-cs"/>
-              </a:defRPr>
-            </a:lvl3pPr>
-            <a:lvl4pPr marL="1371600" algn="l" defTabSz="914400" rtl="0" eaLnBrk="1" latinLnBrk="0" hangingPunct="1">
-              <a:defRPr sz="1800" kern="1200">
-                <a:solidFill>
-                  <a:schemeClr val="tx1"/>
-                </a:solidFill>
-                <a:latin typeface="+mn-lt"/>
-                <a:ea typeface="+mn-ea"/>
-                <a:cs typeface="+mn-cs"/>
-              </a:defRPr>
-            </a:lvl4pPr>
-            <a:lvl5pPr marL="1828800" algn="l" defTabSz="914400" rtl="0" eaLnBrk="1" latinLnBrk="0" hangingPunct="1">
-              <a:defRPr sz="1800" kern="1200">
-                <a:solidFill>
-                  <a:schemeClr val="tx1"/>
-                </a:solidFill>
-                <a:latin typeface="+mn-lt"/>
-                <a:ea typeface="+mn-ea"/>
-                <a:cs typeface="+mn-cs"/>
-              </a:defRPr>
-            </a:lvl5pPr>
-            <a:lvl6pPr marL="2286000" algn="l" defTabSz="914400" rtl="0" eaLnBrk="1" latinLnBrk="0" hangingPunct="1">
-              <a:defRPr sz="1800" kern="1200">
-                <a:solidFill>
-                  <a:schemeClr val="tx1"/>
-                </a:solidFill>
-                <a:latin typeface="+mn-lt"/>
-                <a:ea typeface="+mn-ea"/>
-                <a:cs typeface="+mn-cs"/>
-              </a:defRPr>
-            </a:lvl6pPr>
-            <a:lvl7pPr marL="2743200" algn="l" defTabSz="914400" rtl="0" eaLnBrk="1" latinLnBrk="0" hangingPunct="1">
-              <a:defRPr sz="1800" kern="1200">
-                <a:solidFill>
-                  <a:schemeClr val="tx1"/>
-                </a:solidFill>
-                <a:latin typeface="+mn-lt"/>
-                <a:ea typeface="+mn-ea"/>
-                <a:cs typeface="+mn-cs"/>
-              </a:defRPr>
-            </a:lvl7pPr>
-            <a:lvl8pPr marL="3200400" algn="l" defTabSz="914400" rtl="0" eaLnBrk="1" latinLnBrk="0" hangingPunct="1">
-              <a:defRPr sz="1800" kern="1200">
-                <a:solidFill>
-                  <a:schemeClr val="tx1"/>
-                </a:solidFill>
-                <a:latin typeface="+mn-lt"/>
-                <a:ea typeface="+mn-ea"/>
-                <a:cs typeface="+mn-cs"/>
-              </a:defRPr>
-            </a:lvl8pPr>
-            <a:lvl9pPr marL="3657600" algn="l" defTabSz="914400" rtl="0" eaLnBrk="1" latinLnBrk="0" hangingPunct="1">
-              <a:defRPr sz="1800" kern="1200">
-                <a:solidFill>
-                  <a:schemeClr val="tx1"/>
-                </a:solidFill>
-                <a:latin typeface="+mn-lt"/>
-                <a:ea typeface="+mn-ea"/>
-                <a:cs typeface="+mn-cs"/>
-              </a:defRPr>
-            </a:lvl9pPr>
-          </a:lstStyle>
-          <a:p>
-            <a:r>
-              <a:rPr lang="zh-CN" altLang="en-US" sz="2400" dirty="0">
-                <a:solidFill>
-                  <a:srgbClr val="2B3E54"/>
-                </a:solidFill>
-                <a:cs typeface="+mn-ea"/>
-                <a:sym typeface="+mn-lt"/>
-              </a:rPr>
-              <a:t>如何管理复杂的工程？</a:t>
-            </a:r>
-            <a:endParaRPr lang="en-US" altLang="zh-CN" sz="2400" dirty="0">
-              <a:solidFill>
-                <a:srgbClr val="2B3E54"/>
-              </a:solidFill>
-              <a:cs typeface="+mn-ea"/>
-              <a:sym typeface="+mn-lt"/>
-            </a:endParaRPr>
-          </a:p>
-        </p:txBody>
-      </p:sp>
-      <p:sp>
-        <p:nvSpPr>
-          <p:cNvPr id="3" name="文本框 2">
-            <a:extLst>
-              <a:ext uri="{FF2B5EF4-FFF2-40B4-BE49-F238E27FC236}">
-                <a16:creationId xmlns:a16="http://schemas.microsoft.com/office/drawing/2014/main" id="{6E1F8F60-3AF2-64F9-2F8D-55F8D4A6AB08}"/>
-              </a:ext>
-            </a:extLst>
-          </p:cNvPr>
-          <p:cNvSpPr txBox="1"/>
-          <p:nvPr/>
-        </p:nvSpPr>
-        <p:spPr>
-          <a:xfrm>
-            <a:off x="1271954" y="1383323"/>
-            <a:ext cx="5615354" cy="3416320"/>
-          </a:xfrm>
-          <a:prstGeom prst="rect">
-            <a:avLst/>
-          </a:prstGeom>
-          <a:noFill/>
-        </p:spPr>
-        <p:txBody>
-          <a:bodyPr wrap="square" rtlCol="0">
-            <a:spAutoFit/>
-          </a:bodyPr>
-          <a:lstStyle/>
-          <a:p>
-            <a:r>
-              <a:rPr lang="zh-CN" altLang="en-US" dirty="0"/>
-              <a:t>当我们的文件越来越多，那么多</a:t>
-            </a:r>
-            <a:r>
-              <a:rPr lang="en-US" altLang="zh-CN" dirty="0"/>
-              <a:t>.c</a:t>
-            </a:r>
-            <a:r>
-              <a:rPr lang="zh-CN" altLang="en-US" dirty="0"/>
-              <a:t>和 </a:t>
-            </a:r>
-            <a:r>
-              <a:rPr lang="en-US" altLang="zh-CN" dirty="0"/>
-              <a:t>.h</a:t>
-            </a:r>
-            <a:r>
-              <a:rPr lang="zh-CN" altLang="en-US" dirty="0"/>
-              <a:t>如何管理？</a:t>
-            </a:r>
-            <a:endParaRPr lang="en-US" altLang="zh-CN" dirty="0"/>
-          </a:p>
-          <a:p>
-            <a:r>
-              <a:rPr lang="en-US" altLang="zh-CN" dirty="0"/>
-              <a:t>.h</a:t>
-            </a:r>
-            <a:r>
-              <a:rPr lang="zh-CN" altLang="en-US" dirty="0"/>
-              <a:t>放在和</a:t>
-            </a:r>
-            <a:r>
-              <a:rPr lang="en-US" altLang="zh-CN" dirty="0"/>
-              <a:t>.c</a:t>
-            </a:r>
-            <a:r>
-              <a:rPr lang="zh-CN" altLang="en-US" dirty="0"/>
-              <a:t>不同的文件夹中，</a:t>
-            </a:r>
-            <a:r>
-              <a:rPr lang="en-US" altLang="zh-CN" dirty="0"/>
-              <a:t>.h</a:t>
-            </a:r>
-            <a:r>
-              <a:rPr lang="zh-CN" altLang="en-US" dirty="0"/>
-              <a:t>如何被找到？</a:t>
-            </a:r>
-            <a:endParaRPr lang="en-US" altLang="zh-CN" dirty="0"/>
-          </a:p>
-          <a:p>
-            <a:r>
-              <a:rPr lang="zh-CN" altLang="en-US" dirty="0"/>
-              <a:t>如何把一个二进制的动态、静态链接库给链接进去？</a:t>
-            </a:r>
-            <a:endParaRPr lang="en-US" altLang="zh-CN" dirty="0"/>
-          </a:p>
-          <a:p>
-            <a:endParaRPr lang="en-US" altLang="zh-CN" dirty="0"/>
-          </a:p>
-          <a:p>
-            <a:r>
-              <a:rPr lang="en-US" altLang="zh-CN" dirty="0" err="1"/>
-              <a:t>gcc</a:t>
-            </a:r>
-            <a:r>
-              <a:rPr lang="en-US" altLang="zh-CN" dirty="0"/>
-              <a:t> –c –g </a:t>
-            </a:r>
-            <a:r>
-              <a:rPr lang="en-US" altLang="zh-CN" dirty="0" err="1"/>
-              <a:t>xxxxxxxxxxxxxxxxxxxxxxxxxxxxx</a:t>
-            </a:r>
-            <a:endParaRPr lang="en-US" altLang="zh-CN" dirty="0"/>
-          </a:p>
-          <a:p>
-            <a:r>
-              <a:rPr lang="en-US" altLang="zh-CN" dirty="0" err="1"/>
-              <a:t>gcc</a:t>
-            </a:r>
-            <a:r>
-              <a:rPr lang="en-US" altLang="zh-CN" dirty="0"/>
-              <a:t> –c –g </a:t>
-            </a:r>
-            <a:r>
-              <a:rPr lang="en-US" altLang="zh-CN" dirty="0" err="1"/>
-              <a:t>xxxxxxxxxxxxxxxxxxxxxxxxxxxxx</a:t>
-            </a:r>
-            <a:endParaRPr lang="en-US" altLang="zh-CN" dirty="0"/>
-          </a:p>
-          <a:p>
-            <a:r>
-              <a:rPr lang="en-US" altLang="zh-CN" dirty="0" err="1"/>
-              <a:t>gcc</a:t>
-            </a:r>
-            <a:r>
-              <a:rPr lang="en-US" altLang="zh-CN" dirty="0"/>
-              <a:t> –c –g </a:t>
-            </a:r>
-            <a:r>
-              <a:rPr lang="en-US" altLang="zh-CN" dirty="0" err="1"/>
-              <a:t>xxxxxxxxxxxxxxxxxxxxxxxxxxxxx</a:t>
-            </a:r>
-            <a:endParaRPr lang="en-US" altLang="zh-CN" dirty="0"/>
-          </a:p>
-          <a:p>
-            <a:r>
-              <a:rPr lang="en-US" altLang="zh-CN" dirty="0"/>
-              <a:t>???</a:t>
-            </a:r>
-          </a:p>
-          <a:p>
-            <a:endParaRPr lang="en-US" altLang="zh-CN" dirty="0"/>
-          </a:p>
-          <a:p>
-            <a:r>
-              <a:rPr lang="zh-CN" altLang="en-US" dirty="0"/>
-              <a:t>这样一条条输出么？</a:t>
-            </a:r>
-            <a:endParaRPr lang="en-US" altLang="zh-CN" dirty="0"/>
-          </a:p>
-          <a:p>
-            <a:endParaRPr lang="en-US" altLang="zh-CN" dirty="0"/>
-          </a:p>
-          <a:p>
-            <a:r>
-              <a:rPr lang="zh-CN" altLang="en-US" b="1" dirty="0"/>
-              <a:t>太麻烦了！</a:t>
-            </a:r>
-            <a:endParaRPr lang="en-US" altLang="zh-CN" b="1" dirty="0"/>
-          </a:p>
-        </p:txBody>
-      </p:sp>
-    </p:spTree>
-    <p:extLst>
-      <p:ext uri="{BB962C8B-B14F-4D97-AF65-F5344CB8AC3E}">
-        <p14:creationId xmlns:p14="http://schemas.microsoft.com/office/powerpoint/2010/main" val="3586566790"/>
-      </p:ext>
-    </p:extLst>
-  </p:cSld>
-  <p:clrMapOvr>
-    <a:masterClrMapping/>
-  </p:clrMapOvr>
-  <p:timing>
-    <p:tnLst>
-      <p:par>
-        <p:cTn id="1" dur="indefinite" restart="never" nodeType="tmRoot">
-          <p:childTnLst>
-            <p:seq concurrent="1" nextAc="seek">
-              <p:cTn id="2" dur="indefinite" nodeType="mainSeq">
-                <p:childTnLst>
-                  <p:par>
-                    <p:cTn id="3" fill="hold">
-                      <p:stCondLst>
-                        <p:cond delay="indefinite"/>
-                        <p:cond evt="onBegin" delay="0">
-                          <p:tn val="2"/>
-                        </p:cond>
-                      </p:stCondLst>
-                      <p:childTnLst>
-                        <p:par>
-                          <p:cTn id="4" fill="hold">
-                            <p:stCondLst>
-                              <p:cond delay="0"/>
-                            </p:stCondLst>
-                            <p:childTnLst>
-                              <p:par>
-                                <p:cTn id="5" presetID="15" presetClass="entr" presetSubtype="0" fill="hold" grpId="0" nodeType="afterEffect">
-                                  <p:stCondLst>
-                                    <p:cond delay="0"/>
-                                  </p:stCondLst>
-                                  <p:childTnLst>
-                                    <p:set>
-                                      <p:cBhvr>
-                                        <p:cTn id="6" dur="1" fill="hold">
-                                          <p:stCondLst>
-                                            <p:cond delay="0"/>
-                                          </p:stCondLst>
-                                        </p:cTn>
-                                        <p:tgtEl>
-                                          <p:spTgt spid="4"/>
-                                        </p:tgtEl>
-                                        <p:attrNameLst>
-                                          <p:attrName>style.visibility</p:attrName>
-                                        </p:attrNameLst>
-                                      </p:cBhvr>
-                                      <p:to>
-                                        <p:strVal val="visible"/>
-                                      </p:to>
-                                    </p:set>
-                                    <p:anim calcmode="lin" valueType="num">
-                                      <p:cBhvr>
-                                        <p:cTn id="7" dur="1000" fill="hold"/>
-                                        <p:tgtEl>
-                                          <p:spTgt spid="4"/>
-                                        </p:tgtEl>
-                                        <p:attrNameLst>
-                                          <p:attrName>ppt_w</p:attrName>
-                                        </p:attrNameLst>
-                                      </p:cBhvr>
-                                      <p:tavLst>
-                                        <p:tav tm="0">
-                                          <p:val>
-                                            <p:fltVal val="0"/>
-                                          </p:val>
-                                        </p:tav>
-                                        <p:tav tm="100000">
-                                          <p:val>
-                                            <p:strVal val="#ppt_w"/>
-                                          </p:val>
-                                        </p:tav>
-                                      </p:tavLst>
-                                    </p:anim>
-                                    <p:anim calcmode="lin" valueType="num">
-                                      <p:cBhvr>
-                                        <p:cTn id="8" dur="1000" fill="hold"/>
-                                        <p:tgtEl>
-                                          <p:spTgt spid="4"/>
-                                        </p:tgtEl>
-                                        <p:attrNameLst>
-                                          <p:attrName>ppt_h</p:attrName>
-                                        </p:attrNameLst>
-                                      </p:cBhvr>
-                                      <p:tavLst>
-                                        <p:tav tm="0">
-                                          <p:val>
-                                            <p:fltVal val="0"/>
-                                          </p:val>
-                                        </p:tav>
-                                        <p:tav tm="100000">
-                                          <p:val>
-                                            <p:strVal val="#ppt_h"/>
-                                          </p:val>
-                                        </p:tav>
-                                      </p:tavLst>
-                                    </p:anim>
-                                    <p:anim calcmode="lin" valueType="num">
-                                      <p:cBhvr>
-                                        <p:cTn id="9" dur="1000" fill="hold"/>
-                                        <p:tgtEl>
-                                          <p:spTgt spid="4"/>
-                                        </p:tgtEl>
-                                        <p:attrNameLst>
-                                          <p:attrName>ppt_x</p:attrName>
-                                        </p:attrNameLst>
-                                      </p:cBhvr>
-                                      <p:tavLst>
-                                        <p:tav tm="0" fmla="#ppt_x+(cos(-2*pi*(1-$))*-#ppt_x-sin(-2*pi*(1-$))*(1-#ppt_y))*(1-$)">
-                                          <p:val>
-                                            <p:fltVal val="0"/>
-                                          </p:val>
-                                        </p:tav>
-                                        <p:tav tm="100000">
-                                          <p:val>
-                                            <p:fltVal val="1"/>
-                                          </p:val>
-                                        </p:tav>
-                                      </p:tavLst>
-                                    </p:anim>
-                                    <p:anim calcmode="lin" valueType="num">
-                                      <p:cBhvr>
-                                        <p:cTn id="10" dur="1000" fill="hold"/>
-                                        <p:tgtEl>
-                                          <p:spTgt spid="4"/>
-                                        </p:tgtEl>
-                                        <p:attrNameLst>
-                                          <p:attrName>ppt_y</p:attrName>
-                                        </p:attrNameLst>
-                                      </p:cBhvr>
-                                      <p:tavLst>
-                                        <p:tav tm="0" fmla="#ppt_y+(sin(-2*pi*(1-$))*-#ppt_x+cos(-2*pi*(1-$))*(1-#ppt_y))*(1-$)">
-                                          <p:val>
-                                            <p:fltVal val="0"/>
-                                          </p:val>
-                                        </p:tav>
-                                        <p:tav tm="100000">
-                                          <p:val>
-                                            <p:fltVal val="1"/>
-                                          </p:val>
-                                        </p:tav>
-                                      </p:tavLst>
-                                    </p:anim>
-                                  </p:childTnLst>
-                                </p:cTn>
-                              </p:par>
-                            </p:childTnLst>
-                          </p:cTn>
-                        </p:par>
-                      </p:childTnLst>
-                    </p:cTn>
-                  </p:par>
-                </p:childTnLst>
-              </p:cTn>
-              <p:prevCondLst>
-                <p:cond evt="onPrev" delay="0">
-                  <p:tgtEl>
-                    <p:sldTgt/>
-                  </p:tgtEl>
-                </p:cond>
-              </p:prevCondLst>
-              <p:nextCondLst>
-                <p:cond evt="onNext" delay="0">
-                  <p:tgtEl>
-                    <p:sldTgt/>
-                  </p:tgtEl>
-                </p:cond>
-              </p:nextCondLst>
-            </p:seq>
-          </p:childTnLst>
-        </p:cTn>
-      </p:par>
-    </p:tnLst>
-    <p:bldLst>
-      <p:bldP spid="4" grpId="0"/>
-    </p:bldLst>
-  </p:timing>
-</p:sld>
-</file>
-
-<file path=ppt/slides/slide17.xml><?xml version="1.0" encoding="utf-8"?>
-<p:sld xmlns:a="http://schemas.openxmlformats.org/drawingml/2006/main" xmlns:r="http://schemas.openxmlformats.org/officeDocument/2006/relationships" xmlns:p="http://schemas.openxmlformats.org/presentationml/2006/main">
-  <p:cSld>
-    <p:spTree>
-      <p:nvGrpSpPr>
-        <p:cNvPr id="1" name=""/>
-        <p:cNvGrpSpPr/>
-        <p:nvPr/>
-      </p:nvGrpSpPr>
-      <p:grpSpPr>
-        <a:xfrm>
-          <a:off x="0" y="0"/>
-          <a:ext cx="0" cy="0"/>
-          <a:chOff x="0" y="0"/>
-          <a:chExt cx="0" cy="0"/>
-        </a:xfrm>
-      </p:grpSpPr>
-      <p:sp>
-        <p:nvSpPr>
-          <p:cNvPr id="2" name="Freeform 15">
-            <a:extLst>
-              <a:ext uri="{FF2B5EF4-FFF2-40B4-BE49-F238E27FC236}">
-                <a16:creationId xmlns:a16="http://schemas.microsoft.com/office/drawing/2014/main" id="{7956E56C-C3F1-4DDA-8C0D-5A3212DAD5CF}"/>
-              </a:ext>
-            </a:extLst>
-          </p:cNvPr>
-          <p:cNvSpPr>
-            <a:spLocks/>
-          </p:cNvSpPr>
-          <p:nvPr/>
-        </p:nvSpPr>
-        <p:spPr bwMode="auto">
-          <a:xfrm>
-            <a:off x="389654" y="391902"/>
-            <a:ext cx="487234" cy="562546"/>
-          </a:xfrm>
-          <a:custGeom>
-            <a:avLst/>
-            <a:gdLst>
-              <a:gd name="T0" fmla="*/ 0 w 1171"/>
-              <a:gd name="T1" fmla="*/ 1014 h 1352"/>
-              <a:gd name="T2" fmla="*/ 0 w 1171"/>
-              <a:gd name="T3" fmla="*/ 338 h 1352"/>
-              <a:gd name="T4" fmla="*/ 586 w 1171"/>
-              <a:gd name="T5" fmla="*/ 0 h 1352"/>
-              <a:gd name="T6" fmla="*/ 1171 w 1171"/>
-              <a:gd name="T7" fmla="*/ 338 h 1352"/>
-              <a:gd name="T8" fmla="*/ 1171 w 1171"/>
-              <a:gd name="T9" fmla="*/ 1014 h 1352"/>
-              <a:gd name="T10" fmla="*/ 586 w 1171"/>
-              <a:gd name="T11" fmla="*/ 1352 h 1352"/>
-              <a:gd name="T12" fmla="*/ 0 w 1171"/>
-              <a:gd name="T13" fmla="*/ 1014 h 1352"/>
-            </a:gdLst>
-            <a:ahLst/>
-            <a:cxnLst>
-              <a:cxn ang="0">
-                <a:pos x="T0" y="T1"/>
-              </a:cxn>
-              <a:cxn ang="0">
-                <a:pos x="T2" y="T3"/>
-              </a:cxn>
-              <a:cxn ang="0">
-                <a:pos x="T4" y="T5"/>
-              </a:cxn>
-              <a:cxn ang="0">
-                <a:pos x="T6" y="T7"/>
-              </a:cxn>
-              <a:cxn ang="0">
-                <a:pos x="T8" y="T9"/>
-              </a:cxn>
-              <a:cxn ang="0">
-                <a:pos x="T10" y="T11"/>
-              </a:cxn>
-              <a:cxn ang="0">
-                <a:pos x="T12" y="T13"/>
-              </a:cxn>
-            </a:cxnLst>
-            <a:rect l="0" t="0" r="r" b="b"/>
-            <a:pathLst>
-              <a:path w="1171" h="1352">
-                <a:moveTo>
-                  <a:pt x="0" y="1014"/>
-                </a:moveTo>
-                <a:lnTo>
-                  <a:pt x="0" y="338"/>
-                </a:lnTo>
-                <a:lnTo>
-                  <a:pt x="586" y="0"/>
-                </a:lnTo>
-                <a:lnTo>
-                  <a:pt x="1171" y="338"/>
-                </a:lnTo>
-                <a:lnTo>
-                  <a:pt x="1171" y="1014"/>
-                </a:lnTo>
-                <a:lnTo>
-                  <a:pt x="586" y="1352"/>
-                </a:lnTo>
-                <a:lnTo>
-                  <a:pt x="0" y="1014"/>
-                </a:lnTo>
-                <a:close/>
-              </a:path>
-            </a:pathLst>
-          </a:custGeom>
-          <a:solidFill>
-            <a:srgbClr val="2B3E54"/>
-          </a:solidFill>
-          <a:ln>
-            <a:noFill/>
-          </a:ln>
-        </p:spPr>
-        <p:txBody>
-          <a:bodyPr vert="horz" wrap="square" lIns="91440" tIns="45720" rIns="91440" bIns="45720" numCol="1" anchor="t" anchorCtr="0" compatLnSpc="1">
-            <a:prstTxWarp prst="textNoShape">
-              <a:avLst/>
-            </a:prstTxWarp>
-          </a:bodyPr>
-          <a:lstStyle/>
-          <a:p>
-            <a:endParaRPr lang="zh-CN" altLang="en-US" sz="2133" dirty="0">
-              <a:cs typeface="+mn-ea"/>
-              <a:sym typeface="+mn-lt"/>
-            </a:endParaRPr>
-          </a:p>
-        </p:txBody>
-      </p:sp>
-      <p:sp>
-        <p:nvSpPr>
-          <p:cNvPr id="4" name="文本框 8">
-            <a:extLst>
-              <a:ext uri="{FF2B5EF4-FFF2-40B4-BE49-F238E27FC236}">
-                <a16:creationId xmlns:a16="http://schemas.microsoft.com/office/drawing/2014/main" id="{EFA8AEF7-CAE9-495F-AC4C-2B1E9B3AA0F7}"/>
-              </a:ext>
-            </a:extLst>
-          </p:cNvPr>
-          <p:cNvSpPr txBox="1"/>
-          <p:nvPr/>
-        </p:nvSpPr>
-        <p:spPr>
-          <a:xfrm>
-            <a:off x="979905" y="471160"/>
-            <a:ext cx="4043433" cy="461665"/>
-          </a:xfrm>
-          <a:prstGeom prst="rect">
-            <a:avLst/>
-          </a:prstGeom>
-          <a:noFill/>
-        </p:spPr>
-        <p:txBody>
-          <a:bodyPr wrap="square" lIns="91440" tIns="45720" rIns="91440" bIns="45720" rtlCol="0">
-            <a:spAutoFit/>
-          </a:bodyPr>
-          <a:lstStyle>
-            <a:defPPr>
-              <a:defRPr lang="zh-CN"/>
-            </a:defPPr>
-            <a:lvl1pPr marL="0" algn="l" defTabSz="914400" rtl="0" eaLnBrk="1" latinLnBrk="0" hangingPunct="1">
-              <a:defRPr sz="1800" kern="1200">
-                <a:solidFill>
-                  <a:schemeClr val="tx1"/>
-                </a:solidFill>
-                <a:latin typeface="+mn-lt"/>
-                <a:ea typeface="+mn-ea"/>
-                <a:cs typeface="+mn-cs"/>
-              </a:defRPr>
-            </a:lvl1pPr>
-            <a:lvl2pPr marL="457200" algn="l" defTabSz="914400" rtl="0" eaLnBrk="1" latinLnBrk="0" hangingPunct="1">
-              <a:defRPr sz="1800" kern="1200">
-                <a:solidFill>
-                  <a:schemeClr val="tx1"/>
-                </a:solidFill>
-                <a:latin typeface="+mn-lt"/>
-                <a:ea typeface="+mn-ea"/>
-                <a:cs typeface="+mn-cs"/>
-              </a:defRPr>
-            </a:lvl2pPr>
-            <a:lvl3pPr marL="914400" algn="l" defTabSz="914400" rtl="0" eaLnBrk="1" latinLnBrk="0" hangingPunct="1">
-              <a:defRPr sz="1800" kern="1200">
-                <a:solidFill>
-                  <a:schemeClr val="tx1"/>
-                </a:solidFill>
-                <a:latin typeface="+mn-lt"/>
-                <a:ea typeface="+mn-ea"/>
-                <a:cs typeface="+mn-cs"/>
-              </a:defRPr>
-            </a:lvl3pPr>
-            <a:lvl4pPr marL="1371600" algn="l" defTabSz="914400" rtl="0" eaLnBrk="1" latinLnBrk="0" hangingPunct="1">
-              <a:defRPr sz="1800" kern="1200">
-                <a:solidFill>
-                  <a:schemeClr val="tx1"/>
-                </a:solidFill>
-                <a:latin typeface="+mn-lt"/>
-                <a:ea typeface="+mn-ea"/>
-                <a:cs typeface="+mn-cs"/>
-              </a:defRPr>
-            </a:lvl4pPr>
-            <a:lvl5pPr marL="1828800" algn="l" defTabSz="914400" rtl="0" eaLnBrk="1" latinLnBrk="0" hangingPunct="1">
-              <a:defRPr sz="1800" kern="1200">
-                <a:solidFill>
-                  <a:schemeClr val="tx1"/>
-                </a:solidFill>
-                <a:latin typeface="+mn-lt"/>
-                <a:ea typeface="+mn-ea"/>
-                <a:cs typeface="+mn-cs"/>
-              </a:defRPr>
-            </a:lvl5pPr>
-            <a:lvl6pPr marL="2286000" algn="l" defTabSz="914400" rtl="0" eaLnBrk="1" latinLnBrk="0" hangingPunct="1">
-              <a:defRPr sz="1800" kern="1200">
-                <a:solidFill>
-                  <a:schemeClr val="tx1"/>
-                </a:solidFill>
-                <a:latin typeface="+mn-lt"/>
-                <a:ea typeface="+mn-ea"/>
-                <a:cs typeface="+mn-cs"/>
-              </a:defRPr>
-            </a:lvl6pPr>
-            <a:lvl7pPr marL="2743200" algn="l" defTabSz="914400" rtl="0" eaLnBrk="1" latinLnBrk="0" hangingPunct="1">
-              <a:defRPr sz="1800" kern="1200">
-                <a:solidFill>
-                  <a:schemeClr val="tx1"/>
-                </a:solidFill>
-                <a:latin typeface="+mn-lt"/>
-                <a:ea typeface="+mn-ea"/>
-                <a:cs typeface="+mn-cs"/>
-              </a:defRPr>
-            </a:lvl7pPr>
-            <a:lvl8pPr marL="3200400" algn="l" defTabSz="914400" rtl="0" eaLnBrk="1" latinLnBrk="0" hangingPunct="1">
-              <a:defRPr sz="1800" kern="1200">
-                <a:solidFill>
-                  <a:schemeClr val="tx1"/>
-                </a:solidFill>
-                <a:latin typeface="+mn-lt"/>
-                <a:ea typeface="+mn-ea"/>
-                <a:cs typeface="+mn-cs"/>
-              </a:defRPr>
-            </a:lvl8pPr>
-            <a:lvl9pPr marL="3657600" algn="l" defTabSz="914400" rtl="0" eaLnBrk="1" latinLnBrk="0" hangingPunct="1">
-              <a:defRPr sz="1800" kern="1200">
-                <a:solidFill>
-                  <a:schemeClr val="tx1"/>
-                </a:solidFill>
-                <a:latin typeface="+mn-lt"/>
-                <a:ea typeface="+mn-ea"/>
-                <a:cs typeface="+mn-cs"/>
-              </a:defRPr>
-            </a:lvl9pPr>
-          </a:lstStyle>
-          <a:p>
-            <a:r>
-              <a:rPr lang="en-US" altLang="zh-CN" sz="2400" dirty="0">
-                <a:solidFill>
-                  <a:srgbClr val="2B3E54"/>
-                </a:solidFill>
-                <a:cs typeface="+mn-ea"/>
-                <a:sym typeface="+mn-lt"/>
-              </a:rPr>
-              <a:t>Make</a:t>
-            </a:r>
-            <a:r>
-              <a:rPr lang="zh-CN" altLang="en-US" sz="2400" dirty="0">
-                <a:solidFill>
-                  <a:srgbClr val="2B3E54"/>
-                </a:solidFill>
-                <a:cs typeface="+mn-ea"/>
-                <a:sym typeface="+mn-lt"/>
-              </a:rPr>
-              <a:t>安装</a:t>
-            </a:r>
-            <a:endParaRPr lang="en-US" altLang="zh-CN" sz="2400" dirty="0">
-              <a:solidFill>
-                <a:srgbClr val="2B3E54"/>
-              </a:solidFill>
-              <a:cs typeface="+mn-ea"/>
-              <a:sym typeface="+mn-lt"/>
-            </a:endParaRPr>
-          </a:p>
-        </p:txBody>
-      </p:sp>
-      <p:sp>
-        <p:nvSpPr>
-          <p:cNvPr id="7" name="文本框 6">
-            <a:extLst>
-              <a:ext uri="{FF2B5EF4-FFF2-40B4-BE49-F238E27FC236}">
-                <a16:creationId xmlns:a16="http://schemas.microsoft.com/office/drawing/2014/main" id="{B74A740F-CE40-E229-935C-DA3F4F1C2C4C}"/>
-              </a:ext>
-            </a:extLst>
-          </p:cNvPr>
-          <p:cNvSpPr txBox="1"/>
-          <p:nvPr/>
-        </p:nvSpPr>
-        <p:spPr>
-          <a:xfrm>
-            <a:off x="3048000" y="2413338"/>
-            <a:ext cx="6096000" cy="2031325"/>
-          </a:xfrm>
-          <a:prstGeom prst="rect">
-            <a:avLst/>
-          </a:prstGeom>
-          <a:noFill/>
-        </p:spPr>
-        <p:txBody>
-          <a:bodyPr wrap="square">
-            <a:spAutoFit/>
-          </a:bodyPr>
-          <a:lstStyle/>
-          <a:p>
-            <a:r>
-              <a:rPr lang="zh-CN" altLang="en-US" b="1" dirty="0"/>
-              <a:t>安装？</a:t>
-            </a:r>
-            <a:endParaRPr lang="en-US" altLang="zh-CN" b="1" dirty="0"/>
-          </a:p>
-          <a:p>
-            <a:r>
-              <a:rPr lang="zh-CN" altLang="en-US" dirty="0"/>
-              <a:t>对于</a:t>
-            </a:r>
-            <a:r>
-              <a:rPr lang="en-US" altLang="zh-CN" dirty="0"/>
-              <a:t>Windows</a:t>
-            </a:r>
-            <a:r>
-              <a:rPr lang="zh-CN" altLang="en-US" dirty="0"/>
-              <a:t>用户，</a:t>
-            </a:r>
-            <a:r>
-              <a:rPr lang="en-US" altLang="zh-CN" dirty="0"/>
-              <a:t>MinGW</a:t>
-            </a:r>
-            <a:r>
-              <a:rPr lang="zh-CN" altLang="en-US" dirty="0"/>
-              <a:t> </a:t>
-            </a:r>
-            <a:r>
-              <a:rPr lang="en-US" altLang="zh-CN" dirty="0" err="1"/>
-              <a:t>gcc</a:t>
-            </a:r>
-            <a:r>
-              <a:rPr lang="zh-CN" altLang="en-US" dirty="0"/>
-              <a:t>或者</a:t>
-            </a:r>
-            <a:r>
-              <a:rPr lang="en-US" altLang="zh-CN" dirty="0"/>
-              <a:t>clang</a:t>
-            </a:r>
-            <a:r>
-              <a:rPr lang="zh-CN" altLang="en-US" dirty="0"/>
-              <a:t>编译器在添加环境变量的时候，</a:t>
-            </a:r>
-            <a:r>
-              <a:rPr lang="en-US" altLang="zh-CN" dirty="0"/>
-              <a:t>make.exe</a:t>
-            </a:r>
-            <a:r>
-              <a:rPr lang="zh-CN" altLang="en-US" dirty="0"/>
-              <a:t>已经在</a:t>
-            </a:r>
-            <a:r>
-              <a:rPr lang="en-US" altLang="zh-CN" dirty="0"/>
-              <a:t>bin</a:t>
-            </a:r>
-            <a:r>
-              <a:rPr lang="zh-CN" altLang="en-US" dirty="0"/>
-              <a:t>文件夹中了。</a:t>
-            </a:r>
-            <a:endParaRPr lang="en-US" altLang="zh-CN" dirty="0"/>
-          </a:p>
-          <a:p>
-            <a:endParaRPr lang="en-US" altLang="zh-CN" dirty="0"/>
-          </a:p>
-          <a:p>
-            <a:r>
-              <a:rPr lang="zh-CN" altLang="en-US" dirty="0"/>
-              <a:t>如果命令行中输入</a:t>
-            </a:r>
-            <a:r>
-              <a:rPr lang="en-US" altLang="zh-CN" dirty="0"/>
-              <a:t>make</a:t>
-            </a:r>
-            <a:r>
-              <a:rPr lang="zh-CN" altLang="en-US" dirty="0"/>
-              <a:t>发生了错误：</a:t>
-            </a:r>
-            <a:endParaRPr lang="en-US" altLang="zh-CN" dirty="0"/>
-          </a:p>
-          <a:p>
-            <a:r>
-              <a:rPr lang="zh-CN" altLang="en-US" dirty="0"/>
-              <a:t>对于</a:t>
-            </a:r>
-            <a:r>
-              <a:rPr lang="en-US" altLang="zh-CN" dirty="0"/>
-              <a:t>Linux</a:t>
-            </a:r>
-            <a:r>
-              <a:rPr lang="zh-CN" altLang="en-US" dirty="0"/>
-              <a:t>用户：</a:t>
-            </a:r>
-            <a:r>
-              <a:rPr lang="en-US" altLang="zh-CN" dirty="0" err="1"/>
-              <a:t>sudo</a:t>
-            </a:r>
-            <a:r>
-              <a:rPr lang="en-US" altLang="zh-CN" dirty="0"/>
-              <a:t> apt install make</a:t>
-            </a:r>
-          </a:p>
-          <a:p>
-            <a:r>
-              <a:rPr lang="zh-CN" altLang="en-US" dirty="0"/>
-              <a:t>对于</a:t>
-            </a:r>
-            <a:r>
-              <a:rPr lang="en-US" altLang="zh-CN" dirty="0"/>
-              <a:t>MacOS</a:t>
-            </a:r>
-            <a:r>
-              <a:rPr lang="zh-CN" altLang="en-US" dirty="0"/>
-              <a:t>用户：</a:t>
-            </a:r>
-            <a:r>
-              <a:rPr lang="en-US" altLang="zh-CN" dirty="0"/>
-              <a:t>brew install make</a:t>
-            </a:r>
-          </a:p>
-        </p:txBody>
-      </p:sp>
-    </p:spTree>
-    <p:extLst>
-      <p:ext uri="{BB962C8B-B14F-4D97-AF65-F5344CB8AC3E}">
-        <p14:creationId xmlns:p14="http://schemas.microsoft.com/office/powerpoint/2010/main" val="1455572698"/>
-      </p:ext>
-    </p:extLst>
-  </p:cSld>
-  <p:clrMapOvr>
-    <a:masterClrMapping/>
-  </p:clrMapOvr>
-  <p:timing>
-    <p:tnLst>
-      <p:par>
-        <p:cTn id="1" dur="indefinite" restart="never" nodeType="tmRoot">
-          <p:childTnLst>
-            <p:seq concurrent="1" nextAc="seek">
-              <p:cTn id="2" dur="indefinite" nodeType="mainSeq">
-                <p:childTnLst>
-                  <p:par>
-                    <p:cTn id="3" fill="hold">
-                      <p:stCondLst>
-                        <p:cond delay="indefinite"/>
-                        <p:cond evt="onBegin" delay="0">
-                          <p:tn val="2"/>
-                        </p:cond>
-                      </p:stCondLst>
-                      <p:childTnLst>
-                        <p:par>
-                          <p:cTn id="4" fill="hold">
-                            <p:stCondLst>
-                              <p:cond delay="0"/>
-                            </p:stCondLst>
-                            <p:childTnLst>
-                              <p:par>
-                                <p:cTn id="5" presetID="15" presetClass="entr" presetSubtype="0" fill="hold" grpId="0" nodeType="afterEffect">
-                                  <p:stCondLst>
-                                    <p:cond delay="0"/>
-                                  </p:stCondLst>
-                                  <p:childTnLst>
-                                    <p:set>
-                                      <p:cBhvr>
-                                        <p:cTn id="6" dur="1" fill="hold">
-                                          <p:stCondLst>
-                                            <p:cond delay="0"/>
-                                          </p:stCondLst>
-                                        </p:cTn>
-                                        <p:tgtEl>
-                                          <p:spTgt spid="4"/>
-                                        </p:tgtEl>
-                                        <p:attrNameLst>
-                                          <p:attrName>style.visibility</p:attrName>
-                                        </p:attrNameLst>
-                                      </p:cBhvr>
-                                      <p:to>
-                                        <p:strVal val="visible"/>
-                                      </p:to>
-                                    </p:set>
-                                    <p:anim calcmode="lin" valueType="num">
-                                      <p:cBhvr>
-                                        <p:cTn id="7" dur="1000" fill="hold"/>
-                                        <p:tgtEl>
-                                          <p:spTgt spid="4"/>
-                                        </p:tgtEl>
-                                        <p:attrNameLst>
-                                          <p:attrName>ppt_w</p:attrName>
-                                        </p:attrNameLst>
-                                      </p:cBhvr>
-                                      <p:tavLst>
-                                        <p:tav tm="0">
-                                          <p:val>
-                                            <p:fltVal val="0"/>
-                                          </p:val>
-                                        </p:tav>
-                                        <p:tav tm="100000">
-                                          <p:val>
-                                            <p:strVal val="#ppt_w"/>
-                                          </p:val>
-                                        </p:tav>
-                                      </p:tavLst>
-                                    </p:anim>
-                                    <p:anim calcmode="lin" valueType="num">
-                                      <p:cBhvr>
-                                        <p:cTn id="8" dur="1000" fill="hold"/>
-                                        <p:tgtEl>
-                                          <p:spTgt spid="4"/>
-                                        </p:tgtEl>
-                                        <p:attrNameLst>
-                                          <p:attrName>ppt_h</p:attrName>
-                                        </p:attrNameLst>
-                                      </p:cBhvr>
-                                      <p:tavLst>
-                                        <p:tav tm="0">
-                                          <p:val>
-                                            <p:fltVal val="0"/>
-                                          </p:val>
-                                        </p:tav>
-                                        <p:tav tm="100000">
-                                          <p:val>
-                                            <p:strVal val="#ppt_h"/>
-                                          </p:val>
-                                        </p:tav>
-                                      </p:tavLst>
-                                    </p:anim>
-                                    <p:anim calcmode="lin" valueType="num">
-                                      <p:cBhvr>
-                                        <p:cTn id="9" dur="1000" fill="hold"/>
-                                        <p:tgtEl>
-                                          <p:spTgt spid="4"/>
-                                        </p:tgtEl>
-                                        <p:attrNameLst>
-                                          <p:attrName>ppt_x</p:attrName>
-                                        </p:attrNameLst>
-                                      </p:cBhvr>
-                                      <p:tavLst>
-                                        <p:tav tm="0" fmla="#ppt_x+(cos(-2*pi*(1-$))*-#ppt_x-sin(-2*pi*(1-$))*(1-#ppt_y))*(1-$)">
-                                          <p:val>
-                                            <p:fltVal val="0"/>
-                                          </p:val>
-                                        </p:tav>
-                                        <p:tav tm="100000">
-                                          <p:val>
-                                            <p:fltVal val="1"/>
-                                          </p:val>
-                                        </p:tav>
-                                      </p:tavLst>
-                                    </p:anim>
-                                    <p:anim calcmode="lin" valueType="num">
-                                      <p:cBhvr>
-                                        <p:cTn id="10" dur="1000" fill="hold"/>
-                                        <p:tgtEl>
-                                          <p:spTgt spid="4"/>
-                                        </p:tgtEl>
-                                        <p:attrNameLst>
-                                          <p:attrName>ppt_y</p:attrName>
-                                        </p:attrNameLst>
-                                      </p:cBhvr>
-                                      <p:tavLst>
-                                        <p:tav tm="0" fmla="#ppt_y+(sin(-2*pi*(1-$))*-#ppt_x+cos(-2*pi*(1-$))*(1-#ppt_y))*(1-$)">
-                                          <p:val>
-                                            <p:fltVal val="0"/>
-                                          </p:val>
-                                        </p:tav>
-                                        <p:tav tm="100000">
-                                          <p:val>
-                                            <p:fltVal val="1"/>
-                                          </p:val>
-                                        </p:tav>
-                                      </p:tavLst>
-                                    </p:anim>
-                                  </p:childTnLst>
-                                </p:cTn>
-                              </p:par>
-                            </p:childTnLst>
-                          </p:cTn>
-                        </p:par>
-                      </p:childTnLst>
-                    </p:cTn>
-                  </p:par>
-                </p:childTnLst>
-              </p:cTn>
-              <p:prevCondLst>
-                <p:cond evt="onPrev" delay="0">
-                  <p:tgtEl>
-                    <p:sldTgt/>
-                  </p:tgtEl>
-                </p:cond>
-              </p:prevCondLst>
-              <p:nextCondLst>
-                <p:cond evt="onNext" delay="0">
-                  <p:tgtEl>
-                    <p:sldTgt/>
-                  </p:tgtEl>
-                </p:cond>
-              </p:nextCondLst>
-            </p:seq>
-          </p:childTnLst>
-        </p:cTn>
-      </p:par>
-    </p:tnLst>
-    <p:bldLst>
-      <p:bldP spid="4" grpId="0"/>
-    </p:bldLst>
-  </p:timing>
-</p:sld>
-</file>
-
 <file path=ppt/slides/slide18.xml><?xml version="1.0" encoding="utf-8"?>
 <p:sld xmlns:a="http://schemas.openxmlformats.org/drawingml/2006/main" xmlns:r="http://schemas.openxmlformats.org/officeDocument/2006/relationships" xmlns:p="http://schemas.openxmlformats.org/presentationml/2006/main">
   <p:cSld>
@@ -13358,14 +14101,14 @@
           </a:lstStyle>
           <a:p>
             <a:r>
-              <a:rPr lang="en-US" altLang="zh-CN" sz="2400" dirty="0" err="1">
+              <a:rPr lang="zh-CN" altLang="en-US" sz="2400" dirty="0">
                 <a:solidFill>
                   <a:srgbClr val="2B3E54"/>
                 </a:solidFill>
                 <a:cs typeface="+mn-ea"/>
                 <a:sym typeface="+mn-lt"/>
               </a:rPr>
-              <a:t>Makefile</a:t>
+              <a:t>如何管理复杂的工程？</a:t>
             </a:r>
             <a:endParaRPr lang="en-US" altLang="zh-CN" sz="2400" dirty="0">
               <a:solidFill>
@@ -13379,10 +14122,10 @@
       </p:sp>
       <p:sp>
         <p:nvSpPr>
-          <p:cNvPr id="13" name="文本框 12">
+          <p:cNvPr id="3" name="文本框 2">
             <a:extLst>
               <a:ext uri="{FF2B5EF4-FFF2-40B4-BE49-F238E27FC236}">
-                <a16:creationId xmlns:a16="http://schemas.microsoft.com/office/drawing/2014/main" id="{68331099-7FC3-635B-7666-72DD8EDA4CBD}"/>
+                <a16:creationId xmlns:a16="http://schemas.microsoft.com/office/drawing/2014/main" id="{6E1F8F60-3AF2-64F9-2F8D-55F8D4A6AB08}"/>
               </a:ext>
             </a:extLst>
           </p:cNvPr>
@@ -13391,82 +14134,8 @@
         </p:nvSpPr>
         <p:spPr>
           <a:xfrm>
-            <a:off x="979905" y="951545"/>
-            <a:ext cx="8001002" cy="369332"/>
-          </a:xfrm>
-          <a:prstGeom prst="rect">
-            <a:avLst/>
-          </a:prstGeom>
-          <a:noFill/>
-        </p:spPr>
-        <p:txBody>
-          <a:bodyPr wrap="square">
-            <a:spAutoFit/>
-          </a:bodyPr>
-          <a:lstStyle/>
-          <a:p>
-            <a:r>
-              <a:rPr lang="zh-CN" altLang="en-US" dirty="0"/>
-              <a:t>于是乎我们有了</a:t>
-            </a:r>
-            <a:r>
-              <a:rPr lang="en-US" altLang="zh-CN" dirty="0" err="1"/>
-              <a:t>Makefile</a:t>
-            </a:r>
-            <a:r>
-              <a:rPr lang="zh-CN" altLang="en-US" dirty="0"/>
-              <a:t>。</a:t>
-            </a:r>
-            <a:endParaRPr lang="en-US" altLang="zh-CN" dirty="0"/>
-          </a:p>
-        </p:txBody>
-      </p:sp>
-      <p:pic>
-        <p:nvPicPr>
-          <p:cNvPr id="5" name="图片 4">
-            <a:extLst>
-              <a:ext uri="{FF2B5EF4-FFF2-40B4-BE49-F238E27FC236}">
-                <a16:creationId xmlns:a16="http://schemas.microsoft.com/office/drawing/2014/main" id="{5F04D374-183F-A60C-AE34-690BA026EBD4}"/>
-              </a:ext>
-            </a:extLst>
-          </p:cNvPr>
-          <p:cNvPicPr>
-            <a:picLocks noChangeAspect="1"/>
-          </p:cNvPicPr>
-          <p:nvPr/>
-        </p:nvPicPr>
-        <p:blipFill>
-          <a:blip r:embed="rId2"/>
-          <a:stretch>
-            <a:fillRect/>
-          </a:stretch>
-        </p:blipFill>
-        <p:spPr>
-          <a:xfrm>
-            <a:off x="1060938" y="1339597"/>
-            <a:ext cx="6178062" cy="2977946"/>
-          </a:xfrm>
-          <a:prstGeom prst="rect">
-            <a:avLst/>
-          </a:prstGeom>
-        </p:spPr>
-      </p:pic>
-      <p:sp>
-        <p:nvSpPr>
-          <p:cNvPr id="11" name="文本框 10">
-            <a:extLst>
-              <a:ext uri="{FF2B5EF4-FFF2-40B4-BE49-F238E27FC236}">
-                <a16:creationId xmlns:a16="http://schemas.microsoft.com/office/drawing/2014/main" id="{072AA40B-EDCA-059F-AE02-3DD1F3A65DCF}"/>
-              </a:ext>
-            </a:extLst>
-          </p:cNvPr>
-          <p:cNvSpPr txBox="1"/>
-          <p:nvPr/>
-        </p:nvSpPr>
-        <p:spPr>
-          <a:xfrm>
-            <a:off x="7760677" y="1781908"/>
-            <a:ext cx="3212123" cy="369332"/>
+            <a:off x="1271954" y="1383323"/>
+            <a:ext cx="5615354" cy="3416320"/>
           </a:xfrm>
           <a:prstGeom prst="rect">
             <a:avLst/>
@@ -13480,152 +14149,141 @@
           <a:lstStyle/>
           <a:p>
             <a:r>
+              <a:rPr lang="zh-CN" altLang="en-US" dirty="0"/>
+              <a:t>当我们的文件越来越多，那么多</a:t>
+            </a:r>
+            <a:r>
               <a:rPr lang="en-US" altLang="zh-CN" dirty="0"/>
-              <a:t>make </a:t>
-            </a:r>
+              <a:t>.c</a:t>
+            </a:r>
+            <a:r>
+              <a:rPr lang="zh-CN" altLang="en-US" dirty="0"/>
+              <a:t>和 </a:t>
+            </a:r>
+            <a:r>
+              <a:rPr lang="en-US" altLang="zh-CN" dirty="0"/>
+              <a:t>.h</a:t>
+            </a:r>
+            <a:r>
+              <a:rPr lang="zh-CN" altLang="en-US" dirty="0"/>
+              <a:t>如何管理？</a:t>
+            </a:r>
+            <a:endParaRPr lang="en-US" altLang="zh-CN" dirty="0"/>
+          </a:p>
+          <a:p>
+            <a:r>
+              <a:rPr lang="en-US" altLang="zh-CN" dirty="0"/>
+              <a:t>.h</a:t>
+            </a:r>
+            <a:r>
+              <a:rPr lang="zh-CN" altLang="en-US" dirty="0"/>
+              <a:t>放在和</a:t>
+            </a:r>
+            <a:r>
+              <a:rPr lang="en-US" altLang="zh-CN" dirty="0"/>
+              <a:t>.c</a:t>
+            </a:r>
+            <a:r>
+              <a:rPr lang="zh-CN" altLang="en-US" dirty="0"/>
+              <a:t>不同的文件夹中，</a:t>
+            </a:r>
+            <a:r>
+              <a:rPr lang="en-US" altLang="zh-CN" dirty="0"/>
+              <a:t>.h</a:t>
+            </a:r>
+            <a:r>
+              <a:rPr lang="zh-CN" altLang="en-US" dirty="0"/>
+              <a:t>如何被找到？</a:t>
+            </a:r>
+            <a:endParaRPr lang="en-US" altLang="zh-CN" dirty="0"/>
+          </a:p>
+          <a:p>
+            <a:r>
+              <a:rPr lang="zh-CN" altLang="en-US" dirty="0"/>
+              <a:t>如何把一个二进制的动态、静态链接库给链接进去？</a:t>
+            </a:r>
+            <a:endParaRPr lang="en-US" altLang="zh-CN" dirty="0"/>
+          </a:p>
+          <a:p>
+            <a:endParaRPr lang="en-US" altLang="zh-CN" dirty="0"/>
+          </a:p>
+          <a:p>
             <a:r>
               <a:rPr lang="en-US" altLang="zh-CN" dirty="0" err="1"/>
-              <a:t>myprogram</a:t>
-            </a:r>
-            <a:endParaRPr lang="zh-CN" altLang="en-US" dirty="0"/>
+              <a:t>gcc</a:t>
+            </a:r>
+            <a:r>
+              <a:rPr lang="en-US" altLang="zh-CN" dirty="0"/>
+              <a:t> –c –g </a:t>
+            </a:r>
+            <a:r>
+              <a:rPr lang="en-US" altLang="zh-CN" dirty="0" err="1"/>
+              <a:t>xxxxxxxxxxxxxxxxxxxxxxxxxxxxx</a:t>
+            </a:r>
+            <a:endParaRPr lang="en-US" altLang="zh-CN" dirty="0"/>
+          </a:p>
+          <a:p>
+            <a:r>
+              <a:rPr lang="en-US" altLang="zh-CN" dirty="0" err="1"/>
+              <a:t>gcc</a:t>
+            </a:r>
+            <a:r>
+              <a:rPr lang="en-US" altLang="zh-CN" dirty="0"/>
+              <a:t> –c –g </a:t>
+            </a:r>
+            <a:r>
+              <a:rPr lang="en-US" altLang="zh-CN" dirty="0" err="1"/>
+              <a:t>xxxxxxxxxxxxxxxxxxxxxxxxxxxxx</a:t>
+            </a:r>
+            <a:endParaRPr lang="en-US" altLang="zh-CN" dirty="0"/>
+          </a:p>
+          <a:p>
+            <a:r>
+              <a:rPr lang="en-US" altLang="zh-CN" dirty="0" err="1"/>
+              <a:t>gcc</a:t>
+            </a:r>
+            <a:r>
+              <a:rPr lang="en-US" altLang="zh-CN" dirty="0"/>
+              <a:t> –c –g </a:t>
+            </a:r>
+            <a:r>
+              <a:rPr lang="en-US" altLang="zh-CN" dirty="0" err="1"/>
+              <a:t>xxxxxxxxxxxxxxxxxxxxxxxxxxxxx</a:t>
+            </a:r>
+            <a:endParaRPr lang="en-US" altLang="zh-CN" dirty="0"/>
+          </a:p>
+          <a:p>
+            <a:r>
+              <a:rPr lang="en-US" altLang="zh-CN" dirty="0"/>
+              <a:t>???</a:t>
+            </a:r>
+          </a:p>
+          <a:p>
+            <a:endParaRPr lang="en-US" altLang="zh-CN" dirty="0"/>
+          </a:p>
+          <a:p>
+            <a:r>
+              <a:rPr lang="zh-CN" altLang="en-US" dirty="0"/>
+              <a:t>这样一条条输出么？</a:t>
+            </a:r>
+            <a:endParaRPr lang="en-US" altLang="zh-CN" dirty="0"/>
+          </a:p>
+          <a:p>
+            <a:endParaRPr lang="en-US" altLang="zh-CN" dirty="0"/>
+          </a:p>
+          <a:p>
+            <a:r>
+              <a:rPr lang="zh-CN" altLang="en-US" b="1" dirty="0"/>
+              <a:t>太麻烦了！</a:t>
+            </a:r>
+            <a:endParaRPr lang="en-US" altLang="zh-CN" b="1" dirty="0"/>
           </a:p>
         </p:txBody>
       </p:sp>
-      <p:sp>
-        <p:nvSpPr>
-          <p:cNvPr id="14" name="文本框 13">
-            <a:extLst>
-              <a:ext uri="{FF2B5EF4-FFF2-40B4-BE49-F238E27FC236}">
-                <a16:creationId xmlns:a16="http://schemas.microsoft.com/office/drawing/2014/main" id="{8D2253BE-FAD0-F265-1A9E-A01A5FD25243}"/>
-              </a:ext>
-            </a:extLst>
-          </p:cNvPr>
-          <p:cNvSpPr txBox="1"/>
-          <p:nvPr/>
-        </p:nvSpPr>
-        <p:spPr>
-          <a:xfrm>
-            <a:off x="7760676" y="2387309"/>
-            <a:ext cx="3212123" cy="369332"/>
-          </a:xfrm>
-          <a:prstGeom prst="rect">
-            <a:avLst/>
-          </a:prstGeom>
-          <a:noFill/>
-        </p:spPr>
-        <p:txBody>
-          <a:bodyPr wrap="square" rtlCol="0">
-            <a:spAutoFit/>
-          </a:bodyPr>
-          <a:lstStyle/>
-          <a:p>
-            <a:r>
-              <a:rPr lang="en-US" altLang="zh-CN" dirty="0"/>
-              <a:t>make clean</a:t>
-            </a:r>
-            <a:endParaRPr lang="zh-CN" altLang="en-US" dirty="0"/>
-          </a:p>
-        </p:txBody>
-      </p:sp>
-      <p:pic>
-        <p:nvPicPr>
-          <p:cNvPr id="16" name="图片 15">
-            <a:extLst>
-              <a:ext uri="{FF2B5EF4-FFF2-40B4-BE49-F238E27FC236}">
-                <a16:creationId xmlns:a16="http://schemas.microsoft.com/office/drawing/2014/main" id="{00D3591C-59B6-958B-D77F-E8258DB02143}"/>
-              </a:ext>
-            </a:extLst>
-          </p:cNvPr>
-          <p:cNvPicPr>
-            <a:picLocks noChangeAspect="1"/>
-          </p:cNvPicPr>
-          <p:nvPr/>
-        </p:nvPicPr>
-        <p:blipFill>
-          <a:blip r:embed="rId3"/>
-          <a:stretch>
-            <a:fillRect/>
-          </a:stretch>
-        </p:blipFill>
-        <p:spPr>
-          <a:xfrm>
-            <a:off x="1060938" y="4912472"/>
-            <a:ext cx="7594688" cy="772608"/>
-          </a:xfrm>
-          <a:prstGeom prst="rect">
-            <a:avLst/>
-          </a:prstGeom>
-        </p:spPr>
-      </p:pic>
-      <p:sp>
-        <p:nvSpPr>
-          <p:cNvPr id="17" name="文本框 16">
-            <a:extLst>
-              <a:ext uri="{FF2B5EF4-FFF2-40B4-BE49-F238E27FC236}">
-                <a16:creationId xmlns:a16="http://schemas.microsoft.com/office/drawing/2014/main" id="{299A68EA-D381-48DE-7AB3-B097143B17A6}"/>
-              </a:ext>
-            </a:extLst>
-          </p:cNvPr>
-          <p:cNvSpPr txBox="1"/>
-          <p:nvPr/>
-        </p:nvSpPr>
-        <p:spPr>
-          <a:xfrm>
-            <a:off x="979905" y="4504991"/>
-            <a:ext cx="3212123" cy="369332"/>
-          </a:xfrm>
-          <a:prstGeom prst="rect">
-            <a:avLst/>
-          </a:prstGeom>
-          <a:noFill/>
-        </p:spPr>
-        <p:txBody>
-          <a:bodyPr wrap="square" rtlCol="0">
-            <a:spAutoFit/>
-          </a:bodyPr>
-          <a:lstStyle/>
-          <a:p>
-            <a:r>
-              <a:rPr lang="zh-CN" altLang="en-US" dirty="0"/>
-              <a:t>运行完之后等价于：</a:t>
-            </a:r>
-          </a:p>
-        </p:txBody>
-      </p:sp>
-      <p:pic>
-        <p:nvPicPr>
-          <p:cNvPr id="19" name="图片 18">
-            <a:extLst>
-              <a:ext uri="{FF2B5EF4-FFF2-40B4-BE49-F238E27FC236}">
-                <a16:creationId xmlns:a16="http://schemas.microsoft.com/office/drawing/2014/main" id="{55F1F0E6-A19E-253C-EAD1-01D1C2734FD6}"/>
-              </a:ext>
-            </a:extLst>
-          </p:cNvPr>
-          <p:cNvPicPr>
-            <a:picLocks noChangeAspect="1"/>
-          </p:cNvPicPr>
-          <p:nvPr/>
-        </p:nvPicPr>
-        <p:blipFill>
-          <a:blip r:embed="rId4"/>
-          <a:stretch>
-            <a:fillRect/>
-          </a:stretch>
-        </p:blipFill>
-        <p:spPr>
-          <a:xfrm>
-            <a:off x="4091354" y="262673"/>
-            <a:ext cx="5886774" cy="1002848"/>
-          </a:xfrm>
-          <a:prstGeom prst="rect">
-            <a:avLst/>
-          </a:prstGeom>
-        </p:spPr>
-      </p:pic>
     </p:spTree>
     <p:extLst>
       <p:ext uri="{BB962C8B-B14F-4D97-AF65-F5344CB8AC3E}">
-        <p14:creationId xmlns:p14="http://schemas.microsoft.com/office/powerpoint/2010/main" val="2048448468"/>
+        <p14:creationId xmlns:p14="http://schemas.microsoft.com/office/powerpoint/2010/main" val="3586566790"/>
       </p:ext>
     </p:extLst>
   </p:cSld>
@@ -14080,6 +14738,186 @@
       </p:sp>
       <p:sp>
         <p:nvSpPr>
+          <p:cNvPr id="13" name="文本框 12">
+            <a:extLst>
+              <a:ext uri="{FF2B5EF4-FFF2-40B4-BE49-F238E27FC236}">
+                <a16:creationId xmlns:a16="http://schemas.microsoft.com/office/drawing/2014/main" id="{68331099-7FC3-635B-7666-72DD8EDA4CBD}"/>
+              </a:ext>
+            </a:extLst>
+          </p:cNvPr>
+          <p:cNvSpPr txBox="1"/>
+          <p:nvPr/>
+        </p:nvSpPr>
+        <p:spPr>
+          <a:xfrm>
+            <a:off x="979905" y="951545"/>
+            <a:ext cx="8001002" cy="369332"/>
+          </a:xfrm>
+          <a:prstGeom prst="rect">
+            <a:avLst/>
+          </a:prstGeom>
+          <a:noFill/>
+        </p:spPr>
+        <p:txBody>
+          <a:bodyPr wrap="square">
+            <a:spAutoFit/>
+          </a:bodyPr>
+          <a:lstStyle/>
+          <a:p>
+            <a:r>
+              <a:rPr lang="zh-CN" altLang="en-US" dirty="0"/>
+              <a:t>于是乎我们有了</a:t>
+            </a:r>
+            <a:r>
+              <a:rPr lang="en-US" altLang="zh-CN" dirty="0" err="1"/>
+              <a:t>Makefile</a:t>
+            </a:r>
+            <a:r>
+              <a:rPr lang="zh-CN" altLang="en-US" dirty="0"/>
+              <a:t>。</a:t>
+            </a:r>
+            <a:endParaRPr lang="en-US" altLang="zh-CN" dirty="0"/>
+          </a:p>
+        </p:txBody>
+      </p:sp>
+      <p:pic>
+        <p:nvPicPr>
+          <p:cNvPr id="5" name="图片 4">
+            <a:extLst>
+              <a:ext uri="{FF2B5EF4-FFF2-40B4-BE49-F238E27FC236}">
+                <a16:creationId xmlns:a16="http://schemas.microsoft.com/office/drawing/2014/main" id="{5F04D374-183F-A60C-AE34-690BA026EBD4}"/>
+              </a:ext>
+            </a:extLst>
+          </p:cNvPr>
+          <p:cNvPicPr>
+            <a:picLocks noChangeAspect="1"/>
+          </p:cNvPicPr>
+          <p:nvPr/>
+        </p:nvPicPr>
+        <p:blipFill>
+          <a:blip r:embed="rId2"/>
+          <a:stretch>
+            <a:fillRect/>
+          </a:stretch>
+        </p:blipFill>
+        <p:spPr>
+          <a:xfrm>
+            <a:off x="1060938" y="1339597"/>
+            <a:ext cx="6178062" cy="2977946"/>
+          </a:xfrm>
+          <a:prstGeom prst="rect">
+            <a:avLst/>
+          </a:prstGeom>
+        </p:spPr>
+      </p:pic>
+      <p:sp>
+        <p:nvSpPr>
+          <p:cNvPr id="11" name="文本框 10">
+            <a:extLst>
+              <a:ext uri="{FF2B5EF4-FFF2-40B4-BE49-F238E27FC236}">
+                <a16:creationId xmlns:a16="http://schemas.microsoft.com/office/drawing/2014/main" id="{072AA40B-EDCA-059F-AE02-3DD1F3A65DCF}"/>
+              </a:ext>
+            </a:extLst>
+          </p:cNvPr>
+          <p:cNvSpPr txBox="1"/>
+          <p:nvPr/>
+        </p:nvSpPr>
+        <p:spPr>
+          <a:xfrm>
+            <a:off x="7760677" y="1781908"/>
+            <a:ext cx="3212123" cy="369332"/>
+          </a:xfrm>
+          <a:prstGeom prst="rect">
+            <a:avLst/>
+          </a:prstGeom>
+          <a:noFill/>
+        </p:spPr>
+        <p:txBody>
+          <a:bodyPr wrap="square" rtlCol="0">
+            <a:spAutoFit/>
+          </a:bodyPr>
+          <a:lstStyle/>
+          <a:p>
+            <a:r>
+              <a:rPr lang="en-US" altLang="zh-CN" dirty="0"/>
+              <a:t>make </a:t>
+            </a:r>
+            <a:r>
+              <a:rPr lang="en-US" altLang="zh-CN" dirty="0" err="1"/>
+              <a:t>myprogram</a:t>
+            </a:r>
+            <a:endParaRPr lang="zh-CN" altLang="en-US" dirty="0"/>
+          </a:p>
+        </p:txBody>
+      </p:sp>
+      <p:sp>
+        <p:nvSpPr>
+          <p:cNvPr id="14" name="文本框 13">
+            <a:extLst>
+              <a:ext uri="{FF2B5EF4-FFF2-40B4-BE49-F238E27FC236}">
+                <a16:creationId xmlns:a16="http://schemas.microsoft.com/office/drawing/2014/main" id="{8D2253BE-FAD0-F265-1A9E-A01A5FD25243}"/>
+              </a:ext>
+            </a:extLst>
+          </p:cNvPr>
+          <p:cNvSpPr txBox="1"/>
+          <p:nvPr/>
+        </p:nvSpPr>
+        <p:spPr>
+          <a:xfrm>
+            <a:off x="7760676" y="2387309"/>
+            <a:ext cx="3212123" cy="369332"/>
+          </a:xfrm>
+          <a:prstGeom prst="rect">
+            <a:avLst/>
+          </a:prstGeom>
+          <a:noFill/>
+        </p:spPr>
+        <p:txBody>
+          <a:bodyPr wrap="square" rtlCol="0">
+            <a:spAutoFit/>
+          </a:bodyPr>
+          <a:lstStyle/>
+          <a:p>
+            <a:r>
+              <a:rPr lang="en-US" altLang="zh-CN" dirty="0"/>
+              <a:t>make clean</a:t>
+            </a:r>
+            <a:endParaRPr lang="zh-CN" altLang="en-US" dirty="0"/>
+          </a:p>
+        </p:txBody>
+      </p:sp>
+      <p:pic>
+        <p:nvPicPr>
+          <p:cNvPr id="16" name="图片 15">
+            <a:extLst>
+              <a:ext uri="{FF2B5EF4-FFF2-40B4-BE49-F238E27FC236}">
+                <a16:creationId xmlns:a16="http://schemas.microsoft.com/office/drawing/2014/main" id="{00D3591C-59B6-958B-D77F-E8258DB02143}"/>
+              </a:ext>
+            </a:extLst>
+          </p:cNvPr>
+          <p:cNvPicPr>
+            <a:picLocks noChangeAspect="1"/>
+          </p:cNvPicPr>
+          <p:nvPr/>
+        </p:nvPicPr>
+        <p:blipFill>
+          <a:blip r:embed="rId3"/>
+          <a:stretch>
+            <a:fillRect/>
+          </a:stretch>
+        </p:blipFill>
+        <p:spPr>
+          <a:xfrm>
+            <a:off x="1060938" y="4912472"/>
+            <a:ext cx="7594688" cy="772608"/>
+          </a:xfrm>
+          <a:prstGeom prst="rect">
+            <a:avLst/>
+          </a:prstGeom>
+        </p:spPr>
+      </p:pic>
+      <p:sp>
+        <p:nvSpPr>
           <p:cNvPr id="17" name="文本框 16">
             <a:extLst>
               <a:ext uri="{FF2B5EF4-FFF2-40B4-BE49-F238E27FC236}">
@@ -14092,8 +14930,8 @@
         </p:nvSpPr>
         <p:spPr>
           <a:xfrm>
-            <a:off x="1060937" y="1172920"/>
-            <a:ext cx="8170985" cy="923330"/>
+            <a:off x="979905" y="4504991"/>
+            <a:ext cx="3212123" cy="369332"/>
           </a:xfrm>
           <a:prstGeom prst="rect">
             <a:avLst/>
@@ -14108,79 +14946,45 @@
           <a:p>
             <a:r>
               <a:rPr lang="zh-CN" altLang="en-US" dirty="0"/>
-              <a:t>如果想进一步了解</a:t>
-            </a:r>
-            <a:r>
-              <a:rPr lang="en-US" altLang="zh-CN" dirty="0" err="1"/>
-              <a:t>Makefile</a:t>
-            </a:r>
-            <a:r>
-              <a:rPr lang="zh-CN" altLang="en-US" dirty="0"/>
-              <a:t>语法，可以参考：</a:t>
-            </a:r>
-            <a:r>
-              <a:rPr lang="en-US" altLang="zh-CN" dirty="0">
-                <a:hlinkClick r:id="rId2"/>
-              </a:rPr>
-              <a:t>https://makefiletutorial.com/</a:t>
-            </a:r>
-            <a:endParaRPr lang="en-US" altLang="zh-CN" dirty="0"/>
-          </a:p>
-          <a:p>
-            <a:endParaRPr lang="en-US" altLang="zh-CN" dirty="0"/>
-          </a:p>
-          <a:p>
-            <a:endParaRPr lang="zh-CN" altLang="en-US" dirty="0"/>
+              <a:t>运行完之后等价于：</a:t>
+            </a:r>
           </a:p>
         </p:txBody>
       </p:sp>
-      <p:sp>
-        <p:nvSpPr>
-          <p:cNvPr id="3" name="文本框 2">
+      <p:pic>
+        <p:nvPicPr>
+          <p:cNvPr id="19" name="图片 18">
             <a:extLst>
               <a:ext uri="{FF2B5EF4-FFF2-40B4-BE49-F238E27FC236}">
-                <a16:creationId xmlns:a16="http://schemas.microsoft.com/office/drawing/2014/main" id="{3DE7AE7F-D4C6-D439-D5EA-12E12A37E363}"/>
+                <a16:creationId xmlns:a16="http://schemas.microsoft.com/office/drawing/2014/main" id="{55F1F0E6-A19E-253C-EAD1-01D1C2734FD6}"/>
               </a:ext>
             </a:extLst>
           </p:cNvPr>
-          <p:cNvSpPr txBox="1"/>
+          <p:cNvPicPr>
+            <a:picLocks noChangeAspect="1"/>
+          </p:cNvPicPr>
           <p:nvPr/>
-        </p:nvSpPr>
+        </p:nvPicPr>
+        <p:blipFill>
+          <a:blip r:embed="rId4"/>
+          <a:stretch>
+            <a:fillRect/>
+          </a:stretch>
+        </p:blipFill>
         <p:spPr>
           <a:xfrm>
-            <a:off x="1060937" y="1911584"/>
-            <a:ext cx="5521570" cy="369332"/>
+            <a:off x="4091354" y="262673"/>
+            <a:ext cx="5886774" cy="1002848"/>
           </a:xfrm>
           <a:prstGeom prst="rect">
             <a:avLst/>
           </a:prstGeom>
-          <a:noFill/>
         </p:spPr>
-        <p:txBody>
-          <a:bodyPr wrap="square" rtlCol="0">
-            <a:spAutoFit/>
-          </a:bodyPr>
-          <a:lstStyle/>
-          <a:p>
-            <a:r>
-              <a:rPr lang="zh-CN" altLang="en-US" dirty="0"/>
-              <a:t>然而这一切全都是为了接下来登场的</a:t>
-            </a:r>
-            <a:r>
-              <a:rPr lang="en-US" altLang="zh-CN" dirty="0" err="1"/>
-              <a:t>Cmake</a:t>
-            </a:r>
-            <a:r>
-              <a:rPr lang="zh-CN" altLang="en-US" dirty="0"/>
-              <a:t>做铺垫的。</a:t>
-            </a:r>
-          </a:p>
-        </p:txBody>
-      </p:sp>
+      </p:pic>
     </p:spTree>
     <p:extLst>
       <p:ext uri="{BB962C8B-B14F-4D97-AF65-F5344CB8AC3E}">
-        <p14:creationId xmlns:p14="http://schemas.microsoft.com/office/powerpoint/2010/main" val="897275914"/>
+        <p14:creationId xmlns:p14="http://schemas.microsoft.com/office/powerpoint/2010/main" val="2048448468"/>
       </p:ext>
     </p:extLst>
   </p:cSld>
@@ -14889,6 +15693,1176 @@
       </p:grpSpPr>
       <p:sp>
         <p:nvSpPr>
+          <p:cNvPr id="2" name="Freeform 15">
+            <a:extLst>
+              <a:ext uri="{FF2B5EF4-FFF2-40B4-BE49-F238E27FC236}">
+                <a16:creationId xmlns:a16="http://schemas.microsoft.com/office/drawing/2014/main" id="{7956E56C-C3F1-4DDA-8C0D-5A3212DAD5CF}"/>
+              </a:ext>
+            </a:extLst>
+          </p:cNvPr>
+          <p:cNvSpPr>
+            <a:spLocks/>
+          </p:cNvSpPr>
+          <p:nvPr/>
+        </p:nvSpPr>
+        <p:spPr bwMode="auto">
+          <a:xfrm>
+            <a:off x="389654" y="391902"/>
+            <a:ext cx="487234" cy="562546"/>
+          </a:xfrm>
+          <a:custGeom>
+            <a:avLst/>
+            <a:gdLst>
+              <a:gd name="T0" fmla="*/ 0 w 1171"/>
+              <a:gd name="T1" fmla="*/ 1014 h 1352"/>
+              <a:gd name="T2" fmla="*/ 0 w 1171"/>
+              <a:gd name="T3" fmla="*/ 338 h 1352"/>
+              <a:gd name="T4" fmla="*/ 586 w 1171"/>
+              <a:gd name="T5" fmla="*/ 0 h 1352"/>
+              <a:gd name="T6" fmla="*/ 1171 w 1171"/>
+              <a:gd name="T7" fmla="*/ 338 h 1352"/>
+              <a:gd name="T8" fmla="*/ 1171 w 1171"/>
+              <a:gd name="T9" fmla="*/ 1014 h 1352"/>
+              <a:gd name="T10" fmla="*/ 586 w 1171"/>
+              <a:gd name="T11" fmla="*/ 1352 h 1352"/>
+              <a:gd name="T12" fmla="*/ 0 w 1171"/>
+              <a:gd name="T13" fmla="*/ 1014 h 1352"/>
+            </a:gdLst>
+            <a:ahLst/>
+            <a:cxnLst>
+              <a:cxn ang="0">
+                <a:pos x="T0" y="T1"/>
+              </a:cxn>
+              <a:cxn ang="0">
+                <a:pos x="T2" y="T3"/>
+              </a:cxn>
+              <a:cxn ang="0">
+                <a:pos x="T4" y="T5"/>
+              </a:cxn>
+              <a:cxn ang="0">
+                <a:pos x="T6" y="T7"/>
+              </a:cxn>
+              <a:cxn ang="0">
+                <a:pos x="T8" y="T9"/>
+              </a:cxn>
+              <a:cxn ang="0">
+                <a:pos x="T10" y="T11"/>
+              </a:cxn>
+              <a:cxn ang="0">
+                <a:pos x="T12" y="T13"/>
+              </a:cxn>
+            </a:cxnLst>
+            <a:rect l="0" t="0" r="r" b="b"/>
+            <a:pathLst>
+              <a:path w="1171" h="1352">
+                <a:moveTo>
+                  <a:pt x="0" y="1014"/>
+                </a:moveTo>
+                <a:lnTo>
+                  <a:pt x="0" y="338"/>
+                </a:lnTo>
+                <a:lnTo>
+                  <a:pt x="586" y="0"/>
+                </a:lnTo>
+                <a:lnTo>
+                  <a:pt x="1171" y="338"/>
+                </a:lnTo>
+                <a:lnTo>
+                  <a:pt x="1171" y="1014"/>
+                </a:lnTo>
+                <a:lnTo>
+                  <a:pt x="586" y="1352"/>
+                </a:lnTo>
+                <a:lnTo>
+                  <a:pt x="0" y="1014"/>
+                </a:lnTo>
+                <a:close/>
+              </a:path>
+            </a:pathLst>
+          </a:custGeom>
+          <a:solidFill>
+            <a:srgbClr val="2B3E54"/>
+          </a:solidFill>
+          <a:ln>
+            <a:noFill/>
+          </a:ln>
+        </p:spPr>
+        <p:txBody>
+          <a:bodyPr vert="horz" wrap="square" lIns="91440" tIns="45720" rIns="91440" bIns="45720" numCol="1" anchor="t" anchorCtr="0" compatLnSpc="1">
+            <a:prstTxWarp prst="textNoShape">
+              <a:avLst/>
+            </a:prstTxWarp>
+          </a:bodyPr>
+          <a:lstStyle/>
+          <a:p>
+            <a:endParaRPr lang="zh-CN" altLang="en-US" sz="2133" dirty="0">
+              <a:cs typeface="+mn-ea"/>
+              <a:sym typeface="+mn-lt"/>
+            </a:endParaRPr>
+          </a:p>
+        </p:txBody>
+      </p:sp>
+      <p:sp>
+        <p:nvSpPr>
+          <p:cNvPr id="4" name="文本框 8">
+            <a:extLst>
+              <a:ext uri="{FF2B5EF4-FFF2-40B4-BE49-F238E27FC236}">
+                <a16:creationId xmlns:a16="http://schemas.microsoft.com/office/drawing/2014/main" id="{EFA8AEF7-CAE9-495F-AC4C-2B1E9B3AA0F7}"/>
+              </a:ext>
+            </a:extLst>
+          </p:cNvPr>
+          <p:cNvSpPr txBox="1"/>
+          <p:nvPr/>
+        </p:nvSpPr>
+        <p:spPr>
+          <a:xfrm>
+            <a:off x="979905" y="471160"/>
+            <a:ext cx="4043433" cy="461665"/>
+          </a:xfrm>
+          <a:prstGeom prst="rect">
+            <a:avLst/>
+          </a:prstGeom>
+          <a:noFill/>
+        </p:spPr>
+        <p:txBody>
+          <a:bodyPr wrap="square" lIns="91440" tIns="45720" rIns="91440" bIns="45720" rtlCol="0">
+            <a:spAutoFit/>
+          </a:bodyPr>
+          <a:lstStyle>
+            <a:defPPr>
+              <a:defRPr lang="zh-CN"/>
+            </a:defPPr>
+            <a:lvl1pPr marL="0" algn="l" defTabSz="914400" rtl="0" eaLnBrk="1" latinLnBrk="0" hangingPunct="1">
+              <a:defRPr sz="1800" kern="1200">
+                <a:solidFill>
+                  <a:schemeClr val="tx1"/>
+                </a:solidFill>
+                <a:latin typeface="+mn-lt"/>
+                <a:ea typeface="+mn-ea"/>
+                <a:cs typeface="+mn-cs"/>
+              </a:defRPr>
+            </a:lvl1pPr>
+            <a:lvl2pPr marL="457200" algn="l" defTabSz="914400" rtl="0" eaLnBrk="1" latinLnBrk="0" hangingPunct="1">
+              <a:defRPr sz="1800" kern="1200">
+                <a:solidFill>
+                  <a:schemeClr val="tx1"/>
+                </a:solidFill>
+                <a:latin typeface="+mn-lt"/>
+                <a:ea typeface="+mn-ea"/>
+                <a:cs typeface="+mn-cs"/>
+              </a:defRPr>
+            </a:lvl2pPr>
+            <a:lvl3pPr marL="914400" algn="l" defTabSz="914400" rtl="0" eaLnBrk="1" latinLnBrk="0" hangingPunct="1">
+              <a:defRPr sz="1800" kern="1200">
+                <a:solidFill>
+                  <a:schemeClr val="tx1"/>
+                </a:solidFill>
+                <a:latin typeface="+mn-lt"/>
+                <a:ea typeface="+mn-ea"/>
+                <a:cs typeface="+mn-cs"/>
+              </a:defRPr>
+            </a:lvl3pPr>
+            <a:lvl4pPr marL="1371600" algn="l" defTabSz="914400" rtl="0" eaLnBrk="1" latinLnBrk="0" hangingPunct="1">
+              <a:defRPr sz="1800" kern="1200">
+                <a:solidFill>
+                  <a:schemeClr val="tx1"/>
+                </a:solidFill>
+                <a:latin typeface="+mn-lt"/>
+                <a:ea typeface="+mn-ea"/>
+                <a:cs typeface="+mn-cs"/>
+              </a:defRPr>
+            </a:lvl4pPr>
+            <a:lvl5pPr marL="1828800" algn="l" defTabSz="914400" rtl="0" eaLnBrk="1" latinLnBrk="0" hangingPunct="1">
+              <a:defRPr sz="1800" kern="1200">
+                <a:solidFill>
+                  <a:schemeClr val="tx1"/>
+                </a:solidFill>
+                <a:latin typeface="+mn-lt"/>
+                <a:ea typeface="+mn-ea"/>
+                <a:cs typeface="+mn-cs"/>
+              </a:defRPr>
+            </a:lvl5pPr>
+            <a:lvl6pPr marL="2286000" algn="l" defTabSz="914400" rtl="0" eaLnBrk="1" latinLnBrk="0" hangingPunct="1">
+              <a:defRPr sz="1800" kern="1200">
+                <a:solidFill>
+                  <a:schemeClr val="tx1"/>
+                </a:solidFill>
+                <a:latin typeface="+mn-lt"/>
+                <a:ea typeface="+mn-ea"/>
+                <a:cs typeface="+mn-cs"/>
+              </a:defRPr>
+            </a:lvl6pPr>
+            <a:lvl7pPr marL="2743200" algn="l" defTabSz="914400" rtl="0" eaLnBrk="1" latinLnBrk="0" hangingPunct="1">
+              <a:defRPr sz="1800" kern="1200">
+                <a:solidFill>
+                  <a:schemeClr val="tx1"/>
+                </a:solidFill>
+                <a:latin typeface="+mn-lt"/>
+                <a:ea typeface="+mn-ea"/>
+                <a:cs typeface="+mn-cs"/>
+              </a:defRPr>
+            </a:lvl7pPr>
+            <a:lvl8pPr marL="3200400" algn="l" defTabSz="914400" rtl="0" eaLnBrk="1" latinLnBrk="0" hangingPunct="1">
+              <a:defRPr sz="1800" kern="1200">
+                <a:solidFill>
+                  <a:schemeClr val="tx1"/>
+                </a:solidFill>
+                <a:latin typeface="+mn-lt"/>
+                <a:ea typeface="+mn-ea"/>
+                <a:cs typeface="+mn-cs"/>
+              </a:defRPr>
+            </a:lvl8pPr>
+            <a:lvl9pPr marL="3657600" algn="l" defTabSz="914400" rtl="0" eaLnBrk="1" latinLnBrk="0" hangingPunct="1">
+              <a:defRPr sz="1800" kern="1200">
+                <a:solidFill>
+                  <a:schemeClr val="tx1"/>
+                </a:solidFill>
+                <a:latin typeface="+mn-lt"/>
+                <a:ea typeface="+mn-ea"/>
+                <a:cs typeface="+mn-cs"/>
+              </a:defRPr>
+            </a:lvl9pPr>
+          </a:lstStyle>
+          <a:p>
+            <a:r>
+              <a:rPr lang="en-US" altLang="zh-CN" sz="2400" dirty="0">
+                <a:solidFill>
+                  <a:srgbClr val="2B3E54"/>
+                </a:solidFill>
+                <a:cs typeface="+mn-ea"/>
+                <a:sym typeface="+mn-lt"/>
+              </a:rPr>
+              <a:t>Make</a:t>
+            </a:r>
+            <a:r>
+              <a:rPr lang="zh-CN" altLang="en-US" sz="2400" dirty="0">
+                <a:solidFill>
+                  <a:srgbClr val="2B3E54"/>
+                </a:solidFill>
+                <a:cs typeface="+mn-ea"/>
+                <a:sym typeface="+mn-lt"/>
+              </a:rPr>
+              <a:t>安装</a:t>
+            </a:r>
+            <a:endParaRPr lang="en-US" altLang="zh-CN" sz="2400" dirty="0">
+              <a:solidFill>
+                <a:srgbClr val="2B3E54"/>
+              </a:solidFill>
+              <a:cs typeface="+mn-ea"/>
+              <a:sym typeface="+mn-lt"/>
+            </a:endParaRPr>
+          </a:p>
+        </p:txBody>
+      </p:sp>
+      <p:sp>
+        <p:nvSpPr>
+          <p:cNvPr id="7" name="文本框 6">
+            <a:extLst>
+              <a:ext uri="{FF2B5EF4-FFF2-40B4-BE49-F238E27FC236}">
+                <a16:creationId xmlns:a16="http://schemas.microsoft.com/office/drawing/2014/main" id="{B74A740F-CE40-E229-935C-DA3F4F1C2C4C}"/>
+              </a:ext>
+            </a:extLst>
+          </p:cNvPr>
+          <p:cNvSpPr txBox="1"/>
+          <p:nvPr/>
+        </p:nvSpPr>
+        <p:spPr>
+          <a:xfrm>
+            <a:off x="3048000" y="2413338"/>
+            <a:ext cx="6096000" cy="2031325"/>
+          </a:xfrm>
+          <a:prstGeom prst="rect">
+            <a:avLst/>
+          </a:prstGeom>
+          <a:noFill/>
+        </p:spPr>
+        <p:txBody>
+          <a:bodyPr wrap="square">
+            <a:spAutoFit/>
+          </a:bodyPr>
+          <a:lstStyle/>
+          <a:p>
+            <a:r>
+              <a:rPr lang="zh-CN" altLang="en-US" b="1" dirty="0"/>
+              <a:t>安装？</a:t>
+            </a:r>
+            <a:endParaRPr lang="en-US" altLang="zh-CN" b="1" dirty="0"/>
+          </a:p>
+          <a:p>
+            <a:r>
+              <a:rPr lang="zh-CN" altLang="en-US" dirty="0"/>
+              <a:t>对于</a:t>
+            </a:r>
+            <a:r>
+              <a:rPr lang="en-US" altLang="zh-CN" dirty="0"/>
+              <a:t>Windows</a:t>
+            </a:r>
+            <a:r>
+              <a:rPr lang="zh-CN" altLang="en-US" dirty="0"/>
+              <a:t>用户，</a:t>
+            </a:r>
+            <a:r>
+              <a:rPr lang="en-US" altLang="zh-CN" dirty="0"/>
+              <a:t>MinGW</a:t>
+            </a:r>
+            <a:r>
+              <a:rPr lang="zh-CN" altLang="en-US" dirty="0"/>
+              <a:t> </a:t>
+            </a:r>
+            <a:r>
+              <a:rPr lang="en-US" altLang="zh-CN" dirty="0" err="1"/>
+              <a:t>gcc</a:t>
+            </a:r>
+            <a:r>
+              <a:rPr lang="zh-CN" altLang="en-US" dirty="0"/>
+              <a:t>或者</a:t>
+            </a:r>
+            <a:r>
+              <a:rPr lang="en-US" altLang="zh-CN" dirty="0"/>
+              <a:t>clang</a:t>
+            </a:r>
+            <a:r>
+              <a:rPr lang="zh-CN" altLang="en-US" dirty="0"/>
+              <a:t>编译器在添加环境变量的时候，</a:t>
+            </a:r>
+            <a:r>
+              <a:rPr lang="en-US" altLang="zh-CN" dirty="0"/>
+              <a:t>make.exe</a:t>
+            </a:r>
+            <a:r>
+              <a:rPr lang="zh-CN" altLang="en-US" dirty="0"/>
+              <a:t>已经在</a:t>
+            </a:r>
+            <a:r>
+              <a:rPr lang="en-US" altLang="zh-CN" dirty="0"/>
+              <a:t>bin</a:t>
+            </a:r>
+            <a:r>
+              <a:rPr lang="zh-CN" altLang="en-US" dirty="0"/>
+              <a:t>文件夹中了。</a:t>
+            </a:r>
+            <a:endParaRPr lang="en-US" altLang="zh-CN" dirty="0"/>
+          </a:p>
+          <a:p>
+            <a:endParaRPr lang="en-US" altLang="zh-CN" dirty="0"/>
+          </a:p>
+          <a:p>
+            <a:r>
+              <a:rPr lang="zh-CN" altLang="en-US" dirty="0"/>
+              <a:t>如果命令行中输入</a:t>
+            </a:r>
+            <a:r>
+              <a:rPr lang="en-US" altLang="zh-CN" dirty="0"/>
+              <a:t>make</a:t>
+            </a:r>
+            <a:r>
+              <a:rPr lang="zh-CN" altLang="en-US" dirty="0"/>
+              <a:t>发生了错误：</a:t>
+            </a:r>
+            <a:endParaRPr lang="en-US" altLang="zh-CN" dirty="0"/>
+          </a:p>
+          <a:p>
+            <a:r>
+              <a:rPr lang="zh-CN" altLang="en-US" dirty="0"/>
+              <a:t>对于</a:t>
+            </a:r>
+            <a:r>
+              <a:rPr lang="en-US" altLang="zh-CN" dirty="0"/>
+              <a:t>Linux</a:t>
+            </a:r>
+            <a:r>
+              <a:rPr lang="zh-CN" altLang="en-US" dirty="0"/>
+              <a:t>用户：</a:t>
+            </a:r>
+            <a:r>
+              <a:rPr lang="en-US" altLang="zh-CN" dirty="0" err="1"/>
+              <a:t>sudo</a:t>
+            </a:r>
+            <a:r>
+              <a:rPr lang="en-US" altLang="zh-CN" dirty="0"/>
+              <a:t> apt install make</a:t>
+            </a:r>
+          </a:p>
+          <a:p>
+            <a:r>
+              <a:rPr lang="zh-CN" altLang="en-US" dirty="0"/>
+              <a:t>对于</a:t>
+            </a:r>
+            <a:r>
+              <a:rPr lang="en-US" altLang="zh-CN" dirty="0"/>
+              <a:t>MacOS</a:t>
+            </a:r>
+            <a:r>
+              <a:rPr lang="zh-CN" altLang="en-US" dirty="0"/>
+              <a:t>用户：</a:t>
+            </a:r>
+            <a:r>
+              <a:rPr lang="en-US" altLang="zh-CN" dirty="0"/>
+              <a:t>brew install make</a:t>
+            </a:r>
+          </a:p>
+        </p:txBody>
+      </p:sp>
+    </p:spTree>
+    <p:extLst>
+      <p:ext uri="{BB962C8B-B14F-4D97-AF65-F5344CB8AC3E}">
+        <p14:creationId xmlns:p14="http://schemas.microsoft.com/office/powerpoint/2010/main" val="1455572698"/>
+      </p:ext>
+    </p:extLst>
+  </p:cSld>
+  <p:clrMapOvr>
+    <a:masterClrMapping/>
+  </p:clrMapOvr>
+  <p:timing>
+    <p:tnLst>
+      <p:par>
+        <p:cTn id="1" dur="indefinite" restart="never" nodeType="tmRoot">
+          <p:childTnLst>
+            <p:seq concurrent="1" nextAc="seek">
+              <p:cTn id="2" dur="indefinite" nodeType="mainSeq">
+                <p:childTnLst>
+                  <p:par>
+                    <p:cTn id="3" fill="hold">
+                      <p:stCondLst>
+                        <p:cond delay="indefinite"/>
+                        <p:cond evt="onBegin" delay="0">
+                          <p:tn val="2"/>
+                        </p:cond>
+                      </p:stCondLst>
+                      <p:childTnLst>
+                        <p:par>
+                          <p:cTn id="4" fill="hold">
+                            <p:stCondLst>
+                              <p:cond delay="0"/>
+                            </p:stCondLst>
+                            <p:childTnLst>
+                              <p:par>
+                                <p:cTn id="5" presetID="15" presetClass="entr" presetSubtype="0" fill="hold" grpId="0" nodeType="afterEffect">
+                                  <p:stCondLst>
+                                    <p:cond delay="0"/>
+                                  </p:stCondLst>
+                                  <p:childTnLst>
+                                    <p:set>
+                                      <p:cBhvr>
+                                        <p:cTn id="6" dur="1" fill="hold">
+                                          <p:stCondLst>
+                                            <p:cond delay="0"/>
+                                          </p:stCondLst>
+                                        </p:cTn>
+                                        <p:tgtEl>
+                                          <p:spTgt spid="4"/>
+                                        </p:tgtEl>
+                                        <p:attrNameLst>
+                                          <p:attrName>style.visibility</p:attrName>
+                                        </p:attrNameLst>
+                                      </p:cBhvr>
+                                      <p:to>
+                                        <p:strVal val="visible"/>
+                                      </p:to>
+                                    </p:set>
+                                    <p:anim calcmode="lin" valueType="num">
+                                      <p:cBhvr>
+                                        <p:cTn id="7" dur="1000" fill="hold"/>
+                                        <p:tgtEl>
+                                          <p:spTgt spid="4"/>
+                                        </p:tgtEl>
+                                        <p:attrNameLst>
+                                          <p:attrName>ppt_w</p:attrName>
+                                        </p:attrNameLst>
+                                      </p:cBhvr>
+                                      <p:tavLst>
+                                        <p:tav tm="0">
+                                          <p:val>
+                                            <p:fltVal val="0"/>
+                                          </p:val>
+                                        </p:tav>
+                                        <p:tav tm="100000">
+                                          <p:val>
+                                            <p:strVal val="#ppt_w"/>
+                                          </p:val>
+                                        </p:tav>
+                                      </p:tavLst>
+                                    </p:anim>
+                                    <p:anim calcmode="lin" valueType="num">
+                                      <p:cBhvr>
+                                        <p:cTn id="8" dur="1000" fill="hold"/>
+                                        <p:tgtEl>
+                                          <p:spTgt spid="4"/>
+                                        </p:tgtEl>
+                                        <p:attrNameLst>
+                                          <p:attrName>ppt_h</p:attrName>
+                                        </p:attrNameLst>
+                                      </p:cBhvr>
+                                      <p:tavLst>
+                                        <p:tav tm="0">
+                                          <p:val>
+                                            <p:fltVal val="0"/>
+                                          </p:val>
+                                        </p:tav>
+                                        <p:tav tm="100000">
+                                          <p:val>
+                                            <p:strVal val="#ppt_h"/>
+                                          </p:val>
+                                        </p:tav>
+                                      </p:tavLst>
+                                    </p:anim>
+                                    <p:anim calcmode="lin" valueType="num">
+                                      <p:cBhvr>
+                                        <p:cTn id="9" dur="1000" fill="hold"/>
+                                        <p:tgtEl>
+                                          <p:spTgt spid="4"/>
+                                        </p:tgtEl>
+                                        <p:attrNameLst>
+                                          <p:attrName>ppt_x</p:attrName>
+                                        </p:attrNameLst>
+                                      </p:cBhvr>
+                                      <p:tavLst>
+                                        <p:tav tm="0" fmla="#ppt_x+(cos(-2*pi*(1-$))*-#ppt_x-sin(-2*pi*(1-$))*(1-#ppt_y))*(1-$)">
+                                          <p:val>
+                                            <p:fltVal val="0"/>
+                                          </p:val>
+                                        </p:tav>
+                                        <p:tav tm="100000">
+                                          <p:val>
+                                            <p:fltVal val="1"/>
+                                          </p:val>
+                                        </p:tav>
+                                      </p:tavLst>
+                                    </p:anim>
+                                    <p:anim calcmode="lin" valueType="num">
+                                      <p:cBhvr>
+                                        <p:cTn id="10" dur="1000" fill="hold"/>
+                                        <p:tgtEl>
+                                          <p:spTgt spid="4"/>
+                                        </p:tgtEl>
+                                        <p:attrNameLst>
+                                          <p:attrName>ppt_y</p:attrName>
+                                        </p:attrNameLst>
+                                      </p:cBhvr>
+                                      <p:tavLst>
+                                        <p:tav tm="0" fmla="#ppt_y+(sin(-2*pi*(1-$))*-#ppt_x+cos(-2*pi*(1-$))*(1-#ppt_y))*(1-$)">
+                                          <p:val>
+                                            <p:fltVal val="0"/>
+                                          </p:val>
+                                        </p:tav>
+                                        <p:tav tm="100000">
+                                          <p:val>
+                                            <p:fltVal val="1"/>
+                                          </p:val>
+                                        </p:tav>
+                                      </p:tavLst>
+                                    </p:anim>
+                                  </p:childTnLst>
+                                </p:cTn>
+                              </p:par>
+                            </p:childTnLst>
+                          </p:cTn>
+                        </p:par>
+                      </p:childTnLst>
+                    </p:cTn>
+                  </p:par>
+                </p:childTnLst>
+              </p:cTn>
+              <p:prevCondLst>
+                <p:cond evt="onPrev" delay="0">
+                  <p:tgtEl>
+                    <p:sldTgt/>
+                  </p:tgtEl>
+                </p:cond>
+              </p:prevCondLst>
+              <p:nextCondLst>
+                <p:cond evt="onNext" delay="0">
+                  <p:tgtEl>
+                    <p:sldTgt/>
+                  </p:tgtEl>
+                </p:cond>
+              </p:nextCondLst>
+            </p:seq>
+          </p:childTnLst>
+        </p:cTn>
+      </p:par>
+    </p:tnLst>
+    <p:bldLst>
+      <p:bldP spid="4" grpId="0"/>
+    </p:bldLst>
+  </p:timing>
+</p:sld>
+</file>
+
+<file path=ppt/slides/slide21.xml><?xml version="1.0" encoding="utf-8"?>
+<p:sld xmlns:a="http://schemas.openxmlformats.org/drawingml/2006/main" xmlns:r="http://schemas.openxmlformats.org/officeDocument/2006/relationships" xmlns:p="http://schemas.openxmlformats.org/presentationml/2006/main">
+  <p:cSld>
+    <p:spTree>
+      <p:nvGrpSpPr>
+        <p:cNvPr id="1" name=""/>
+        <p:cNvGrpSpPr/>
+        <p:nvPr/>
+      </p:nvGrpSpPr>
+      <p:grpSpPr>
+        <a:xfrm>
+          <a:off x="0" y="0"/>
+          <a:ext cx="0" cy="0"/>
+          <a:chOff x="0" y="0"/>
+          <a:chExt cx="0" cy="0"/>
+        </a:xfrm>
+      </p:grpSpPr>
+      <p:sp>
+        <p:nvSpPr>
+          <p:cNvPr id="2" name="Freeform 15">
+            <a:extLst>
+              <a:ext uri="{FF2B5EF4-FFF2-40B4-BE49-F238E27FC236}">
+                <a16:creationId xmlns:a16="http://schemas.microsoft.com/office/drawing/2014/main" id="{7956E56C-C3F1-4DDA-8C0D-5A3212DAD5CF}"/>
+              </a:ext>
+            </a:extLst>
+          </p:cNvPr>
+          <p:cNvSpPr>
+            <a:spLocks/>
+          </p:cNvSpPr>
+          <p:nvPr/>
+        </p:nvSpPr>
+        <p:spPr bwMode="auto">
+          <a:xfrm>
+            <a:off x="389654" y="391902"/>
+            <a:ext cx="487234" cy="562546"/>
+          </a:xfrm>
+          <a:custGeom>
+            <a:avLst/>
+            <a:gdLst>
+              <a:gd name="T0" fmla="*/ 0 w 1171"/>
+              <a:gd name="T1" fmla="*/ 1014 h 1352"/>
+              <a:gd name="T2" fmla="*/ 0 w 1171"/>
+              <a:gd name="T3" fmla="*/ 338 h 1352"/>
+              <a:gd name="T4" fmla="*/ 586 w 1171"/>
+              <a:gd name="T5" fmla="*/ 0 h 1352"/>
+              <a:gd name="T6" fmla="*/ 1171 w 1171"/>
+              <a:gd name="T7" fmla="*/ 338 h 1352"/>
+              <a:gd name="T8" fmla="*/ 1171 w 1171"/>
+              <a:gd name="T9" fmla="*/ 1014 h 1352"/>
+              <a:gd name="T10" fmla="*/ 586 w 1171"/>
+              <a:gd name="T11" fmla="*/ 1352 h 1352"/>
+              <a:gd name="T12" fmla="*/ 0 w 1171"/>
+              <a:gd name="T13" fmla="*/ 1014 h 1352"/>
+            </a:gdLst>
+            <a:ahLst/>
+            <a:cxnLst>
+              <a:cxn ang="0">
+                <a:pos x="T0" y="T1"/>
+              </a:cxn>
+              <a:cxn ang="0">
+                <a:pos x="T2" y="T3"/>
+              </a:cxn>
+              <a:cxn ang="0">
+                <a:pos x="T4" y="T5"/>
+              </a:cxn>
+              <a:cxn ang="0">
+                <a:pos x="T6" y="T7"/>
+              </a:cxn>
+              <a:cxn ang="0">
+                <a:pos x="T8" y="T9"/>
+              </a:cxn>
+              <a:cxn ang="0">
+                <a:pos x="T10" y="T11"/>
+              </a:cxn>
+              <a:cxn ang="0">
+                <a:pos x="T12" y="T13"/>
+              </a:cxn>
+            </a:cxnLst>
+            <a:rect l="0" t="0" r="r" b="b"/>
+            <a:pathLst>
+              <a:path w="1171" h="1352">
+                <a:moveTo>
+                  <a:pt x="0" y="1014"/>
+                </a:moveTo>
+                <a:lnTo>
+                  <a:pt x="0" y="338"/>
+                </a:lnTo>
+                <a:lnTo>
+                  <a:pt x="586" y="0"/>
+                </a:lnTo>
+                <a:lnTo>
+                  <a:pt x="1171" y="338"/>
+                </a:lnTo>
+                <a:lnTo>
+                  <a:pt x="1171" y="1014"/>
+                </a:lnTo>
+                <a:lnTo>
+                  <a:pt x="586" y="1352"/>
+                </a:lnTo>
+                <a:lnTo>
+                  <a:pt x="0" y="1014"/>
+                </a:lnTo>
+                <a:close/>
+              </a:path>
+            </a:pathLst>
+          </a:custGeom>
+          <a:solidFill>
+            <a:srgbClr val="2B3E54"/>
+          </a:solidFill>
+          <a:ln>
+            <a:noFill/>
+          </a:ln>
+        </p:spPr>
+        <p:txBody>
+          <a:bodyPr vert="horz" wrap="square" lIns="91440" tIns="45720" rIns="91440" bIns="45720" numCol="1" anchor="t" anchorCtr="0" compatLnSpc="1">
+            <a:prstTxWarp prst="textNoShape">
+              <a:avLst/>
+            </a:prstTxWarp>
+          </a:bodyPr>
+          <a:lstStyle/>
+          <a:p>
+            <a:endParaRPr lang="zh-CN" altLang="en-US" sz="2133" dirty="0">
+              <a:cs typeface="+mn-ea"/>
+              <a:sym typeface="+mn-lt"/>
+            </a:endParaRPr>
+          </a:p>
+        </p:txBody>
+      </p:sp>
+      <p:sp>
+        <p:nvSpPr>
+          <p:cNvPr id="4" name="文本框 8">
+            <a:extLst>
+              <a:ext uri="{FF2B5EF4-FFF2-40B4-BE49-F238E27FC236}">
+                <a16:creationId xmlns:a16="http://schemas.microsoft.com/office/drawing/2014/main" id="{EFA8AEF7-CAE9-495F-AC4C-2B1E9B3AA0F7}"/>
+              </a:ext>
+            </a:extLst>
+          </p:cNvPr>
+          <p:cNvSpPr txBox="1"/>
+          <p:nvPr/>
+        </p:nvSpPr>
+        <p:spPr>
+          <a:xfrm>
+            <a:off x="979905" y="471160"/>
+            <a:ext cx="4043433" cy="461665"/>
+          </a:xfrm>
+          <a:prstGeom prst="rect">
+            <a:avLst/>
+          </a:prstGeom>
+          <a:noFill/>
+        </p:spPr>
+        <p:txBody>
+          <a:bodyPr wrap="square" lIns="91440" tIns="45720" rIns="91440" bIns="45720" rtlCol="0">
+            <a:spAutoFit/>
+          </a:bodyPr>
+          <a:lstStyle>
+            <a:defPPr>
+              <a:defRPr lang="zh-CN"/>
+            </a:defPPr>
+            <a:lvl1pPr marL="0" algn="l" defTabSz="914400" rtl="0" eaLnBrk="1" latinLnBrk="0" hangingPunct="1">
+              <a:defRPr sz="1800" kern="1200">
+                <a:solidFill>
+                  <a:schemeClr val="tx1"/>
+                </a:solidFill>
+                <a:latin typeface="+mn-lt"/>
+                <a:ea typeface="+mn-ea"/>
+                <a:cs typeface="+mn-cs"/>
+              </a:defRPr>
+            </a:lvl1pPr>
+            <a:lvl2pPr marL="457200" algn="l" defTabSz="914400" rtl="0" eaLnBrk="1" latinLnBrk="0" hangingPunct="1">
+              <a:defRPr sz="1800" kern="1200">
+                <a:solidFill>
+                  <a:schemeClr val="tx1"/>
+                </a:solidFill>
+                <a:latin typeface="+mn-lt"/>
+                <a:ea typeface="+mn-ea"/>
+                <a:cs typeface="+mn-cs"/>
+              </a:defRPr>
+            </a:lvl2pPr>
+            <a:lvl3pPr marL="914400" algn="l" defTabSz="914400" rtl="0" eaLnBrk="1" latinLnBrk="0" hangingPunct="1">
+              <a:defRPr sz="1800" kern="1200">
+                <a:solidFill>
+                  <a:schemeClr val="tx1"/>
+                </a:solidFill>
+                <a:latin typeface="+mn-lt"/>
+                <a:ea typeface="+mn-ea"/>
+                <a:cs typeface="+mn-cs"/>
+              </a:defRPr>
+            </a:lvl3pPr>
+            <a:lvl4pPr marL="1371600" algn="l" defTabSz="914400" rtl="0" eaLnBrk="1" latinLnBrk="0" hangingPunct="1">
+              <a:defRPr sz="1800" kern="1200">
+                <a:solidFill>
+                  <a:schemeClr val="tx1"/>
+                </a:solidFill>
+                <a:latin typeface="+mn-lt"/>
+                <a:ea typeface="+mn-ea"/>
+                <a:cs typeface="+mn-cs"/>
+              </a:defRPr>
+            </a:lvl4pPr>
+            <a:lvl5pPr marL="1828800" algn="l" defTabSz="914400" rtl="0" eaLnBrk="1" latinLnBrk="0" hangingPunct="1">
+              <a:defRPr sz="1800" kern="1200">
+                <a:solidFill>
+                  <a:schemeClr val="tx1"/>
+                </a:solidFill>
+                <a:latin typeface="+mn-lt"/>
+                <a:ea typeface="+mn-ea"/>
+                <a:cs typeface="+mn-cs"/>
+              </a:defRPr>
+            </a:lvl5pPr>
+            <a:lvl6pPr marL="2286000" algn="l" defTabSz="914400" rtl="0" eaLnBrk="1" latinLnBrk="0" hangingPunct="1">
+              <a:defRPr sz="1800" kern="1200">
+                <a:solidFill>
+                  <a:schemeClr val="tx1"/>
+                </a:solidFill>
+                <a:latin typeface="+mn-lt"/>
+                <a:ea typeface="+mn-ea"/>
+                <a:cs typeface="+mn-cs"/>
+              </a:defRPr>
+            </a:lvl6pPr>
+            <a:lvl7pPr marL="2743200" algn="l" defTabSz="914400" rtl="0" eaLnBrk="1" latinLnBrk="0" hangingPunct="1">
+              <a:defRPr sz="1800" kern="1200">
+                <a:solidFill>
+                  <a:schemeClr val="tx1"/>
+                </a:solidFill>
+                <a:latin typeface="+mn-lt"/>
+                <a:ea typeface="+mn-ea"/>
+                <a:cs typeface="+mn-cs"/>
+              </a:defRPr>
+            </a:lvl7pPr>
+            <a:lvl8pPr marL="3200400" algn="l" defTabSz="914400" rtl="0" eaLnBrk="1" latinLnBrk="0" hangingPunct="1">
+              <a:defRPr sz="1800" kern="1200">
+                <a:solidFill>
+                  <a:schemeClr val="tx1"/>
+                </a:solidFill>
+                <a:latin typeface="+mn-lt"/>
+                <a:ea typeface="+mn-ea"/>
+                <a:cs typeface="+mn-cs"/>
+              </a:defRPr>
+            </a:lvl8pPr>
+            <a:lvl9pPr marL="3657600" algn="l" defTabSz="914400" rtl="0" eaLnBrk="1" latinLnBrk="0" hangingPunct="1">
+              <a:defRPr sz="1800" kern="1200">
+                <a:solidFill>
+                  <a:schemeClr val="tx1"/>
+                </a:solidFill>
+                <a:latin typeface="+mn-lt"/>
+                <a:ea typeface="+mn-ea"/>
+                <a:cs typeface="+mn-cs"/>
+              </a:defRPr>
+            </a:lvl9pPr>
+          </a:lstStyle>
+          <a:p>
+            <a:r>
+              <a:rPr lang="en-US" altLang="zh-CN" sz="2400" dirty="0" err="1">
+                <a:solidFill>
+                  <a:srgbClr val="2B3E54"/>
+                </a:solidFill>
+                <a:cs typeface="+mn-ea"/>
+                <a:sym typeface="+mn-lt"/>
+              </a:rPr>
+              <a:t>Makefile</a:t>
+            </a:r>
+            <a:endParaRPr lang="en-US" altLang="zh-CN" sz="2400" dirty="0">
+              <a:solidFill>
+                <a:srgbClr val="2B3E54"/>
+              </a:solidFill>
+              <a:cs typeface="+mn-ea"/>
+              <a:sym typeface="+mn-lt"/>
+            </a:endParaRPr>
+          </a:p>
+        </p:txBody>
+      </p:sp>
+      <p:sp>
+        <p:nvSpPr>
+          <p:cNvPr id="17" name="文本框 16">
+            <a:extLst>
+              <a:ext uri="{FF2B5EF4-FFF2-40B4-BE49-F238E27FC236}">
+                <a16:creationId xmlns:a16="http://schemas.microsoft.com/office/drawing/2014/main" id="{299A68EA-D381-48DE-7AB3-B097143B17A6}"/>
+              </a:ext>
+            </a:extLst>
+          </p:cNvPr>
+          <p:cNvSpPr txBox="1"/>
+          <p:nvPr/>
+        </p:nvSpPr>
+        <p:spPr>
+          <a:xfrm>
+            <a:off x="1060937" y="1172920"/>
+            <a:ext cx="8170985" cy="923330"/>
+          </a:xfrm>
+          <a:prstGeom prst="rect">
+            <a:avLst/>
+          </a:prstGeom>
+          <a:noFill/>
+        </p:spPr>
+        <p:txBody>
+          <a:bodyPr wrap="square" rtlCol="0">
+            <a:spAutoFit/>
+          </a:bodyPr>
+          <a:lstStyle/>
+          <a:p>
+            <a:r>
+              <a:rPr lang="zh-CN" altLang="en-US" dirty="0"/>
+              <a:t>如果想进一步了解</a:t>
+            </a:r>
+            <a:r>
+              <a:rPr lang="en-US" altLang="zh-CN" dirty="0" err="1"/>
+              <a:t>Makefile</a:t>
+            </a:r>
+            <a:r>
+              <a:rPr lang="zh-CN" altLang="en-US" dirty="0"/>
+              <a:t>语法，可以参考：</a:t>
+            </a:r>
+            <a:r>
+              <a:rPr lang="en-US" altLang="zh-CN" dirty="0">
+                <a:hlinkClick r:id="rId2"/>
+              </a:rPr>
+              <a:t>https://makefiletutorial.com/</a:t>
+            </a:r>
+            <a:endParaRPr lang="en-US" altLang="zh-CN" dirty="0"/>
+          </a:p>
+          <a:p>
+            <a:endParaRPr lang="en-US" altLang="zh-CN" dirty="0"/>
+          </a:p>
+          <a:p>
+            <a:endParaRPr lang="zh-CN" altLang="en-US" dirty="0"/>
+          </a:p>
+        </p:txBody>
+      </p:sp>
+      <p:sp>
+        <p:nvSpPr>
+          <p:cNvPr id="3" name="文本框 2">
+            <a:extLst>
+              <a:ext uri="{FF2B5EF4-FFF2-40B4-BE49-F238E27FC236}">
+                <a16:creationId xmlns:a16="http://schemas.microsoft.com/office/drawing/2014/main" id="{3DE7AE7F-D4C6-D439-D5EA-12E12A37E363}"/>
+              </a:ext>
+            </a:extLst>
+          </p:cNvPr>
+          <p:cNvSpPr txBox="1"/>
+          <p:nvPr/>
+        </p:nvSpPr>
+        <p:spPr>
+          <a:xfrm>
+            <a:off x="1060937" y="1911584"/>
+            <a:ext cx="5521570" cy="369332"/>
+          </a:xfrm>
+          <a:prstGeom prst="rect">
+            <a:avLst/>
+          </a:prstGeom>
+          <a:noFill/>
+        </p:spPr>
+        <p:txBody>
+          <a:bodyPr wrap="square" rtlCol="0">
+            <a:spAutoFit/>
+          </a:bodyPr>
+          <a:lstStyle/>
+          <a:p>
+            <a:r>
+              <a:rPr lang="zh-CN" altLang="en-US" dirty="0"/>
+              <a:t>然而这一切全都是为了接下来登场的</a:t>
+            </a:r>
+            <a:r>
+              <a:rPr lang="en-US" altLang="zh-CN" dirty="0" err="1"/>
+              <a:t>Cmake</a:t>
+            </a:r>
+            <a:r>
+              <a:rPr lang="zh-CN" altLang="en-US" dirty="0"/>
+              <a:t>做铺垫的。</a:t>
+            </a:r>
+          </a:p>
+        </p:txBody>
+      </p:sp>
+    </p:spTree>
+    <p:extLst>
+      <p:ext uri="{BB962C8B-B14F-4D97-AF65-F5344CB8AC3E}">
+        <p14:creationId xmlns:p14="http://schemas.microsoft.com/office/powerpoint/2010/main" val="897275914"/>
+      </p:ext>
+    </p:extLst>
+  </p:cSld>
+  <p:clrMapOvr>
+    <a:masterClrMapping/>
+  </p:clrMapOvr>
+  <p:timing>
+    <p:tnLst>
+      <p:par>
+        <p:cTn id="1" dur="indefinite" restart="never" nodeType="tmRoot">
+          <p:childTnLst>
+            <p:seq concurrent="1" nextAc="seek">
+              <p:cTn id="2" dur="indefinite" nodeType="mainSeq">
+                <p:childTnLst>
+                  <p:par>
+                    <p:cTn id="3" fill="hold">
+                      <p:stCondLst>
+                        <p:cond delay="indefinite"/>
+                        <p:cond evt="onBegin" delay="0">
+                          <p:tn val="2"/>
+                        </p:cond>
+                      </p:stCondLst>
+                      <p:childTnLst>
+                        <p:par>
+                          <p:cTn id="4" fill="hold">
+                            <p:stCondLst>
+                              <p:cond delay="0"/>
+                            </p:stCondLst>
+                            <p:childTnLst>
+                              <p:par>
+                                <p:cTn id="5" presetID="15" presetClass="entr" presetSubtype="0" fill="hold" grpId="0" nodeType="afterEffect">
+                                  <p:stCondLst>
+                                    <p:cond delay="0"/>
+                                  </p:stCondLst>
+                                  <p:childTnLst>
+                                    <p:set>
+                                      <p:cBhvr>
+                                        <p:cTn id="6" dur="1" fill="hold">
+                                          <p:stCondLst>
+                                            <p:cond delay="0"/>
+                                          </p:stCondLst>
+                                        </p:cTn>
+                                        <p:tgtEl>
+                                          <p:spTgt spid="4"/>
+                                        </p:tgtEl>
+                                        <p:attrNameLst>
+                                          <p:attrName>style.visibility</p:attrName>
+                                        </p:attrNameLst>
+                                      </p:cBhvr>
+                                      <p:to>
+                                        <p:strVal val="visible"/>
+                                      </p:to>
+                                    </p:set>
+                                    <p:anim calcmode="lin" valueType="num">
+                                      <p:cBhvr>
+                                        <p:cTn id="7" dur="1000" fill="hold"/>
+                                        <p:tgtEl>
+                                          <p:spTgt spid="4"/>
+                                        </p:tgtEl>
+                                        <p:attrNameLst>
+                                          <p:attrName>ppt_w</p:attrName>
+                                        </p:attrNameLst>
+                                      </p:cBhvr>
+                                      <p:tavLst>
+                                        <p:tav tm="0">
+                                          <p:val>
+                                            <p:fltVal val="0"/>
+                                          </p:val>
+                                        </p:tav>
+                                        <p:tav tm="100000">
+                                          <p:val>
+                                            <p:strVal val="#ppt_w"/>
+                                          </p:val>
+                                        </p:tav>
+                                      </p:tavLst>
+                                    </p:anim>
+                                    <p:anim calcmode="lin" valueType="num">
+                                      <p:cBhvr>
+                                        <p:cTn id="8" dur="1000" fill="hold"/>
+                                        <p:tgtEl>
+                                          <p:spTgt spid="4"/>
+                                        </p:tgtEl>
+                                        <p:attrNameLst>
+                                          <p:attrName>ppt_h</p:attrName>
+                                        </p:attrNameLst>
+                                      </p:cBhvr>
+                                      <p:tavLst>
+                                        <p:tav tm="0">
+                                          <p:val>
+                                            <p:fltVal val="0"/>
+                                          </p:val>
+                                        </p:tav>
+                                        <p:tav tm="100000">
+                                          <p:val>
+                                            <p:strVal val="#ppt_h"/>
+                                          </p:val>
+                                        </p:tav>
+                                      </p:tavLst>
+                                    </p:anim>
+                                    <p:anim calcmode="lin" valueType="num">
+                                      <p:cBhvr>
+                                        <p:cTn id="9" dur="1000" fill="hold"/>
+                                        <p:tgtEl>
+                                          <p:spTgt spid="4"/>
+                                        </p:tgtEl>
+                                        <p:attrNameLst>
+                                          <p:attrName>ppt_x</p:attrName>
+                                        </p:attrNameLst>
+                                      </p:cBhvr>
+                                      <p:tavLst>
+                                        <p:tav tm="0" fmla="#ppt_x+(cos(-2*pi*(1-$))*-#ppt_x-sin(-2*pi*(1-$))*(1-#ppt_y))*(1-$)">
+                                          <p:val>
+                                            <p:fltVal val="0"/>
+                                          </p:val>
+                                        </p:tav>
+                                        <p:tav tm="100000">
+                                          <p:val>
+                                            <p:fltVal val="1"/>
+                                          </p:val>
+                                        </p:tav>
+                                      </p:tavLst>
+                                    </p:anim>
+                                    <p:anim calcmode="lin" valueType="num">
+                                      <p:cBhvr>
+                                        <p:cTn id="10" dur="1000" fill="hold"/>
+                                        <p:tgtEl>
+                                          <p:spTgt spid="4"/>
+                                        </p:tgtEl>
+                                        <p:attrNameLst>
+                                          <p:attrName>ppt_y</p:attrName>
+                                        </p:attrNameLst>
+                                      </p:cBhvr>
+                                      <p:tavLst>
+                                        <p:tav tm="0" fmla="#ppt_y+(sin(-2*pi*(1-$))*-#ppt_x+cos(-2*pi*(1-$))*(1-#ppt_y))*(1-$)">
+                                          <p:val>
+                                            <p:fltVal val="0"/>
+                                          </p:val>
+                                        </p:tav>
+                                        <p:tav tm="100000">
+                                          <p:val>
+                                            <p:fltVal val="1"/>
+                                          </p:val>
+                                        </p:tav>
+                                      </p:tavLst>
+                                    </p:anim>
+                                  </p:childTnLst>
+                                </p:cTn>
+                              </p:par>
+                            </p:childTnLst>
+                          </p:cTn>
+                        </p:par>
+                      </p:childTnLst>
+                    </p:cTn>
+                  </p:par>
+                </p:childTnLst>
+              </p:cTn>
+              <p:prevCondLst>
+                <p:cond evt="onPrev" delay="0">
+                  <p:tgtEl>
+                    <p:sldTgt/>
+                  </p:tgtEl>
+                </p:cond>
+              </p:prevCondLst>
+              <p:nextCondLst>
+                <p:cond evt="onNext" delay="0">
+                  <p:tgtEl>
+                    <p:sldTgt/>
+                  </p:tgtEl>
+                </p:cond>
+              </p:nextCondLst>
+            </p:seq>
+          </p:childTnLst>
+        </p:cTn>
+      </p:par>
+    </p:tnLst>
+    <p:bldLst>
+      <p:bldP spid="4" grpId="0"/>
+    </p:bldLst>
+  </p:timing>
+</p:sld>
+</file>
+
+<file path=ppt/slides/slide22.xml><?xml version="1.0" encoding="utf-8"?>
+<p:sld xmlns:a="http://schemas.openxmlformats.org/drawingml/2006/main" xmlns:r="http://schemas.openxmlformats.org/officeDocument/2006/relationships" xmlns:p="http://schemas.openxmlformats.org/presentationml/2006/main">
+  <p:cSld>
+    <p:spTree>
+      <p:nvGrpSpPr>
+        <p:cNvPr id="1" name=""/>
+        <p:cNvGrpSpPr/>
+        <p:nvPr/>
+      </p:nvGrpSpPr>
+      <p:grpSpPr>
+        <a:xfrm>
+          <a:off x="0" y="0"/>
+          <a:ext cx="0" cy="0"/>
+          <a:chOff x="0" y="0"/>
+          <a:chExt cx="0" cy="0"/>
+        </a:xfrm>
+      </p:grpSpPr>
+      <p:sp>
+        <p:nvSpPr>
           <p:cNvPr id="70" name="矩形 10"/>
           <p:cNvSpPr>
             <a:spLocks noChangeAspect="1"/>
@@ -15147,8 +17121,8 @@
       </p:transition>
     </mc:Fallback>
   </mc:AlternateContent>
-  <mc:AlternateContent xmlns:mc="http://schemas.openxmlformats.org/markup-compatibility/2006">
-    <mc:Choice xmlns:p14="http://schemas.microsoft.com/office/powerpoint/2010/main" Requires="p14">
+  <mc:AlternateContent xmlns:mc="http://schemas.openxmlformats.org/markup-compatibility/2006" xmlns:p14="http://schemas.microsoft.com/office/powerpoint/2010/main">
+    <mc:Choice Requires="p14">
       <p:timing>
         <p:tnLst>
           <p:par>
@@ -15345,7 +17319,7 @@
         </p:bldLst>
       </p:timing>
     </mc:Choice>
-    <mc:Fallback>
+    <mc:Fallback xmlns="">
       <p:timing>
         <p:tnLst>
           <p:par>
@@ -15546,7 +17520,7 @@
 </p:sld>
 </file>
 
-<file path=ppt/slides/slide21.xml><?xml version="1.0" encoding="utf-8"?>
+<file path=ppt/slides/slide23.xml><?xml version="1.0" encoding="utf-8"?>
 <p:sld xmlns:a="http://schemas.openxmlformats.org/drawingml/2006/main" xmlns:r="http://schemas.openxmlformats.org/officeDocument/2006/relationships" xmlns:p="http://schemas.openxmlformats.org/presentationml/2006/main">
   <p:cSld>
     <p:spTree>
@@ -16189,7 +18163,7 @@
 </p:sld>
 </file>
 
-<file path=ppt/slides/slide22.xml><?xml version="1.0" encoding="utf-8"?>
+<file path=ppt/slides/slide24.xml><?xml version="1.0" encoding="utf-8"?>
 <p:sld xmlns:a="http://schemas.openxmlformats.org/drawingml/2006/main" xmlns:r="http://schemas.openxmlformats.org/officeDocument/2006/relationships" xmlns:p="http://schemas.openxmlformats.org/presentationml/2006/main">
   <p:cSld>
     <p:spTree>
@@ -17035,7 +19009,7 @@
 </p:sld>
 </file>
 
-<file path=ppt/slides/slide23.xml><?xml version="1.0" encoding="utf-8"?>
+<file path=ppt/slides/slide25.xml><?xml version="1.0" encoding="utf-8"?>
 <p:sld xmlns:a="http://schemas.openxmlformats.org/drawingml/2006/main" xmlns:r="http://schemas.openxmlformats.org/officeDocument/2006/relationships" xmlns:p="http://schemas.openxmlformats.org/presentationml/2006/main">
   <p:cSld>
     <p:spTree>
@@ -17666,7 +19640,7 @@
 </p:sld>
 </file>
 
-<file path=ppt/slides/slide24.xml><?xml version="1.0" encoding="utf-8"?>
+<file path=ppt/slides/slide26.xml><?xml version="1.0" encoding="utf-8"?>
 <p:sld xmlns:a="http://schemas.openxmlformats.org/drawingml/2006/main" xmlns:r="http://schemas.openxmlformats.org/officeDocument/2006/relationships" xmlns:p="http://schemas.openxmlformats.org/presentationml/2006/main">
   <p:cSld>
     <p:spTree>
@@ -17943,8 +19917,8 @@
       </p:transition>
     </mc:Fallback>
   </mc:AlternateContent>
-  <mc:AlternateContent xmlns:mc="http://schemas.openxmlformats.org/markup-compatibility/2006">
-    <mc:Choice xmlns:p14="http://schemas.microsoft.com/office/powerpoint/2010/main" Requires="p14">
+  <mc:AlternateContent xmlns:mc="http://schemas.openxmlformats.org/markup-compatibility/2006" xmlns:p14="http://schemas.microsoft.com/office/powerpoint/2010/main">
+    <mc:Choice Requires="p14">
       <p:timing>
         <p:tnLst>
           <p:par>
@@ -18141,7 +20115,7 @@
         </p:bldLst>
       </p:timing>
     </mc:Choice>
-    <mc:Fallback>
+    <mc:Fallback xmlns="">
       <p:timing>
         <p:tnLst>
           <p:par>
@@ -18342,7 +20316,7 @@
 </p:sld>
 </file>
 
-<file path=ppt/slides/slide25.xml><?xml version="1.0" encoding="utf-8"?>
+<file path=ppt/slides/slide27.xml><?xml version="1.0" encoding="utf-8"?>
 <p:sld xmlns:a="http://schemas.openxmlformats.org/drawingml/2006/main" xmlns:r="http://schemas.openxmlformats.org/officeDocument/2006/relationships" xmlns:p="http://schemas.openxmlformats.org/presentationml/2006/main">
   <p:cSld>
     <p:spTree>
@@ -19413,7 +21387,7 @@
 </p:sld>
 </file>
 
-<file path=ppt/slides/slide26.xml><?xml version="1.0" encoding="utf-8"?>
+<file path=ppt/slides/slide28.xml><?xml version="1.0" encoding="utf-8"?>
 <p:sld xmlns:a="http://schemas.openxmlformats.org/drawingml/2006/main" xmlns:r="http://schemas.openxmlformats.org/officeDocument/2006/relationships" xmlns:p="http://schemas.openxmlformats.org/presentationml/2006/main">
   <p:cSld>
     <p:spTree>
@@ -22983,7 +24957,7 @@
                 <a:cs typeface="+mn-ea"/>
                 <a:sym typeface="+mn-lt"/>
               </a:rPr>
-              <a:t>C</a:t>
+              <a:t>C/C++</a:t>
             </a:r>
             <a:r>
               <a:rPr lang="zh-CN" altLang="en-US" sz="5333" b="1" kern="100" dirty="0">
@@ -23142,8 +25116,8 @@
       </p:transition>
     </mc:Fallback>
   </mc:AlternateContent>
-  <mc:AlternateContent xmlns:mc="http://schemas.openxmlformats.org/markup-compatibility/2006">
-    <mc:Choice xmlns:p14="http://schemas.microsoft.com/office/powerpoint/2010/main" Requires="p14">
+  <mc:AlternateContent xmlns:mc="http://schemas.openxmlformats.org/markup-compatibility/2006" xmlns:p14="http://schemas.microsoft.com/office/powerpoint/2010/main">
+    <mc:Choice Requires="p14">
       <p:timing>
         <p:tnLst>
           <p:par>
@@ -23340,7 +25314,7 @@
         </p:bldLst>
       </p:timing>
     </mc:Choice>
-    <mc:Fallback>
+    <mc:Fallback xmlns="">
       <p:timing>
         <p:tnLst>
           <p:par>
